--- a/포트폴리오/로또 번호 추첨기 프로그램/로또 번호 추첨기 - 양화영.pptx
+++ b/포트폴리오/로또 번호 추첨기 프로그램/로또 번호 추첨기 - 양화영.pptx
@@ -122,7 +122,7 @@
   </p:defaultTextStyle>
   <p:extLst>
     <p:ext uri="{EFAFB233-063F-42B5-8137-9DF3F51BA10A}">
-      <p15:sldGuideLst xmlns:p15="http://schemas.microsoft.com/office/powerpoint/2012/main" xmlns="">
+      <p15:sldGuideLst xmlns:p15="http://schemas.microsoft.com/office/powerpoint/2012/main">
         <p15:guide id="1" orient="horz" pos="2150">
           <p15:clr>
             <a:srgbClr val="A4A3A4"/>
@@ -161,7 +161,7 @@
           <p:cNvPr id="2" name="제목 1">
             <a:extLst>
               <a:ext uri="{FF2B5EF4-FFF2-40B4-BE49-F238E27FC236}">
-                <a16:creationId xmlns:a16="http://schemas.microsoft.com/office/drawing/2014/main" xmlns="" id="{22112318-F619-4488-8B6E-2F5F2426A69A}"/>
+                <a16:creationId xmlns:a16="http://schemas.microsoft.com/office/drawing/2014/main" id="{22112318-F619-4488-8B6E-2F5F2426A69A}"/>
               </a:ext>
             </a:extLst>
           </p:cNvPr>
@@ -198,7 +198,7 @@
           <p:cNvPr id="3" name="부제목 2">
             <a:extLst>
               <a:ext uri="{FF2B5EF4-FFF2-40B4-BE49-F238E27FC236}">
-                <a16:creationId xmlns:a16="http://schemas.microsoft.com/office/drawing/2014/main" xmlns="" id="{E8BEE6BB-9A5F-4E9F-9F1C-6D46BE01A313}"/>
+                <a16:creationId xmlns:a16="http://schemas.microsoft.com/office/drawing/2014/main" id="{E8BEE6BB-9A5F-4E9F-9F1C-6D46BE01A313}"/>
               </a:ext>
             </a:extLst>
           </p:cNvPr>
@@ -268,7 +268,7 @@
           <p:cNvPr id="4" name="날짜 개체 틀 3">
             <a:extLst>
               <a:ext uri="{FF2B5EF4-FFF2-40B4-BE49-F238E27FC236}">
-                <a16:creationId xmlns:a16="http://schemas.microsoft.com/office/drawing/2014/main" xmlns="" id="{D2D9A51D-A948-4CB8-A9EB-5A26520C8EF0}"/>
+                <a16:creationId xmlns:a16="http://schemas.microsoft.com/office/drawing/2014/main" id="{D2D9A51D-A948-4CB8-A9EB-5A26520C8EF0}"/>
               </a:ext>
             </a:extLst>
           </p:cNvPr>
@@ -293,7 +293,7 @@
                 </a:solidFill>
               </a:rPr>
               <a:pPr/>
-              <a:t>2021-04-14</a:t>
+              <a:t>2021-04-19</a:t>
             </a:fld>
             <a:endParaRPr lang="ko-KR" altLang="en-US">
               <a:solidFill>
@@ -310,7 +310,7 @@
           <p:cNvPr id="5" name="바닥글 개체 틀 4">
             <a:extLst>
               <a:ext uri="{FF2B5EF4-FFF2-40B4-BE49-F238E27FC236}">
-                <a16:creationId xmlns:a16="http://schemas.microsoft.com/office/drawing/2014/main" xmlns="" id="{84374BBD-0B82-4658-B13D-088F0E4D078E}"/>
+                <a16:creationId xmlns:a16="http://schemas.microsoft.com/office/drawing/2014/main" id="{84374BBD-0B82-4658-B13D-088F0E4D078E}"/>
               </a:ext>
             </a:extLst>
           </p:cNvPr>
@@ -341,7 +341,7 @@
           <p:cNvPr id="6" name="슬라이드 번호 개체 틀 5">
             <a:extLst>
               <a:ext uri="{FF2B5EF4-FFF2-40B4-BE49-F238E27FC236}">
-                <a16:creationId xmlns:a16="http://schemas.microsoft.com/office/drawing/2014/main" xmlns="" id="{AB1AAA67-696A-4836-A10B-FF164C3AF889}"/>
+                <a16:creationId xmlns:a16="http://schemas.microsoft.com/office/drawing/2014/main" id="{AB1AAA67-696A-4836-A10B-FF164C3AF889}"/>
               </a:ext>
             </a:extLst>
           </p:cNvPr>
@@ -413,7 +413,7 @@
           <p:cNvPr id="2" name="제목 1">
             <a:extLst>
               <a:ext uri="{FF2B5EF4-FFF2-40B4-BE49-F238E27FC236}">
-                <a16:creationId xmlns:a16="http://schemas.microsoft.com/office/drawing/2014/main" xmlns="" id="{3C43AEE1-28CA-46D2-81F5-CD34E4F9E583}"/>
+                <a16:creationId xmlns:a16="http://schemas.microsoft.com/office/drawing/2014/main" id="{3C43AEE1-28CA-46D2-81F5-CD34E4F9E583}"/>
               </a:ext>
             </a:extLst>
           </p:cNvPr>
@@ -441,7 +441,7 @@
           <p:cNvPr id="3" name="세로 텍스트 개체 틀 2">
             <a:extLst>
               <a:ext uri="{FF2B5EF4-FFF2-40B4-BE49-F238E27FC236}">
-                <a16:creationId xmlns:a16="http://schemas.microsoft.com/office/drawing/2014/main" xmlns="" id="{C738FEC2-4BF0-4A45-9297-EE9B2E45E5CC}"/>
+                <a16:creationId xmlns:a16="http://schemas.microsoft.com/office/drawing/2014/main" id="{C738FEC2-4BF0-4A45-9297-EE9B2E45E5CC}"/>
               </a:ext>
             </a:extLst>
           </p:cNvPr>
@@ -498,7 +498,7 @@
           <p:cNvPr id="4" name="날짜 개체 틀 3">
             <a:extLst>
               <a:ext uri="{FF2B5EF4-FFF2-40B4-BE49-F238E27FC236}">
-                <a16:creationId xmlns:a16="http://schemas.microsoft.com/office/drawing/2014/main" xmlns="" id="{2BEDBAD0-D342-4544-94B8-122B3BDBF705}"/>
+                <a16:creationId xmlns:a16="http://schemas.microsoft.com/office/drawing/2014/main" id="{2BEDBAD0-D342-4544-94B8-122B3BDBF705}"/>
               </a:ext>
             </a:extLst>
           </p:cNvPr>
@@ -523,7 +523,7 @@
                 </a:solidFill>
               </a:rPr>
               <a:pPr/>
-              <a:t>2021-04-14</a:t>
+              <a:t>2021-04-19</a:t>
             </a:fld>
             <a:endParaRPr lang="ko-KR" altLang="en-US">
               <a:solidFill>
@@ -540,7 +540,7 @@
           <p:cNvPr id="5" name="바닥글 개체 틀 4">
             <a:extLst>
               <a:ext uri="{FF2B5EF4-FFF2-40B4-BE49-F238E27FC236}">
-                <a16:creationId xmlns:a16="http://schemas.microsoft.com/office/drawing/2014/main" xmlns="" id="{1D70FE0D-ACBA-4806-9F35-4EB786E865FE}"/>
+                <a16:creationId xmlns:a16="http://schemas.microsoft.com/office/drawing/2014/main" id="{1D70FE0D-ACBA-4806-9F35-4EB786E865FE}"/>
               </a:ext>
             </a:extLst>
           </p:cNvPr>
@@ -571,7 +571,7 @@
           <p:cNvPr id="6" name="슬라이드 번호 개체 틀 5">
             <a:extLst>
               <a:ext uri="{FF2B5EF4-FFF2-40B4-BE49-F238E27FC236}">
-                <a16:creationId xmlns:a16="http://schemas.microsoft.com/office/drawing/2014/main" xmlns="" id="{A7F3119A-4AE1-408F-B8AD-4428B0060B24}"/>
+                <a16:creationId xmlns:a16="http://schemas.microsoft.com/office/drawing/2014/main" id="{A7F3119A-4AE1-408F-B8AD-4428B0060B24}"/>
               </a:ext>
             </a:extLst>
           </p:cNvPr>
@@ -643,7 +643,7 @@
           <p:cNvPr id="2" name="세로 제목 1">
             <a:extLst>
               <a:ext uri="{FF2B5EF4-FFF2-40B4-BE49-F238E27FC236}">
-                <a16:creationId xmlns:a16="http://schemas.microsoft.com/office/drawing/2014/main" xmlns="" id="{F0B3D2AB-E650-41C2-B6FB-5398A5C19680}"/>
+                <a16:creationId xmlns:a16="http://schemas.microsoft.com/office/drawing/2014/main" id="{F0B3D2AB-E650-41C2-B6FB-5398A5C19680}"/>
               </a:ext>
             </a:extLst>
           </p:cNvPr>
@@ -676,7 +676,7 @@
           <p:cNvPr id="3" name="세로 텍스트 개체 틀 2">
             <a:extLst>
               <a:ext uri="{FF2B5EF4-FFF2-40B4-BE49-F238E27FC236}">
-                <a16:creationId xmlns:a16="http://schemas.microsoft.com/office/drawing/2014/main" xmlns="" id="{992D6516-8F93-4221-97F7-E01D89EE517D}"/>
+                <a16:creationId xmlns:a16="http://schemas.microsoft.com/office/drawing/2014/main" id="{992D6516-8F93-4221-97F7-E01D89EE517D}"/>
               </a:ext>
             </a:extLst>
           </p:cNvPr>
@@ -738,7 +738,7 @@
           <p:cNvPr id="4" name="날짜 개체 틀 3">
             <a:extLst>
               <a:ext uri="{FF2B5EF4-FFF2-40B4-BE49-F238E27FC236}">
-                <a16:creationId xmlns:a16="http://schemas.microsoft.com/office/drawing/2014/main" xmlns="" id="{8D86CB26-A349-496A-B48B-A7B891172236}"/>
+                <a16:creationId xmlns:a16="http://schemas.microsoft.com/office/drawing/2014/main" id="{8D86CB26-A349-496A-B48B-A7B891172236}"/>
               </a:ext>
             </a:extLst>
           </p:cNvPr>
@@ -763,7 +763,7 @@
                 </a:solidFill>
               </a:rPr>
               <a:pPr/>
-              <a:t>2021-04-14</a:t>
+              <a:t>2021-04-19</a:t>
             </a:fld>
             <a:endParaRPr lang="ko-KR" altLang="en-US">
               <a:solidFill>
@@ -780,7 +780,7 @@
           <p:cNvPr id="5" name="바닥글 개체 틀 4">
             <a:extLst>
               <a:ext uri="{FF2B5EF4-FFF2-40B4-BE49-F238E27FC236}">
-                <a16:creationId xmlns:a16="http://schemas.microsoft.com/office/drawing/2014/main" xmlns="" id="{C2E726FD-A739-41D5-96BA-4670363928CF}"/>
+                <a16:creationId xmlns:a16="http://schemas.microsoft.com/office/drawing/2014/main" id="{C2E726FD-A739-41D5-96BA-4670363928CF}"/>
               </a:ext>
             </a:extLst>
           </p:cNvPr>
@@ -811,7 +811,7 @@
           <p:cNvPr id="6" name="슬라이드 번호 개체 틀 5">
             <a:extLst>
               <a:ext uri="{FF2B5EF4-FFF2-40B4-BE49-F238E27FC236}">
-                <a16:creationId xmlns:a16="http://schemas.microsoft.com/office/drawing/2014/main" xmlns="" id="{60FAE18D-FED5-4070-8B76-811D76CCECC9}"/>
+                <a16:creationId xmlns:a16="http://schemas.microsoft.com/office/drawing/2014/main" id="{60FAE18D-FED5-4070-8B76-811D76CCECC9}"/>
               </a:ext>
             </a:extLst>
           </p:cNvPr>
@@ -883,7 +883,7 @@
           <p:cNvPr id="2" name="제목 1">
             <a:extLst>
               <a:ext uri="{FF2B5EF4-FFF2-40B4-BE49-F238E27FC236}">
-                <a16:creationId xmlns:a16="http://schemas.microsoft.com/office/drawing/2014/main" xmlns="" id="{5CC6958D-28E5-4CC8-8C48-52A02A1BC426}"/>
+                <a16:creationId xmlns:a16="http://schemas.microsoft.com/office/drawing/2014/main" id="{5CC6958D-28E5-4CC8-8C48-52A02A1BC426}"/>
               </a:ext>
             </a:extLst>
           </p:cNvPr>
@@ -911,7 +911,7 @@
           <p:cNvPr id="3" name="내용 개체 틀 2">
             <a:extLst>
               <a:ext uri="{FF2B5EF4-FFF2-40B4-BE49-F238E27FC236}">
-                <a16:creationId xmlns:a16="http://schemas.microsoft.com/office/drawing/2014/main" xmlns="" id="{E8E03031-827B-4AC7-B564-384C16177476}"/>
+                <a16:creationId xmlns:a16="http://schemas.microsoft.com/office/drawing/2014/main" id="{E8E03031-827B-4AC7-B564-384C16177476}"/>
               </a:ext>
             </a:extLst>
           </p:cNvPr>
@@ -968,7 +968,7 @@
           <p:cNvPr id="4" name="날짜 개체 틀 3">
             <a:extLst>
               <a:ext uri="{FF2B5EF4-FFF2-40B4-BE49-F238E27FC236}">
-                <a16:creationId xmlns:a16="http://schemas.microsoft.com/office/drawing/2014/main" xmlns="" id="{11C19838-69C9-49EB-9B51-549106E9B8DE}"/>
+                <a16:creationId xmlns:a16="http://schemas.microsoft.com/office/drawing/2014/main" id="{11C19838-69C9-49EB-9B51-549106E9B8DE}"/>
               </a:ext>
             </a:extLst>
           </p:cNvPr>
@@ -993,7 +993,7 @@
                 </a:solidFill>
               </a:rPr>
               <a:pPr/>
-              <a:t>2021-04-14</a:t>
+              <a:t>2021-04-19</a:t>
             </a:fld>
             <a:endParaRPr lang="ko-KR" altLang="en-US">
               <a:solidFill>
@@ -1010,7 +1010,7 @@
           <p:cNvPr id="5" name="바닥글 개체 틀 4">
             <a:extLst>
               <a:ext uri="{FF2B5EF4-FFF2-40B4-BE49-F238E27FC236}">
-                <a16:creationId xmlns:a16="http://schemas.microsoft.com/office/drawing/2014/main" xmlns="" id="{3C26852C-90C9-4502-A697-363CF824CFD0}"/>
+                <a16:creationId xmlns:a16="http://schemas.microsoft.com/office/drawing/2014/main" id="{3C26852C-90C9-4502-A697-363CF824CFD0}"/>
               </a:ext>
             </a:extLst>
           </p:cNvPr>
@@ -1041,7 +1041,7 @@
           <p:cNvPr id="6" name="슬라이드 번호 개체 틀 5">
             <a:extLst>
               <a:ext uri="{FF2B5EF4-FFF2-40B4-BE49-F238E27FC236}">
-                <a16:creationId xmlns:a16="http://schemas.microsoft.com/office/drawing/2014/main" xmlns="" id="{DF7509D0-CCBD-406A-9D4E-6845657BBAED}"/>
+                <a16:creationId xmlns:a16="http://schemas.microsoft.com/office/drawing/2014/main" id="{DF7509D0-CCBD-406A-9D4E-6845657BBAED}"/>
               </a:ext>
             </a:extLst>
           </p:cNvPr>
@@ -1113,7 +1113,7 @@
           <p:cNvPr id="2" name="제목 1">
             <a:extLst>
               <a:ext uri="{FF2B5EF4-FFF2-40B4-BE49-F238E27FC236}">
-                <a16:creationId xmlns:a16="http://schemas.microsoft.com/office/drawing/2014/main" xmlns="" id="{6CEF73EF-188B-4B17-B08F-D30E80C308D0}"/>
+                <a16:creationId xmlns:a16="http://schemas.microsoft.com/office/drawing/2014/main" id="{6CEF73EF-188B-4B17-B08F-D30E80C308D0}"/>
               </a:ext>
             </a:extLst>
           </p:cNvPr>
@@ -1150,7 +1150,7 @@
           <p:cNvPr id="3" name="텍스트 개체 틀 2">
             <a:extLst>
               <a:ext uri="{FF2B5EF4-FFF2-40B4-BE49-F238E27FC236}">
-                <a16:creationId xmlns:a16="http://schemas.microsoft.com/office/drawing/2014/main" xmlns="" id="{DD7DD2CA-F9BF-47A8-9D27-757556FD1CEE}"/>
+                <a16:creationId xmlns:a16="http://schemas.microsoft.com/office/drawing/2014/main" id="{DD7DD2CA-F9BF-47A8-9D27-757556FD1CEE}"/>
               </a:ext>
             </a:extLst>
           </p:cNvPr>
@@ -1275,7 +1275,7 @@
           <p:cNvPr id="4" name="날짜 개체 틀 3">
             <a:extLst>
               <a:ext uri="{FF2B5EF4-FFF2-40B4-BE49-F238E27FC236}">
-                <a16:creationId xmlns:a16="http://schemas.microsoft.com/office/drawing/2014/main" xmlns="" id="{DE78A1FB-ABBF-480D-AC6C-9BB1AEF9789B}"/>
+                <a16:creationId xmlns:a16="http://schemas.microsoft.com/office/drawing/2014/main" id="{DE78A1FB-ABBF-480D-AC6C-9BB1AEF9789B}"/>
               </a:ext>
             </a:extLst>
           </p:cNvPr>
@@ -1300,7 +1300,7 @@
                 </a:solidFill>
               </a:rPr>
               <a:pPr/>
-              <a:t>2021-04-14</a:t>
+              <a:t>2021-04-19</a:t>
             </a:fld>
             <a:endParaRPr lang="ko-KR" altLang="en-US">
               <a:solidFill>
@@ -1317,7 +1317,7 @@
           <p:cNvPr id="5" name="바닥글 개체 틀 4">
             <a:extLst>
               <a:ext uri="{FF2B5EF4-FFF2-40B4-BE49-F238E27FC236}">
-                <a16:creationId xmlns:a16="http://schemas.microsoft.com/office/drawing/2014/main" xmlns="" id="{6384247E-1D11-4A19-BDDF-E157A205B45F}"/>
+                <a16:creationId xmlns:a16="http://schemas.microsoft.com/office/drawing/2014/main" id="{6384247E-1D11-4A19-BDDF-E157A205B45F}"/>
               </a:ext>
             </a:extLst>
           </p:cNvPr>
@@ -1348,7 +1348,7 @@
           <p:cNvPr id="6" name="슬라이드 번호 개체 틀 5">
             <a:extLst>
               <a:ext uri="{FF2B5EF4-FFF2-40B4-BE49-F238E27FC236}">
-                <a16:creationId xmlns:a16="http://schemas.microsoft.com/office/drawing/2014/main" xmlns="" id="{124EC815-B6FC-4BDE-910C-F8015ED4AD75}"/>
+                <a16:creationId xmlns:a16="http://schemas.microsoft.com/office/drawing/2014/main" id="{124EC815-B6FC-4BDE-910C-F8015ED4AD75}"/>
               </a:ext>
             </a:extLst>
           </p:cNvPr>
@@ -1420,7 +1420,7 @@
           <p:cNvPr id="2" name="제목 1">
             <a:extLst>
               <a:ext uri="{FF2B5EF4-FFF2-40B4-BE49-F238E27FC236}">
-                <a16:creationId xmlns:a16="http://schemas.microsoft.com/office/drawing/2014/main" xmlns="" id="{B4DAEB91-29AA-4ACC-BDCF-960470FCA5A1}"/>
+                <a16:creationId xmlns:a16="http://schemas.microsoft.com/office/drawing/2014/main" id="{B4DAEB91-29AA-4ACC-BDCF-960470FCA5A1}"/>
               </a:ext>
             </a:extLst>
           </p:cNvPr>
@@ -1448,7 +1448,7 @@
           <p:cNvPr id="3" name="내용 개체 틀 2">
             <a:extLst>
               <a:ext uri="{FF2B5EF4-FFF2-40B4-BE49-F238E27FC236}">
-                <a16:creationId xmlns:a16="http://schemas.microsoft.com/office/drawing/2014/main" xmlns="" id="{256B0E51-7DC0-45B6-8306-D8167F5CB7C8}"/>
+                <a16:creationId xmlns:a16="http://schemas.microsoft.com/office/drawing/2014/main" id="{256B0E51-7DC0-45B6-8306-D8167F5CB7C8}"/>
               </a:ext>
             </a:extLst>
           </p:cNvPr>
@@ -1510,7 +1510,7 @@
           <p:cNvPr id="4" name="내용 개체 틀 3">
             <a:extLst>
               <a:ext uri="{FF2B5EF4-FFF2-40B4-BE49-F238E27FC236}">
-                <a16:creationId xmlns:a16="http://schemas.microsoft.com/office/drawing/2014/main" xmlns="" id="{F7CB78CC-8798-4261-B4B1-60B4C54377A7}"/>
+                <a16:creationId xmlns:a16="http://schemas.microsoft.com/office/drawing/2014/main" id="{F7CB78CC-8798-4261-B4B1-60B4C54377A7}"/>
               </a:ext>
             </a:extLst>
           </p:cNvPr>
@@ -1572,7 +1572,7 @@
           <p:cNvPr id="5" name="날짜 개체 틀 4">
             <a:extLst>
               <a:ext uri="{FF2B5EF4-FFF2-40B4-BE49-F238E27FC236}">
-                <a16:creationId xmlns:a16="http://schemas.microsoft.com/office/drawing/2014/main" xmlns="" id="{79594384-5734-4FC8-928A-E1641354A126}"/>
+                <a16:creationId xmlns:a16="http://schemas.microsoft.com/office/drawing/2014/main" id="{79594384-5734-4FC8-928A-E1641354A126}"/>
               </a:ext>
             </a:extLst>
           </p:cNvPr>
@@ -1597,7 +1597,7 @@
                 </a:solidFill>
               </a:rPr>
               <a:pPr/>
-              <a:t>2021-04-14</a:t>
+              <a:t>2021-04-19</a:t>
             </a:fld>
             <a:endParaRPr lang="ko-KR" altLang="en-US">
               <a:solidFill>
@@ -1614,7 +1614,7 @@
           <p:cNvPr id="6" name="바닥글 개체 틀 5">
             <a:extLst>
               <a:ext uri="{FF2B5EF4-FFF2-40B4-BE49-F238E27FC236}">
-                <a16:creationId xmlns:a16="http://schemas.microsoft.com/office/drawing/2014/main" xmlns="" id="{282301C0-6908-48C0-8957-C8B3F4594C5A}"/>
+                <a16:creationId xmlns:a16="http://schemas.microsoft.com/office/drawing/2014/main" id="{282301C0-6908-48C0-8957-C8B3F4594C5A}"/>
               </a:ext>
             </a:extLst>
           </p:cNvPr>
@@ -1645,7 +1645,7 @@
           <p:cNvPr id="7" name="슬라이드 번호 개체 틀 6">
             <a:extLst>
               <a:ext uri="{FF2B5EF4-FFF2-40B4-BE49-F238E27FC236}">
-                <a16:creationId xmlns:a16="http://schemas.microsoft.com/office/drawing/2014/main" xmlns="" id="{507DD8FE-7741-412F-947D-7A7079F48607}"/>
+                <a16:creationId xmlns:a16="http://schemas.microsoft.com/office/drawing/2014/main" id="{507DD8FE-7741-412F-947D-7A7079F48607}"/>
               </a:ext>
             </a:extLst>
           </p:cNvPr>
@@ -1717,7 +1717,7 @@
           <p:cNvPr id="2" name="제목 1">
             <a:extLst>
               <a:ext uri="{FF2B5EF4-FFF2-40B4-BE49-F238E27FC236}">
-                <a16:creationId xmlns:a16="http://schemas.microsoft.com/office/drawing/2014/main" xmlns="" id="{BBD6DFD1-B640-4CC6-A759-6C7981C5CD61}"/>
+                <a16:creationId xmlns:a16="http://schemas.microsoft.com/office/drawing/2014/main" id="{BBD6DFD1-B640-4CC6-A759-6C7981C5CD61}"/>
               </a:ext>
             </a:extLst>
           </p:cNvPr>
@@ -1750,7 +1750,7 @@
           <p:cNvPr id="3" name="텍스트 개체 틀 2">
             <a:extLst>
               <a:ext uri="{FF2B5EF4-FFF2-40B4-BE49-F238E27FC236}">
-                <a16:creationId xmlns:a16="http://schemas.microsoft.com/office/drawing/2014/main" xmlns="" id="{25B2A237-7572-46BD-9502-829F6C0AD4F8}"/>
+                <a16:creationId xmlns:a16="http://schemas.microsoft.com/office/drawing/2014/main" id="{25B2A237-7572-46BD-9502-829F6C0AD4F8}"/>
               </a:ext>
             </a:extLst>
           </p:cNvPr>
@@ -1821,7 +1821,7 @@
           <p:cNvPr id="4" name="내용 개체 틀 3">
             <a:extLst>
               <a:ext uri="{FF2B5EF4-FFF2-40B4-BE49-F238E27FC236}">
-                <a16:creationId xmlns:a16="http://schemas.microsoft.com/office/drawing/2014/main" xmlns="" id="{81AE9732-B570-4506-BDA6-0AB39D453684}"/>
+                <a16:creationId xmlns:a16="http://schemas.microsoft.com/office/drawing/2014/main" id="{81AE9732-B570-4506-BDA6-0AB39D453684}"/>
               </a:ext>
             </a:extLst>
           </p:cNvPr>
@@ -1883,7 +1883,7 @@
           <p:cNvPr id="5" name="텍스트 개체 틀 4">
             <a:extLst>
               <a:ext uri="{FF2B5EF4-FFF2-40B4-BE49-F238E27FC236}">
-                <a16:creationId xmlns:a16="http://schemas.microsoft.com/office/drawing/2014/main" xmlns="" id="{A289407D-7DA6-4293-A426-38DF9B21160E}"/>
+                <a16:creationId xmlns:a16="http://schemas.microsoft.com/office/drawing/2014/main" id="{A289407D-7DA6-4293-A426-38DF9B21160E}"/>
               </a:ext>
             </a:extLst>
           </p:cNvPr>
@@ -1954,7 +1954,7 @@
           <p:cNvPr id="6" name="내용 개체 틀 5">
             <a:extLst>
               <a:ext uri="{FF2B5EF4-FFF2-40B4-BE49-F238E27FC236}">
-                <a16:creationId xmlns:a16="http://schemas.microsoft.com/office/drawing/2014/main" xmlns="" id="{F239549F-370A-4671-B1BB-79655CC6CB8C}"/>
+                <a16:creationId xmlns:a16="http://schemas.microsoft.com/office/drawing/2014/main" id="{F239549F-370A-4671-B1BB-79655CC6CB8C}"/>
               </a:ext>
             </a:extLst>
           </p:cNvPr>
@@ -2016,7 +2016,7 @@
           <p:cNvPr id="7" name="날짜 개체 틀 6">
             <a:extLst>
               <a:ext uri="{FF2B5EF4-FFF2-40B4-BE49-F238E27FC236}">
-                <a16:creationId xmlns:a16="http://schemas.microsoft.com/office/drawing/2014/main" xmlns="" id="{A86D9E62-97AA-41F8-B69B-6CD691CF0E2A}"/>
+                <a16:creationId xmlns:a16="http://schemas.microsoft.com/office/drawing/2014/main" id="{A86D9E62-97AA-41F8-B69B-6CD691CF0E2A}"/>
               </a:ext>
             </a:extLst>
           </p:cNvPr>
@@ -2041,7 +2041,7 @@
                 </a:solidFill>
               </a:rPr>
               <a:pPr/>
-              <a:t>2021-04-14</a:t>
+              <a:t>2021-04-19</a:t>
             </a:fld>
             <a:endParaRPr lang="ko-KR" altLang="en-US">
               <a:solidFill>
@@ -2058,7 +2058,7 @@
           <p:cNvPr id="8" name="바닥글 개체 틀 7">
             <a:extLst>
               <a:ext uri="{FF2B5EF4-FFF2-40B4-BE49-F238E27FC236}">
-                <a16:creationId xmlns:a16="http://schemas.microsoft.com/office/drawing/2014/main" xmlns="" id="{F41D3FC0-561B-4DE4-AA99-9DB56EC6B344}"/>
+                <a16:creationId xmlns:a16="http://schemas.microsoft.com/office/drawing/2014/main" id="{F41D3FC0-561B-4DE4-AA99-9DB56EC6B344}"/>
               </a:ext>
             </a:extLst>
           </p:cNvPr>
@@ -2089,7 +2089,7 @@
           <p:cNvPr id="9" name="슬라이드 번호 개체 틀 8">
             <a:extLst>
               <a:ext uri="{FF2B5EF4-FFF2-40B4-BE49-F238E27FC236}">
-                <a16:creationId xmlns:a16="http://schemas.microsoft.com/office/drawing/2014/main" xmlns="" id="{AD0040F2-99C5-450C-9966-5D00290EBF69}"/>
+                <a16:creationId xmlns:a16="http://schemas.microsoft.com/office/drawing/2014/main" id="{AD0040F2-99C5-450C-9966-5D00290EBF69}"/>
               </a:ext>
             </a:extLst>
           </p:cNvPr>
@@ -2161,7 +2161,7 @@
           <p:cNvPr id="2" name="제목 1">
             <a:extLst>
               <a:ext uri="{FF2B5EF4-FFF2-40B4-BE49-F238E27FC236}">
-                <a16:creationId xmlns:a16="http://schemas.microsoft.com/office/drawing/2014/main" xmlns="" id="{C6E337C1-8281-4F6E-9A31-EBE388C3C82F}"/>
+                <a16:creationId xmlns:a16="http://schemas.microsoft.com/office/drawing/2014/main" id="{C6E337C1-8281-4F6E-9A31-EBE388C3C82F}"/>
               </a:ext>
             </a:extLst>
           </p:cNvPr>
@@ -2189,7 +2189,7 @@
           <p:cNvPr id="3" name="날짜 개체 틀 2">
             <a:extLst>
               <a:ext uri="{FF2B5EF4-FFF2-40B4-BE49-F238E27FC236}">
-                <a16:creationId xmlns:a16="http://schemas.microsoft.com/office/drawing/2014/main" xmlns="" id="{00EA4B32-9135-4223-8DE6-887D2743405B}"/>
+                <a16:creationId xmlns:a16="http://schemas.microsoft.com/office/drawing/2014/main" id="{00EA4B32-9135-4223-8DE6-887D2743405B}"/>
               </a:ext>
             </a:extLst>
           </p:cNvPr>
@@ -2214,7 +2214,7 @@
                 </a:solidFill>
               </a:rPr>
               <a:pPr/>
-              <a:t>2021-04-14</a:t>
+              <a:t>2021-04-19</a:t>
             </a:fld>
             <a:endParaRPr lang="ko-KR" altLang="en-US">
               <a:solidFill>
@@ -2231,7 +2231,7 @@
           <p:cNvPr id="4" name="바닥글 개체 틀 3">
             <a:extLst>
               <a:ext uri="{FF2B5EF4-FFF2-40B4-BE49-F238E27FC236}">
-                <a16:creationId xmlns:a16="http://schemas.microsoft.com/office/drawing/2014/main" xmlns="" id="{9407FC83-8D70-48DB-8681-08CFD9C0DA58}"/>
+                <a16:creationId xmlns:a16="http://schemas.microsoft.com/office/drawing/2014/main" id="{9407FC83-8D70-48DB-8681-08CFD9C0DA58}"/>
               </a:ext>
             </a:extLst>
           </p:cNvPr>
@@ -2262,7 +2262,7 @@
           <p:cNvPr id="5" name="슬라이드 번호 개체 틀 4">
             <a:extLst>
               <a:ext uri="{FF2B5EF4-FFF2-40B4-BE49-F238E27FC236}">
-                <a16:creationId xmlns:a16="http://schemas.microsoft.com/office/drawing/2014/main" xmlns="" id="{A8FC15EC-BCCB-4B82-A94C-FABC63DF674F}"/>
+                <a16:creationId xmlns:a16="http://schemas.microsoft.com/office/drawing/2014/main" id="{A8FC15EC-BCCB-4B82-A94C-FABC63DF674F}"/>
               </a:ext>
             </a:extLst>
           </p:cNvPr>
@@ -2334,7 +2334,7 @@
           <p:cNvPr id="2" name="날짜 개체 틀 1">
             <a:extLst>
               <a:ext uri="{FF2B5EF4-FFF2-40B4-BE49-F238E27FC236}">
-                <a16:creationId xmlns:a16="http://schemas.microsoft.com/office/drawing/2014/main" xmlns="" id="{2B9F9692-5462-4439-80C8-B7E337FC9AC3}"/>
+                <a16:creationId xmlns:a16="http://schemas.microsoft.com/office/drawing/2014/main" id="{2B9F9692-5462-4439-80C8-B7E337FC9AC3}"/>
               </a:ext>
             </a:extLst>
           </p:cNvPr>
@@ -2359,7 +2359,7 @@
                 </a:solidFill>
               </a:rPr>
               <a:pPr/>
-              <a:t>2021-04-14</a:t>
+              <a:t>2021-04-19</a:t>
             </a:fld>
             <a:endParaRPr lang="ko-KR" altLang="en-US">
               <a:solidFill>
@@ -2376,7 +2376,7 @@
           <p:cNvPr id="3" name="바닥글 개체 틀 2">
             <a:extLst>
               <a:ext uri="{FF2B5EF4-FFF2-40B4-BE49-F238E27FC236}">
-                <a16:creationId xmlns:a16="http://schemas.microsoft.com/office/drawing/2014/main" xmlns="" id="{94CA042D-EBC0-437C-A819-521611A545F2}"/>
+                <a16:creationId xmlns:a16="http://schemas.microsoft.com/office/drawing/2014/main" id="{94CA042D-EBC0-437C-A819-521611A545F2}"/>
               </a:ext>
             </a:extLst>
           </p:cNvPr>
@@ -2407,7 +2407,7 @@
           <p:cNvPr id="4" name="슬라이드 번호 개체 틀 3">
             <a:extLst>
               <a:ext uri="{FF2B5EF4-FFF2-40B4-BE49-F238E27FC236}">
-                <a16:creationId xmlns:a16="http://schemas.microsoft.com/office/drawing/2014/main" xmlns="" id="{A2415CDA-0D1F-49BD-8381-21C3BEFD5A98}"/>
+                <a16:creationId xmlns:a16="http://schemas.microsoft.com/office/drawing/2014/main" id="{A2415CDA-0D1F-49BD-8381-21C3BEFD5A98}"/>
               </a:ext>
             </a:extLst>
           </p:cNvPr>
@@ -2479,7 +2479,7 @@
           <p:cNvPr id="2" name="제목 1">
             <a:extLst>
               <a:ext uri="{FF2B5EF4-FFF2-40B4-BE49-F238E27FC236}">
-                <a16:creationId xmlns:a16="http://schemas.microsoft.com/office/drawing/2014/main" xmlns="" id="{2A6F10D4-8D29-48C2-ADF0-92316E2C8E4E}"/>
+                <a16:creationId xmlns:a16="http://schemas.microsoft.com/office/drawing/2014/main" id="{2A6F10D4-8D29-48C2-ADF0-92316E2C8E4E}"/>
               </a:ext>
             </a:extLst>
           </p:cNvPr>
@@ -2516,7 +2516,7 @@
           <p:cNvPr id="3" name="내용 개체 틀 2">
             <a:extLst>
               <a:ext uri="{FF2B5EF4-FFF2-40B4-BE49-F238E27FC236}">
-                <a16:creationId xmlns:a16="http://schemas.microsoft.com/office/drawing/2014/main" xmlns="" id="{BBBA3CD3-DE79-4260-873A-FEDE5C678F80}"/>
+                <a16:creationId xmlns:a16="http://schemas.microsoft.com/office/drawing/2014/main" id="{BBBA3CD3-DE79-4260-873A-FEDE5C678F80}"/>
               </a:ext>
             </a:extLst>
           </p:cNvPr>
@@ -2606,7 +2606,7 @@
           <p:cNvPr id="4" name="텍스트 개체 틀 3">
             <a:extLst>
               <a:ext uri="{FF2B5EF4-FFF2-40B4-BE49-F238E27FC236}">
-                <a16:creationId xmlns:a16="http://schemas.microsoft.com/office/drawing/2014/main" xmlns="" id="{319C6BD2-52A1-4155-9D55-1D847772EA8C}"/>
+                <a16:creationId xmlns:a16="http://schemas.microsoft.com/office/drawing/2014/main" id="{319C6BD2-52A1-4155-9D55-1D847772EA8C}"/>
               </a:ext>
             </a:extLst>
           </p:cNvPr>
@@ -2677,7 +2677,7 @@
           <p:cNvPr id="5" name="날짜 개체 틀 4">
             <a:extLst>
               <a:ext uri="{FF2B5EF4-FFF2-40B4-BE49-F238E27FC236}">
-                <a16:creationId xmlns:a16="http://schemas.microsoft.com/office/drawing/2014/main" xmlns="" id="{982A3511-0B13-4D97-937C-07365FBADAEA}"/>
+                <a16:creationId xmlns:a16="http://schemas.microsoft.com/office/drawing/2014/main" id="{982A3511-0B13-4D97-937C-07365FBADAEA}"/>
               </a:ext>
             </a:extLst>
           </p:cNvPr>
@@ -2702,7 +2702,7 @@
                 </a:solidFill>
               </a:rPr>
               <a:pPr/>
-              <a:t>2021-04-14</a:t>
+              <a:t>2021-04-19</a:t>
             </a:fld>
             <a:endParaRPr lang="ko-KR" altLang="en-US">
               <a:solidFill>
@@ -2719,7 +2719,7 @@
           <p:cNvPr id="6" name="바닥글 개체 틀 5">
             <a:extLst>
               <a:ext uri="{FF2B5EF4-FFF2-40B4-BE49-F238E27FC236}">
-                <a16:creationId xmlns:a16="http://schemas.microsoft.com/office/drawing/2014/main" xmlns="" id="{54C805B4-20AF-4A3C-B131-E1D9FFBB024D}"/>
+                <a16:creationId xmlns:a16="http://schemas.microsoft.com/office/drawing/2014/main" id="{54C805B4-20AF-4A3C-B131-E1D9FFBB024D}"/>
               </a:ext>
             </a:extLst>
           </p:cNvPr>
@@ -2750,7 +2750,7 @@
           <p:cNvPr id="7" name="슬라이드 번호 개체 틀 6">
             <a:extLst>
               <a:ext uri="{FF2B5EF4-FFF2-40B4-BE49-F238E27FC236}">
-                <a16:creationId xmlns:a16="http://schemas.microsoft.com/office/drawing/2014/main" xmlns="" id="{89C705FC-2895-472A-B6FD-C2434624BB3B}"/>
+                <a16:creationId xmlns:a16="http://schemas.microsoft.com/office/drawing/2014/main" id="{89C705FC-2895-472A-B6FD-C2434624BB3B}"/>
               </a:ext>
             </a:extLst>
           </p:cNvPr>
@@ -2822,7 +2822,7 @@
           <p:cNvPr id="2" name="제목 1">
             <a:extLst>
               <a:ext uri="{FF2B5EF4-FFF2-40B4-BE49-F238E27FC236}">
-                <a16:creationId xmlns:a16="http://schemas.microsoft.com/office/drawing/2014/main" xmlns="" id="{4C00D820-915B-4802-8C2E-FF7CA967E012}"/>
+                <a16:creationId xmlns:a16="http://schemas.microsoft.com/office/drawing/2014/main" id="{4C00D820-915B-4802-8C2E-FF7CA967E012}"/>
               </a:ext>
             </a:extLst>
           </p:cNvPr>
@@ -2859,7 +2859,7 @@
           <p:cNvPr id="3" name="그림 개체 틀 2">
             <a:extLst>
               <a:ext uri="{FF2B5EF4-FFF2-40B4-BE49-F238E27FC236}">
-                <a16:creationId xmlns:a16="http://schemas.microsoft.com/office/drawing/2014/main" xmlns="" id="{10CF9849-20D0-417A-99C8-099DF39939AC}"/>
+                <a16:creationId xmlns:a16="http://schemas.microsoft.com/office/drawing/2014/main" id="{10CF9849-20D0-417A-99C8-099DF39939AC}"/>
               </a:ext>
             </a:extLst>
           </p:cNvPr>
@@ -2926,7 +2926,7 @@
           <p:cNvPr id="4" name="텍스트 개체 틀 3">
             <a:extLst>
               <a:ext uri="{FF2B5EF4-FFF2-40B4-BE49-F238E27FC236}">
-                <a16:creationId xmlns:a16="http://schemas.microsoft.com/office/drawing/2014/main" xmlns="" id="{144A7754-54E7-4123-8C5E-1B05B517B5D4}"/>
+                <a16:creationId xmlns:a16="http://schemas.microsoft.com/office/drawing/2014/main" id="{144A7754-54E7-4123-8C5E-1B05B517B5D4}"/>
               </a:ext>
             </a:extLst>
           </p:cNvPr>
@@ -2997,7 +2997,7 @@
           <p:cNvPr id="5" name="날짜 개체 틀 4">
             <a:extLst>
               <a:ext uri="{FF2B5EF4-FFF2-40B4-BE49-F238E27FC236}">
-                <a16:creationId xmlns:a16="http://schemas.microsoft.com/office/drawing/2014/main" xmlns="" id="{3AFFF3F1-9632-4E06-BAB7-312343416AE9}"/>
+                <a16:creationId xmlns:a16="http://schemas.microsoft.com/office/drawing/2014/main" id="{3AFFF3F1-9632-4E06-BAB7-312343416AE9}"/>
               </a:ext>
             </a:extLst>
           </p:cNvPr>
@@ -3022,7 +3022,7 @@
                 </a:solidFill>
               </a:rPr>
               <a:pPr/>
-              <a:t>2021-04-14</a:t>
+              <a:t>2021-04-19</a:t>
             </a:fld>
             <a:endParaRPr lang="ko-KR" altLang="en-US">
               <a:solidFill>
@@ -3039,7 +3039,7 @@
           <p:cNvPr id="6" name="바닥글 개체 틀 5">
             <a:extLst>
               <a:ext uri="{FF2B5EF4-FFF2-40B4-BE49-F238E27FC236}">
-                <a16:creationId xmlns:a16="http://schemas.microsoft.com/office/drawing/2014/main" xmlns="" id="{5F23D6B1-934F-4B4D-9E4F-5AE9E873CB6E}"/>
+                <a16:creationId xmlns:a16="http://schemas.microsoft.com/office/drawing/2014/main" id="{5F23D6B1-934F-4B4D-9E4F-5AE9E873CB6E}"/>
               </a:ext>
             </a:extLst>
           </p:cNvPr>
@@ -3070,7 +3070,7 @@
           <p:cNvPr id="7" name="슬라이드 번호 개체 틀 6">
             <a:extLst>
               <a:ext uri="{FF2B5EF4-FFF2-40B4-BE49-F238E27FC236}">
-                <a16:creationId xmlns:a16="http://schemas.microsoft.com/office/drawing/2014/main" xmlns="" id="{B157FDD5-2092-4E16-8E7C-1CCA4719CF8A}"/>
+                <a16:creationId xmlns:a16="http://schemas.microsoft.com/office/drawing/2014/main" id="{B157FDD5-2092-4E16-8E7C-1CCA4719CF8A}"/>
               </a:ext>
             </a:extLst>
           </p:cNvPr>
@@ -3147,7 +3147,7 @@
           <p:cNvPr id="2" name="제목 개체 틀 1">
             <a:extLst>
               <a:ext uri="{FF2B5EF4-FFF2-40B4-BE49-F238E27FC236}">
-                <a16:creationId xmlns:a16="http://schemas.microsoft.com/office/drawing/2014/main" xmlns="" id="{84C8B562-0886-4274-876D-59EFAAAE2F3B}"/>
+                <a16:creationId xmlns:a16="http://schemas.microsoft.com/office/drawing/2014/main" id="{84C8B562-0886-4274-876D-59EFAAAE2F3B}"/>
               </a:ext>
             </a:extLst>
           </p:cNvPr>
@@ -3185,7 +3185,7 @@
           <p:cNvPr id="3" name="텍스트 개체 틀 2">
             <a:extLst>
               <a:ext uri="{FF2B5EF4-FFF2-40B4-BE49-F238E27FC236}">
-                <a16:creationId xmlns:a16="http://schemas.microsoft.com/office/drawing/2014/main" xmlns="" id="{61799B9E-1CD2-4A09-9ACC-2FA1C62D7AF6}"/>
+                <a16:creationId xmlns:a16="http://schemas.microsoft.com/office/drawing/2014/main" id="{61799B9E-1CD2-4A09-9ACC-2FA1C62D7AF6}"/>
               </a:ext>
             </a:extLst>
           </p:cNvPr>
@@ -3252,7 +3252,7 @@
           <p:cNvPr id="4" name="날짜 개체 틀 3">
             <a:extLst>
               <a:ext uri="{FF2B5EF4-FFF2-40B4-BE49-F238E27FC236}">
-                <a16:creationId xmlns:a16="http://schemas.microsoft.com/office/drawing/2014/main" xmlns="" id="{42A0C5B4-9399-4A5E-8DEE-54436B1EC85C}"/>
+                <a16:creationId xmlns:a16="http://schemas.microsoft.com/office/drawing/2014/main" id="{42A0C5B4-9399-4A5E-8DEE-54436B1EC85C}"/>
               </a:ext>
             </a:extLst>
           </p:cNvPr>
@@ -3295,7 +3295,7 @@
                 </a:solidFill>
               </a:rPr>
               <a:pPr/>
-              <a:t>2021-04-14</a:t>
+              <a:t>2021-04-19</a:t>
             </a:fld>
             <a:endParaRPr lang="ko-KR" altLang="en-US">
               <a:solidFill>
@@ -3312,7 +3312,7 @@
           <p:cNvPr id="5" name="바닥글 개체 틀 4">
             <a:extLst>
               <a:ext uri="{FF2B5EF4-FFF2-40B4-BE49-F238E27FC236}">
-                <a16:creationId xmlns:a16="http://schemas.microsoft.com/office/drawing/2014/main" xmlns="" id="{F5B2B9FF-C0C5-4E9E-A76A-AF0745E2D88E}"/>
+                <a16:creationId xmlns:a16="http://schemas.microsoft.com/office/drawing/2014/main" id="{F5B2B9FF-C0C5-4E9E-A76A-AF0745E2D88E}"/>
               </a:ext>
             </a:extLst>
           </p:cNvPr>
@@ -3361,7 +3361,7 @@
           <p:cNvPr id="6" name="슬라이드 번호 개체 틀 5">
             <a:extLst>
               <a:ext uri="{FF2B5EF4-FFF2-40B4-BE49-F238E27FC236}">
-                <a16:creationId xmlns:a16="http://schemas.microsoft.com/office/drawing/2014/main" xmlns="" id="{E8992FE0-2D01-4365-9F95-1FF838BCEF3A}"/>
+                <a16:creationId xmlns:a16="http://schemas.microsoft.com/office/drawing/2014/main" id="{E8992FE0-2D01-4365-9F95-1FF838BCEF3A}"/>
               </a:ext>
             </a:extLst>
           </p:cNvPr>
@@ -5063,7 +5063,7 @@
           <p:cNvPr id="38" name="직사각형 37">
             <a:extLst>
               <a:ext uri="{FF2B5EF4-FFF2-40B4-BE49-F238E27FC236}">
-                <a16:creationId xmlns:a16="http://schemas.microsoft.com/office/drawing/2014/main" xmlns="" id="{3FA00699-5178-465A-9F3F-130CF1431F70}"/>
+                <a16:creationId xmlns:a16="http://schemas.microsoft.com/office/drawing/2014/main" id="{3FA00699-5178-465A-9F3F-130CF1431F70}"/>
               </a:ext>
             </a:extLst>
           </p:cNvPr>
@@ -6046,7 +6046,7 @@
           <p:cNvPr id="34" name="직사각형 33">
             <a:extLst>
               <a:ext uri="{FF2B5EF4-FFF2-40B4-BE49-F238E27FC236}">
-                <a16:creationId xmlns:a16="http://schemas.microsoft.com/office/drawing/2014/main" xmlns="" id="{3FA00699-5178-465A-9F3F-130CF1431F70}"/>
+                <a16:creationId xmlns:a16="http://schemas.microsoft.com/office/drawing/2014/main" id="{3FA00699-5178-465A-9F3F-130CF1431F70}"/>
               </a:ext>
             </a:extLst>
           </p:cNvPr>
@@ -7059,7 +7059,7 @@
           <p:cNvPr id="36" name="직사각형 35">
             <a:extLst>
               <a:ext uri="{FF2B5EF4-FFF2-40B4-BE49-F238E27FC236}">
-                <a16:creationId xmlns:a16="http://schemas.microsoft.com/office/drawing/2014/main" xmlns="" id="{3FA00699-5178-465A-9F3F-130CF1431F70}"/>
+                <a16:creationId xmlns:a16="http://schemas.microsoft.com/office/drawing/2014/main" id="{3FA00699-5178-465A-9F3F-130CF1431F70}"/>
               </a:ext>
             </a:extLst>
           </p:cNvPr>
@@ -7826,7 +7826,7 @@
           <p:cNvPr id="39" name="직사각형 38">
             <a:extLst>
               <a:ext uri="{FF2B5EF4-FFF2-40B4-BE49-F238E27FC236}">
-                <a16:creationId xmlns:a16="http://schemas.microsoft.com/office/drawing/2014/main" xmlns="" id="{3FA00699-5178-465A-9F3F-130CF1431F70}"/>
+                <a16:creationId xmlns:a16="http://schemas.microsoft.com/office/drawing/2014/main" id="{3FA00699-5178-465A-9F3F-130CF1431F70}"/>
               </a:ext>
             </a:extLst>
           </p:cNvPr>
@@ -8642,7 +8642,7 @@
           <p:cNvPr id="39" name="직사각형 38">
             <a:extLst>
               <a:ext uri="{FF2B5EF4-FFF2-40B4-BE49-F238E27FC236}">
-                <a16:creationId xmlns:a16="http://schemas.microsoft.com/office/drawing/2014/main" xmlns="" id="{3FA00699-5178-465A-9F3F-130CF1431F70}"/>
+                <a16:creationId xmlns:a16="http://schemas.microsoft.com/office/drawing/2014/main" id="{3FA00699-5178-465A-9F3F-130CF1431F70}"/>
               </a:ext>
             </a:extLst>
           </p:cNvPr>
@@ -9556,7 +9556,7 @@
           <p:cNvPr id="39" name="직사각형 38">
             <a:extLst>
               <a:ext uri="{FF2B5EF4-FFF2-40B4-BE49-F238E27FC236}">
-                <a16:creationId xmlns:a16="http://schemas.microsoft.com/office/drawing/2014/main" xmlns="" id="{3FA00699-5178-465A-9F3F-130CF1431F70}"/>
+                <a16:creationId xmlns:a16="http://schemas.microsoft.com/office/drawing/2014/main" id="{3FA00699-5178-465A-9F3F-130CF1431F70}"/>
               </a:ext>
             </a:extLst>
           </p:cNvPr>
@@ -10776,7 +10776,7 @@
           <p:cNvPr id="39" name="직사각형 38">
             <a:extLst>
               <a:ext uri="{FF2B5EF4-FFF2-40B4-BE49-F238E27FC236}">
-                <a16:creationId xmlns:a16="http://schemas.microsoft.com/office/drawing/2014/main" xmlns="" id="{3FA00699-5178-465A-9F3F-130CF1431F70}"/>
+                <a16:creationId xmlns:a16="http://schemas.microsoft.com/office/drawing/2014/main" id="{3FA00699-5178-465A-9F3F-130CF1431F70}"/>
               </a:ext>
             </a:extLst>
           </p:cNvPr>
@@ -12223,7 +12223,7 @@
           <p:cNvPr id="20" name="자유형: 도형 377">
             <a:extLst>
               <a:ext uri="{FF2B5EF4-FFF2-40B4-BE49-F238E27FC236}">
-                <a16:creationId xmlns:a16="http://schemas.microsoft.com/office/drawing/2014/main" xmlns="" id="{0B4A7219-0820-4378-B811-331B8646398F}"/>
+                <a16:creationId xmlns:a16="http://schemas.microsoft.com/office/drawing/2014/main" id="{0B4A7219-0820-4378-B811-331B8646398F}"/>
               </a:ext>
             </a:extLst>
           </p:cNvPr>
@@ -12368,7 +12368,7 @@
           <p:cNvPr id="21" name="자유형: 도형 378">
             <a:extLst>
               <a:ext uri="{FF2B5EF4-FFF2-40B4-BE49-F238E27FC236}">
-                <a16:creationId xmlns:a16="http://schemas.microsoft.com/office/drawing/2014/main" xmlns="" id="{AE7688D0-57FD-4391-A3C9-1EB04A54396A}"/>
+                <a16:creationId xmlns:a16="http://schemas.microsoft.com/office/drawing/2014/main" id="{AE7688D0-57FD-4391-A3C9-1EB04A54396A}"/>
               </a:ext>
             </a:extLst>
           </p:cNvPr>
@@ -12513,7 +12513,7 @@
           <p:cNvPr id="22" name="자유형: 도형 379">
             <a:extLst>
               <a:ext uri="{FF2B5EF4-FFF2-40B4-BE49-F238E27FC236}">
-                <a16:creationId xmlns:a16="http://schemas.microsoft.com/office/drawing/2014/main" xmlns="" id="{C4615E6A-E0F5-484B-8040-DD0DD89211FD}"/>
+                <a16:creationId xmlns:a16="http://schemas.microsoft.com/office/drawing/2014/main" id="{C4615E6A-E0F5-484B-8040-DD0DD89211FD}"/>
               </a:ext>
             </a:extLst>
           </p:cNvPr>
@@ -12658,7 +12658,7 @@
           <p:cNvPr id="23" name="자유형: 도형 380">
             <a:extLst>
               <a:ext uri="{FF2B5EF4-FFF2-40B4-BE49-F238E27FC236}">
-                <a16:creationId xmlns:a16="http://schemas.microsoft.com/office/drawing/2014/main" xmlns="" id="{0937B8B0-8045-4AA8-B9F4-04B7C0AFDEBB}"/>
+                <a16:creationId xmlns:a16="http://schemas.microsoft.com/office/drawing/2014/main" id="{0937B8B0-8045-4AA8-B9F4-04B7C0AFDEBB}"/>
               </a:ext>
             </a:extLst>
           </p:cNvPr>
@@ -12803,7 +12803,7 @@
           <p:cNvPr id="24" name="자유형: 도형 381">
             <a:extLst>
               <a:ext uri="{FF2B5EF4-FFF2-40B4-BE49-F238E27FC236}">
-                <a16:creationId xmlns:a16="http://schemas.microsoft.com/office/drawing/2014/main" xmlns="" id="{DB9ADCEC-01D9-4BB3-81EE-B1429055FB91}"/>
+                <a16:creationId xmlns:a16="http://schemas.microsoft.com/office/drawing/2014/main" id="{DB9ADCEC-01D9-4BB3-81EE-B1429055FB91}"/>
               </a:ext>
             </a:extLst>
           </p:cNvPr>
@@ -12948,7 +12948,7 @@
           <p:cNvPr id="25" name="자유형: 도형 382">
             <a:extLst>
               <a:ext uri="{FF2B5EF4-FFF2-40B4-BE49-F238E27FC236}">
-                <a16:creationId xmlns:a16="http://schemas.microsoft.com/office/drawing/2014/main" xmlns="" id="{DB61C11B-0EC3-4996-906C-007E57835D42}"/>
+                <a16:creationId xmlns:a16="http://schemas.microsoft.com/office/drawing/2014/main" id="{DB61C11B-0EC3-4996-906C-007E57835D42}"/>
               </a:ext>
             </a:extLst>
           </p:cNvPr>
@@ -13093,7 +13093,7 @@
           <p:cNvPr id="26" name="자유형: 도형 383">
             <a:extLst>
               <a:ext uri="{FF2B5EF4-FFF2-40B4-BE49-F238E27FC236}">
-                <a16:creationId xmlns:a16="http://schemas.microsoft.com/office/drawing/2014/main" xmlns="" id="{044A0A9B-5CA5-4FE7-B917-B350C19EF0E6}"/>
+                <a16:creationId xmlns:a16="http://schemas.microsoft.com/office/drawing/2014/main" id="{044A0A9B-5CA5-4FE7-B917-B350C19EF0E6}"/>
               </a:ext>
             </a:extLst>
           </p:cNvPr>
@@ -13238,7 +13238,7 @@
           <p:cNvPr id="27" name="자유형: 도형 384">
             <a:extLst>
               <a:ext uri="{FF2B5EF4-FFF2-40B4-BE49-F238E27FC236}">
-                <a16:creationId xmlns:a16="http://schemas.microsoft.com/office/drawing/2014/main" xmlns="" id="{EA9897D2-716C-4BC1-98EE-5CC7B719C72B}"/>
+                <a16:creationId xmlns:a16="http://schemas.microsoft.com/office/drawing/2014/main" id="{EA9897D2-716C-4BC1-98EE-5CC7B719C72B}"/>
               </a:ext>
             </a:extLst>
           </p:cNvPr>
@@ -13383,7 +13383,7 @@
           <p:cNvPr id="28" name="자유형: 도형 385">
             <a:extLst>
               <a:ext uri="{FF2B5EF4-FFF2-40B4-BE49-F238E27FC236}">
-                <a16:creationId xmlns:a16="http://schemas.microsoft.com/office/drawing/2014/main" xmlns="" id="{7582865E-7A8F-44C3-912A-C087626FEDA9}"/>
+                <a16:creationId xmlns:a16="http://schemas.microsoft.com/office/drawing/2014/main" id="{7582865E-7A8F-44C3-912A-C087626FEDA9}"/>
               </a:ext>
             </a:extLst>
           </p:cNvPr>
@@ -13528,7 +13528,7 @@
           <p:cNvPr id="29" name="자유형: 도형 386">
             <a:extLst>
               <a:ext uri="{FF2B5EF4-FFF2-40B4-BE49-F238E27FC236}">
-                <a16:creationId xmlns:a16="http://schemas.microsoft.com/office/drawing/2014/main" xmlns="" id="{76E18406-54A4-401D-9DCA-86C76E3A933C}"/>
+                <a16:creationId xmlns:a16="http://schemas.microsoft.com/office/drawing/2014/main" id="{76E18406-54A4-401D-9DCA-86C76E3A933C}"/>
               </a:ext>
             </a:extLst>
           </p:cNvPr>
@@ -13673,7 +13673,7 @@
           <p:cNvPr id="30" name="자유형: 도형 387">
             <a:extLst>
               <a:ext uri="{FF2B5EF4-FFF2-40B4-BE49-F238E27FC236}">
-                <a16:creationId xmlns:a16="http://schemas.microsoft.com/office/drawing/2014/main" xmlns="" id="{78D016E9-A182-4180-A637-1A890C82CE6A}"/>
+                <a16:creationId xmlns:a16="http://schemas.microsoft.com/office/drawing/2014/main" id="{78D016E9-A182-4180-A637-1A890C82CE6A}"/>
               </a:ext>
             </a:extLst>
           </p:cNvPr>
@@ -13818,7 +13818,7 @@
           <p:cNvPr id="31" name="자유형: 도형 388">
             <a:extLst>
               <a:ext uri="{FF2B5EF4-FFF2-40B4-BE49-F238E27FC236}">
-                <a16:creationId xmlns:a16="http://schemas.microsoft.com/office/drawing/2014/main" xmlns="" id="{05F8530F-49F6-48DF-AD43-D138C77A6596}"/>
+                <a16:creationId xmlns:a16="http://schemas.microsoft.com/office/drawing/2014/main" id="{05F8530F-49F6-48DF-AD43-D138C77A6596}"/>
               </a:ext>
             </a:extLst>
           </p:cNvPr>
@@ -13963,7 +13963,7 @@
           <p:cNvPr id="32" name="자유형: 도형 389">
             <a:extLst>
               <a:ext uri="{FF2B5EF4-FFF2-40B4-BE49-F238E27FC236}">
-                <a16:creationId xmlns:a16="http://schemas.microsoft.com/office/drawing/2014/main" xmlns="" id="{98DCEC21-B8BD-43A7-8436-449C4406D27B}"/>
+                <a16:creationId xmlns:a16="http://schemas.microsoft.com/office/drawing/2014/main" id="{98DCEC21-B8BD-43A7-8436-449C4406D27B}"/>
               </a:ext>
             </a:extLst>
           </p:cNvPr>
@@ -14108,7 +14108,7 @@
           <p:cNvPr id="33" name="자유형: 도형 390">
             <a:extLst>
               <a:ext uri="{FF2B5EF4-FFF2-40B4-BE49-F238E27FC236}">
-                <a16:creationId xmlns:a16="http://schemas.microsoft.com/office/drawing/2014/main" xmlns="" id="{71FAF07A-965F-4A51-9977-FFFFAA15A432}"/>
+                <a16:creationId xmlns:a16="http://schemas.microsoft.com/office/drawing/2014/main" id="{71FAF07A-965F-4A51-9977-FFFFAA15A432}"/>
               </a:ext>
             </a:extLst>
           </p:cNvPr>
@@ -14253,7 +14253,7 @@
           <p:cNvPr id="34" name="자유형: 도형 391">
             <a:extLst>
               <a:ext uri="{FF2B5EF4-FFF2-40B4-BE49-F238E27FC236}">
-                <a16:creationId xmlns:a16="http://schemas.microsoft.com/office/drawing/2014/main" xmlns="" id="{5047EEFB-CDDB-46B7-AA56-F96C5BF34725}"/>
+                <a16:creationId xmlns:a16="http://schemas.microsoft.com/office/drawing/2014/main" id="{5047EEFB-CDDB-46B7-AA56-F96C5BF34725}"/>
               </a:ext>
             </a:extLst>
           </p:cNvPr>
@@ -14398,7 +14398,7 @@
           <p:cNvPr id="35" name="자유형: 도형 392">
             <a:extLst>
               <a:ext uri="{FF2B5EF4-FFF2-40B4-BE49-F238E27FC236}">
-                <a16:creationId xmlns:a16="http://schemas.microsoft.com/office/drawing/2014/main" xmlns="" id="{2D343500-5462-4C95-880B-385171314AB6}"/>
+                <a16:creationId xmlns:a16="http://schemas.microsoft.com/office/drawing/2014/main" id="{2D343500-5462-4C95-880B-385171314AB6}"/>
               </a:ext>
             </a:extLst>
           </p:cNvPr>
@@ -14543,7 +14543,7 @@
           <p:cNvPr id="36" name="자유형: 도형 393">
             <a:extLst>
               <a:ext uri="{FF2B5EF4-FFF2-40B4-BE49-F238E27FC236}">
-                <a16:creationId xmlns:a16="http://schemas.microsoft.com/office/drawing/2014/main" xmlns="" id="{7B3DA1B8-BF1B-4513-966C-2A916F28EFB9}"/>
+                <a16:creationId xmlns:a16="http://schemas.microsoft.com/office/drawing/2014/main" id="{7B3DA1B8-BF1B-4513-966C-2A916F28EFB9}"/>
               </a:ext>
             </a:extLst>
           </p:cNvPr>
@@ -14688,7 +14688,7 @@
           <p:cNvPr id="37" name="자유형: 도형 394">
             <a:extLst>
               <a:ext uri="{FF2B5EF4-FFF2-40B4-BE49-F238E27FC236}">
-                <a16:creationId xmlns:a16="http://schemas.microsoft.com/office/drawing/2014/main" xmlns="" id="{28F89FC3-982F-4923-9453-6F57D8E1E307}"/>
+                <a16:creationId xmlns:a16="http://schemas.microsoft.com/office/drawing/2014/main" id="{28F89FC3-982F-4923-9453-6F57D8E1E307}"/>
               </a:ext>
             </a:extLst>
           </p:cNvPr>
@@ -14833,7 +14833,7 @@
           <p:cNvPr id="38" name="자유형: 도형 395">
             <a:extLst>
               <a:ext uri="{FF2B5EF4-FFF2-40B4-BE49-F238E27FC236}">
-                <a16:creationId xmlns:a16="http://schemas.microsoft.com/office/drawing/2014/main" xmlns="" id="{0F995921-8CFB-4A23-8C8B-B2815AE8670A}"/>
+                <a16:creationId xmlns:a16="http://schemas.microsoft.com/office/drawing/2014/main" id="{0F995921-8CFB-4A23-8C8B-B2815AE8670A}"/>
               </a:ext>
             </a:extLst>
           </p:cNvPr>
@@ -14978,7 +14978,7 @@
           <p:cNvPr id="39" name="자유형: 도형 396">
             <a:extLst>
               <a:ext uri="{FF2B5EF4-FFF2-40B4-BE49-F238E27FC236}">
-                <a16:creationId xmlns:a16="http://schemas.microsoft.com/office/drawing/2014/main" xmlns="" id="{38E18007-DA79-4D7B-96F0-FEC1EB21386C}"/>
+                <a16:creationId xmlns:a16="http://schemas.microsoft.com/office/drawing/2014/main" id="{38E18007-DA79-4D7B-96F0-FEC1EB21386C}"/>
               </a:ext>
             </a:extLst>
           </p:cNvPr>
@@ -15123,7 +15123,7 @@
           <p:cNvPr id="40" name="자유형: 도형 397">
             <a:extLst>
               <a:ext uri="{FF2B5EF4-FFF2-40B4-BE49-F238E27FC236}">
-                <a16:creationId xmlns:a16="http://schemas.microsoft.com/office/drawing/2014/main" xmlns="" id="{C0E1BE7B-0A87-404E-B319-F1AE13922904}"/>
+                <a16:creationId xmlns:a16="http://schemas.microsoft.com/office/drawing/2014/main" id="{C0E1BE7B-0A87-404E-B319-F1AE13922904}"/>
               </a:ext>
             </a:extLst>
           </p:cNvPr>
@@ -15268,7 +15268,7 @@
           <p:cNvPr id="41" name="자유형: 도형 398">
             <a:extLst>
               <a:ext uri="{FF2B5EF4-FFF2-40B4-BE49-F238E27FC236}">
-                <a16:creationId xmlns:a16="http://schemas.microsoft.com/office/drawing/2014/main" xmlns="" id="{675C7C0F-8C6D-4AAF-BC5F-2B81DEB3E4E8}"/>
+                <a16:creationId xmlns:a16="http://schemas.microsoft.com/office/drawing/2014/main" id="{675C7C0F-8C6D-4AAF-BC5F-2B81DEB3E4E8}"/>
               </a:ext>
             </a:extLst>
           </p:cNvPr>
@@ -15413,7 +15413,7 @@
           <p:cNvPr id="42" name="자유형: 도형 399">
             <a:extLst>
               <a:ext uri="{FF2B5EF4-FFF2-40B4-BE49-F238E27FC236}">
-                <a16:creationId xmlns:a16="http://schemas.microsoft.com/office/drawing/2014/main" xmlns="" id="{846A25C2-933F-44C2-A0FE-4110FBEBA915}"/>
+                <a16:creationId xmlns:a16="http://schemas.microsoft.com/office/drawing/2014/main" id="{846A25C2-933F-44C2-A0FE-4110FBEBA915}"/>
               </a:ext>
             </a:extLst>
           </p:cNvPr>
@@ -15558,7 +15558,7 @@
           <p:cNvPr id="43" name="자유형: 도형 400">
             <a:extLst>
               <a:ext uri="{FF2B5EF4-FFF2-40B4-BE49-F238E27FC236}">
-                <a16:creationId xmlns:a16="http://schemas.microsoft.com/office/drawing/2014/main" xmlns="" id="{5EBA2B3B-7A04-4662-B870-F720B8538988}"/>
+                <a16:creationId xmlns:a16="http://schemas.microsoft.com/office/drawing/2014/main" id="{5EBA2B3B-7A04-4662-B870-F720B8538988}"/>
               </a:ext>
             </a:extLst>
           </p:cNvPr>
@@ -15703,7 +15703,7 @@
           <p:cNvPr id="44" name="직사각형 43">
             <a:extLst>
               <a:ext uri="{FF2B5EF4-FFF2-40B4-BE49-F238E27FC236}">
-                <a16:creationId xmlns:a16="http://schemas.microsoft.com/office/drawing/2014/main" xmlns="" id="{8E46B02D-66F3-495A-BE76-8FA2A68509CF}"/>
+                <a16:creationId xmlns:a16="http://schemas.microsoft.com/office/drawing/2014/main" id="{8E46B02D-66F3-495A-BE76-8FA2A68509CF}"/>
               </a:ext>
             </a:extLst>
           </p:cNvPr>
@@ -15759,7 +15759,7 @@
           <p:cNvPr id="45" name="직사각형 44">
             <a:extLst>
               <a:ext uri="{FF2B5EF4-FFF2-40B4-BE49-F238E27FC236}">
-                <a16:creationId xmlns:a16="http://schemas.microsoft.com/office/drawing/2014/main" xmlns="" id="{7FEC52E6-E0E1-427E-87A8-FEE2AAF979A8}"/>
+                <a16:creationId xmlns:a16="http://schemas.microsoft.com/office/drawing/2014/main" id="{7FEC52E6-E0E1-427E-87A8-FEE2AAF979A8}"/>
               </a:ext>
             </a:extLst>
           </p:cNvPr>
@@ -15958,7 +15958,7 @@
           <p:cNvPr id="49" name="자유형: 도형 377">
             <a:extLst>
               <a:ext uri="{FF2B5EF4-FFF2-40B4-BE49-F238E27FC236}">
-                <a16:creationId xmlns:a16="http://schemas.microsoft.com/office/drawing/2014/main" xmlns="" id="{0B4A7219-0820-4378-B811-331B8646398F}"/>
+                <a16:creationId xmlns:a16="http://schemas.microsoft.com/office/drawing/2014/main" id="{0B4A7219-0820-4378-B811-331B8646398F}"/>
               </a:ext>
             </a:extLst>
           </p:cNvPr>
@@ -16103,7 +16103,7 @@
           <p:cNvPr id="50" name="자유형: 도형 378">
             <a:extLst>
               <a:ext uri="{FF2B5EF4-FFF2-40B4-BE49-F238E27FC236}">
-                <a16:creationId xmlns:a16="http://schemas.microsoft.com/office/drawing/2014/main" xmlns="" id="{AE7688D0-57FD-4391-A3C9-1EB04A54396A}"/>
+                <a16:creationId xmlns:a16="http://schemas.microsoft.com/office/drawing/2014/main" id="{AE7688D0-57FD-4391-A3C9-1EB04A54396A}"/>
               </a:ext>
             </a:extLst>
           </p:cNvPr>
@@ -16248,7 +16248,7 @@
           <p:cNvPr id="51" name="자유형: 도형 379">
             <a:extLst>
               <a:ext uri="{FF2B5EF4-FFF2-40B4-BE49-F238E27FC236}">
-                <a16:creationId xmlns:a16="http://schemas.microsoft.com/office/drawing/2014/main" xmlns="" id="{C4615E6A-E0F5-484B-8040-DD0DD89211FD}"/>
+                <a16:creationId xmlns:a16="http://schemas.microsoft.com/office/drawing/2014/main" id="{C4615E6A-E0F5-484B-8040-DD0DD89211FD}"/>
               </a:ext>
             </a:extLst>
           </p:cNvPr>
@@ -16393,7 +16393,7 @@
           <p:cNvPr id="52" name="자유형: 도형 380">
             <a:extLst>
               <a:ext uri="{FF2B5EF4-FFF2-40B4-BE49-F238E27FC236}">
-                <a16:creationId xmlns:a16="http://schemas.microsoft.com/office/drawing/2014/main" xmlns="" id="{0937B8B0-8045-4AA8-B9F4-04B7C0AFDEBB}"/>
+                <a16:creationId xmlns:a16="http://schemas.microsoft.com/office/drawing/2014/main" id="{0937B8B0-8045-4AA8-B9F4-04B7C0AFDEBB}"/>
               </a:ext>
             </a:extLst>
           </p:cNvPr>
@@ -16538,7 +16538,7 @@
           <p:cNvPr id="53" name="자유형: 도형 381">
             <a:extLst>
               <a:ext uri="{FF2B5EF4-FFF2-40B4-BE49-F238E27FC236}">
-                <a16:creationId xmlns:a16="http://schemas.microsoft.com/office/drawing/2014/main" xmlns="" id="{DB9ADCEC-01D9-4BB3-81EE-B1429055FB91}"/>
+                <a16:creationId xmlns:a16="http://schemas.microsoft.com/office/drawing/2014/main" id="{DB9ADCEC-01D9-4BB3-81EE-B1429055FB91}"/>
               </a:ext>
             </a:extLst>
           </p:cNvPr>
@@ -16683,7 +16683,7 @@
           <p:cNvPr id="54" name="자유형: 도형 382">
             <a:extLst>
               <a:ext uri="{FF2B5EF4-FFF2-40B4-BE49-F238E27FC236}">
-                <a16:creationId xmlns:a16="http://schemas.microsoft.com/office/drawing/2014/main" xmlns="" id="{DB61C11B-0EC3-4996-906C-007E57835D42}"/>
+                <a16:creationId xmlns:a16="http://schemas.microsoft.com/office/drawing/2014/main" id="{DB61C11B-0EC3-4996-906C-007E57835D42}"/>
               </a:ext>
             </a:extLst>
           </p:cNvPr>
@@ -16828,7 +16828,7 @@
           <p:cNvPr id="55" name="자유형: 도형 383">
             <a:extLst>
               <a:ext uri="{FF2B5EF4-FFF2-40B4-BE49-F238E27FC236}">
-                <a16:creationId xmlns:a16="http://schemas.microsoft.com/office/drawing/2014/main" xmlns="" id="{044A0A9B-5CA5-4FE7-B917-B350C19EF0E6}"/>
+                <a16:creationId xmlns:a16="http://schemas.microsoft.com/office/drawing/2014/main" id="{044A0A9B-5CA5-4FE7-B917-B350C19EF0E6}"/>
               </a:ext>
             </a:extLst>
           </p:cNvPr>
@@ -16973,7 +16973,7 @@
           <p:cNvPr id="56" name="자유형: 도형 384">
             <a:extLst>
               <a:ext uri="{FF2B5EF4-FFF2-40B4-BE49-F238E27FC236}">
-                <a16:creationId xmlns:a16="http://schemas.microsoft.com/office/drawing/2014/main" xmlns="" id="{EA9897D2-716C-4BC1-98EE-5CC7B719C72B}"/>
+                <a16:creationId xmlns:a16="http://schemas.microsoft.com/office/drawing/2014/main" id="{EA9897D2-716C-4BC1-98EE-5CC7B719C72B}"/>
               </a:ext>
             </a:extLst>
           </p:cNvPr>
@@ -17118,7 +17118,7 @@
           <p:cNvPr id="57" name="자유형: 도형 385">
             <a:extLst>
               <a:ext uri="{FF2B5EF4-FFF2-40B4-BE49-F238E27FC236}">
-                <a16:creationId xmlns:a16="http://schemas.microsoft.com/office/drawing/2014/main" xmlns="" id="{7582865E-7A8F-44C3-912A-C087626FEDA9}"/>
+                <a16:creationId xmlns:a16="http://schemas.microsoft.com/office/drawing/2014/main" id="{7582865E-7A8F-44C3-912A-C087626FEDA9}"/>
               </a:ext>
             </a:extLst>
           </p:cNvPr>
@@ -17263,7 +17263,7 @@
           <p:cNvPr id="58" name="자유형: 도형 386">
             <a:extLst>
               <a:ext uri="{FF2B5EF4-FFF2-40B4-BE49-F238E27FC236}">
-                <a16:creationId xmlns:a16="http://schemas.microsoft.com/office/drawing/2014/main" xmlns="" id="{76E18406-54A4-401D-9DCA-86C76E3A933C}"/>
+                <a16:creationId xmlns:a16="http://schemas.microsoft.com/office/drawing/2014/main" id="{76E18406-54A4-401D-9DCA-86C76E3A933C}"/>
               </a:ext>
             </a:extLst>
           </p:cNvPr>
@@ -17408,7 +17408,7 @@
           <p:cNvPr id="59" name="자유형: 도형 387">
             <a:extLst>
               <a:ext uri="{FF2B5EF4-FFF2-40B4-BE49-F238E27FC236}">
-                <a16:creationId xmlns:a16="http://schemas.microsoft.com/office/drawing/2014/main" xmlns="" id="{78D016E9-A182-4180-A637-1A890C82CE6A}"/>
+                <a16:creationId xmlns:a16="http://schemas.microsoft.com/office/drawing/2014/main" id="{78D016E9-A182-4180-A637-1A890C82CE6A}"/>
               </a:ext>
             </a:extLst>
           </p:cNvPr>
@@ -17553,7 +17553,7 @@
           <p:cNvPr id="60" name="자유형: 도형 388">
             <a:extLst>
               <a:ext uri="{FF2B5EF4-FFF2-40B4-BE49-F238E27FC236}">
-                <a16:creationId xmlns:a16="http://schemas.microsoft.com/office/drawing/2014/main" xmlns="" id="{05F8530F-49F6-48DF-AD43-D138C77A6596}"/>
+                <a16:creationId xmlns:a16="http://schemas.microsoft.com/office/drawing/2014/main" id="{05F8530F-49F6-48DF-AD43-D138C77A6596}"/>
               </a:ext>
             </a:extLst>
           </p:cNvPr>
@@ -17698,7 +17698,7 @@
           <p:cNvPr id="61" name="자유형: 도형 389">
             <a:extLst>
               <a:ext uri="{FF2B5EF4-FFF2-40B4-BE49-F238E27FC236}">
-                <a16:creationId xmlns:a16="http://schemas.microsoft.com/office/drawing/2014/main" xmlns="" id="{98DCEC21-B8BD-43A7-8436-449C4406D27B}"/>
+                <a16:creationId xmlns:a16="http://schemas.microsoft.com/office/drawing/2014/main" id="{98DCEC21-B8BD-43A7-8436-449C4406D27B}"/>
               </a:ext>
             </a:extLst>
           </p:cNvPr>
@@ -17843,7 +17843,7 @@
           <p:cNvPr id="62" name="자유형: 도형 390">
             <a:extLst>
               <a:ext uri="{FF2B5EF4-FFF2-40B4-BE49-F238E27FC236}">
-                <a16:creationId xmlns:a16="http://schemas.microsoft.com/office/drawing/2014/main" xmlns="" id="{71FAF07A-965F-4A51-9977-FFFFAA15A432}"/>
+                <a16:creationId xmlns:a16="http://schemas.microsoft.com/office/drawing/2014/main" id="{71FAF07A-965F-4A51-9977-FFFFAA15A432}"/>
               </a:ext>
             </a:extLst>
           </p:cNvPr>
@@ -17988,7 +17988,7 @@
           <p:cNvPr id="63" name="자유형: 도형 391">
             <a:extLst>
               <a:ext uri="{FF2B5EF4-FFF2-40B4-BE49-F238E27FC236}">
-                <a16:creationId xmlns:a16="http://schemas.microsoft.com/office/drawing/2014/main" xmlns="" id="{5047EEFB-CDDB-46B7-AA56-F96C5BF34725}"/>
+                <a16:creationId xmlns:a16="http://schemas.microsoft.com/office/drawing/2014/main" id="{5047EEFB-CDDB-46B7-AA56-F96C5BF34725}"/>
               </a:ext>
             </a:extLst>
           </p:cNvPr>
@@ -18133,7 +18133,7 @@
           <p:cNvPr id="64" name="자유형: 도형 392">
             <a:extLst>
               <a:ext uri="{FF2B5EF4-FFF2-40B4-BE49-F238E27FC236}">
-                <a16:creationId xmlns:a16="http://schemas.microsoft.com/office/drawing/2014/main" xmlns="" id="{2D343500-5462-4C95-880B-385171314AB6}"/>
+                <a16:creationId xmlns:a16="http://schemas.microsoft.com/office/drawing/2014/main" id="{2D343500-5462-4C95-880B-385171314AB6}"/>
               </a:ext>
             </a:extLst>
           </p:cNvPr>
@@ -18278,7 +18278,7 @@
           <p:cNvPr id="65" name="자유형: 도형 393">
             <a:extLst>
               <a:ext uri="{FF2B5EF4-FFF2-40B4-BE49-F238E27FC236}">
-                <a16:creationId xmlns:a16="http://schemas.microsoft.com/office/drawing/2014/main" xmlns="" id="{7B3DA1B8-BF1B-4513-966C-2A916F28EFB9}"/>
+                <a16:creationId xmlns:a16="http://schemas.microsoft.com/office/drawing/2014/main" id="{7B3DA1B8-BF1B-4513-966C-2A916F28EFB9}"/>
               </a:ext>
             </a:extLst>
           </p:cNvPr>
@@ -18423,7 +18423,7 @@
           <p:cNvPr id="66" name="자유형: 도형 394">
             <a:extLst>
               <a:ext uri="{FF2B5EF4-FFF2-40B4-BE49-F238E27FC236}">
-                <a16:creationId xmlns:a16="http://schemas.microsoft.com/office/drawing/2014/main" xmlns="" id="{28F89FC3-982F-4923-9453-6F57D8E1E307}"/>
+                <a16:creationId xmlns:a16="http://schemas.microsoft.com/office/drawing/2014/main" id="{28F89FC3-982F-4923-9453-6F57D8E1E307}"/>
               </a:ext>
             </a:extLst>
           </p:cNvPr>
@@ -18568,7 +18568,7 @@
           <p:cNvPr id="67" name="자유형: 도형 395">
             <a:extLst>
               <a:ext uri="{FF2B5EF4-FFF2-40B4-BE49-F238E27FC236}">
-                <a16:creationId xmlns:a16="http://schemas.microsoft.com/office/drawing/2014/main" xmlns="" id="{0F995921-8CFB-4A23-8C8B-B2815AE8670A}"/>
+                <a16:creationId xmlns:a16="http://schemas.microsoft.com/office/drawing/2014/main" id="{0F995921-8CFB-4A23-8C8B-B2815AE8670A}"/>
               </a:ext>
             </a:extLst>
           </p:cNvPr>
@@ -18713,7 +18713,7 @@
           <p:cNvPr id="68" name="자유형: 도형 396">
             <a:extLst>
               <a:ext uri="{FF2B5EF4-FFF2-40B4-BE49-F238E27FC236}">
-                <a16:creationId xmlns:a16="http://schemas.microsoft.com/office/drawing/2014/main" xmlns="" id="{38E18007-DA79-4D7B-96F0-FEC1EB21386C}"/>
+                <a16:creationId xmlns:a16="http://schemas.microsoft.com/office/drawing/2014/main" id="{38E18007-DA79-4D7B-96F0-FEC1EB21386C}"/>
               </a:ext>
             </a:extLst>
           </p:cNvPr>
@@ -18858,7 +18858,7 @@
           <p:cNvPr id="69" name="자유형: 도형 397">
             <a:extLst>
               <a:ext uri="{FF2B5EF4-FFF2-40B4-BE49-F238E27FC236}">
-                <a16:creationId xmlns:a16="http://schemas.microsoft.com/office/drawing/2014/main" xmlns="" id="{C0E1BE7B-0A87-404E-B319-F1AE13922904}"/>
+                <a16:creationId xmlns:a16="http://schemas.microsoft.com/office/drawing/2014/main" id="{C0E1BE7B-0A87-404E-B319-F1AE13922904}"/>
               </a:ext>
             </a:extLst>
           </p:cNvPr>
@@ -19003,7 +19003,7 @@
           <p:cNvPr id="70" name="자유형: 도형 398">
             <a:extLst>
               <a:ext uri="{FF2B5EF4-FFF2-40B4-BE49-F238E27FC236}">
-                <a16:creationId xmlns:a16="http://schemas.microsoft.com/office/drawing/2014/main" xmlns="" id="{675C7C0F-8C6D-4AAF-BC5F-2B81DEB3E4E8}"/>
+                <a16:creationId xmlns:a16="http://schemas.microsoft.com/office/drawing/2014/main" id="{675C7C0F-8C6D-4AAF-BC5F-2B81DEB3E4E8}"/>
               </a:ext>
             </a:extLst>
           </p:cNvPr>
@@ -19148,7 +19148,7 @@
           <p:cNvPr id="71" name="자유형: 도형 399">
             <a:extLst>
               <a:ext uri="{FF2B5EF4-FFF2-40B4-BE49-F238E27FC236}">
-                <a16:creationId xmlns:a16="http://schemas.microsoft.com/office/drawing/2014/main" xmlns="" id="{846A25C2-933F-44C2-A0FE-4110FBEBA915}"/>
+                <a16:creationId xmlns:a16="http://schemas.microsoft.com/office/drawing/2014/main" id="{846A25C2-933F-44C2-A0FE-4110FBEBA915}"/>
               </a:ext>
             </a:extLst>
           </p:cNvPr>
@@ -19293,7 +19293,7 @@
           <p:cNvPr id="72" name="자유형: 도형 400">
             <a:extLst>
               <a:ext uri="{FF2B5EF4-FFF2-40B4-BE49-F238E27FC236}">
-                <a16:creationId xmlns:a16="http://schemas.microsoft.com/office/drawing/2014/main" xmlns="" id="{5EBA2B3B-7A04-4662-B870-F720B8538988}"/>
+                <a16:creationId xmlns:a16="http://schemas.microsoft.com/office/drawing/2014/main" id="{5EBA2B3B-7A04-4662-B870-F720B8538988}"/>
               </a:ext>
             </a:extLst>
           </p:cNvPr>
@@ -19438,7 +19438,7 @@
           <p:cNvPr id="73" name="직사각형 72">
             <a:extLst>
               <a:ext uri="{FF2B5EF4-FFF2-40B4-BE49-F238E27FC236}">
-                <a16:creationId xmlns:a16="http://schemas.microsoft.com/office/drawing/2014/main" xmlns="" id="{8E46B02D-66F3-495A-BE76-8FA2A68509CF}"/>
+                <a16:creationId xmlns:a16="http://schemas.microsoft.com/office/drawing/2014/main" id="{8E46B02D-66F3-495A-BE76-8FA2A68509CF}"/>
               </a:ext>
             </a:extLst>
           </p:cNvPr>
@@ -19494,7 +19494,7 @@
           <p:cNvPr id="74" name="직사각형 73">
             <a:extLst>
               <a:ext uri="{FF2B5EF4-FFF2-40B4-BE49-F238E27FC236}">
-                <a16:creationId xmlns:a16="http://schemas.microsoft.com/office/drawing/2014/main" xmlns="" id="{7FEC52E6-E0E1-427E-87A8-FEE2AAF979A8}"/>
+                <a16:creationId xmlns:a16="http://schemas.microsoft.com/office/drawing/2014/main" id="{7FEC52E6-E0E1-427E-87A8-FEE2AAF979A8}"/>
               </a:ext>
             </a:extLst>
           </p:cNvPr>
@@ -19530,12 +19530,28 @@
               <a:t>2. </a:t>
             </a:r>
             <a:r>
-              <a:rPr lang="en-US" altLang="ko-KR" sz="1400" dirty="0" err="1" smtClean="0">
+              <a:rPr lang="ko-KR" altLang="en-US" sz="1400" dirty="0" smtClean="0">
                 <a:solidFill>
                   <a:srgbClr val="5B6176"/>
                 </a:solidFill>
               </a:rPr>
-              <a:t>Winform</a:t>
+              <a:t>알고리즘</a:t>
+            </a:r>
+            <a:r>
+              <a:rPr lang="en-US" altLang="ko-KR" sz="1400" dirty="0" smtClean="0">
+                <a:solidFill>
+                  <a:srgbClr val="5B6176"/>
+                </a:solidFill>
+              </a:rPr>
+              <a:t>, </a:t>
+            </a:r>
+            <a:r>
+              <a:rPr lang="ko-KR" altLang="en-US" sz="1400" dirty="0" smtClean="0">
+                <a:solidFill>
+                  <a:srgbClr val="5B6176"/>
+                </a:solidFill>
+              </a:rPr>
+              <a:t>패턴</a:t>
             </a:r>
             <a:endParaRPr lang="ko-KR" altLang="en-US" sz="1000" dirty="0">
               <a:solidFill>
@@ -19693,7 +19709,7 @@
           <p:cNvPr id="78" name="자유형: 도형 377">
             <a:extLst>
               <a:ext uri="{FF2B5EF4-FFF2-40B4-BE49-F238E27FC236}">
-                <a16:creationId xmlns:a16="http://schemas.microsoft.com/office/drawing/2014/main" xmlns="" id="{0B4A7219-0820-4378-B811-331B8646398F}"/>
+                <a16:creationId xmlns:a16="http://schemas.microsoft.com/office/drawing/2014/main" id="{0B4A7219-0820-4378-B811-331B8646398F}"/>
               </a:ext>
             </a:extLst>
           </p:cNvPr>
@@ -19838,7 +19854,7 @@
           <p:cNvPr id="79" name="자유형: 도형 378">
             <a:extLst>
               <a:ext uri="{FF2B5EF4-FFF2-40B4-BE49-F238E27FC236}">
-                <a16:creationId xmlns:a16="http://schemas.microsoft.com/office/drawing/2014/main" xmlns="" id="{AE7688D0-57FD-4391-A3C9-1EB04A54396A}"/>
+                <a16:creationId xmlns:a16="http://schemas.microsoft.com/office/drawing/2014/main" id="{AE7688D0-57FD-4391-A3C9-1EB04A54396A}"/>
               </a:ext>
             </a:extLst>
           </p:cNvPr>
@@ -19983,7 +19999,7 @@
           <p:cNvPr id="80" name="자유형: 도형 379">
             <a:extLst>
               <a:ext uri="{FF2B5EF4-FFF2-40B4-BE49-F238E27FC236}">
-                <a16:creationId xmlns:a16="http://schemas.microsoft.com/office/drawing/2014/main" xmlns="" id="{C4615E6A-E0F5-484B-8040-DD0DD89211FD}"/>
+                <a16:creationId xmlns:a16="http://schemas.microsoft.com/office/drawing/2014/main" id="{C4615E6A-E0F5-484B-8040-DD0DD89211FD}"/>
               </a:ext>
             </a:extLst>
           </p:cNvPr>
@@ -20128,7 +20144,7 @@
           <p:cNvPr id="81" name="자유형: 도형 380">
             <a:extLst>
               <a:ext uri="{FF2B5EF4-FFF2-40B4-BE49-F238E27FC236}">
-                <a16:creationId xmlns:a16="http://schemas.microsoft.com/office/drawing/2014/main" xmlns="" id="{0937B8B0-8045-4AA8-B9F4-04B7C0AFDEBB}"/>
+                <a16:creationId xmlns:a16="http://schemas.microsoft.com/office/drawing/2014/main" id="{0937B8B0-8045-4AA8-B9F4-04B7C0AFDEBB}"/>
               </a:ext>
             </a:extLst>
           </p:cNvPr>
@@ -20273,7 +20289,7 @@
           <p:cNvPr id="82" name="자유형: 도형 381">
             <a:extLst>
               <a:ext uri="{FF2B5EF4-FFF2-40B4-BE49-F238E27FC236}">
-                <a16:creationId xmlns:a16="http://schemas.microsoft.com/office/drawing/2014/main" xmlns="" id="{DB9ADCEC-01D9-4BB3-81EE-B1429055FB91}"/>
+                <a16:creationId xmlns:a16="http://schemas.microsoft.com/office/drawing/2014/main" id="{DB9ADCEC-01D9-4BB3-81EE-B1429055FB91}"/>
               </a:ext>
             </a:extLst>
           </p:cNvPr>
@@ -20418,7 +20434,7 @@
           <p:cNvPr id="83" name="자유형: 도형 382">
             <a:extLst>
               <a:ext uri="{FF2B5EF4-FFF2-40B4-BE49-F238E27FC236}">
-                <a16:creationId xmlns:a16="http://schemas.microsoft.com/office/drawing/2014/main" xmlns="" id="{DB61C11B-0EC3-4996-906C-007E57835D42}"/>
+                <a16:creationId xmlns:a16="http://schemas.microsoft.com/office/drawing/2014/main" id="{DB61C11B-0EC3-4996-906C-007E57835D42}"/>
               </a:ext>
             </a:extLst>
           </p:cNvPr>
@@ -20563,7 +20579,7 @@
           <p:cNvPr id="84" name="자유형: 도형 383">
             <a:extLst>
               <a:ext uri="{FF2B5EF4-FFF2-40B4-BE49-F238E27FC236}">
-                <a16:creationId xmlns:a16="http://schemas.microsoft.com/office/drawing/2014/main" xmlns="" id="{044A0A9B-5CA5-4FE7-B917-B350C19EF0E6}"/>
+                <a16:creationId xmlns:a16="http://schemas.microsoft.com/office/drawing/2014/main" id="{044A0A9B-5CA5-4FE7-B917-B350C19EF0E6}"/>
               </a:ext>
             </a:extLst>
           </p:cNvPr>
@@ -20708,7 +20724,7 @@
           <p:cNvPr id="85" name="자유형: 도형 384">
             <a:extLst>
               <a:ext uri="{FF2B5EF4-FFF2-40B4-BE49-F238E27FC236}">
-                <a16:creationId xmlns:a16="http://schemas.microsoft.com/office/drawing/2014/main" xmlns="" id="{EA9897D2-716C-4BC1-98EE-5CC7B719C72B}"/>
+                <a16:creationId xmlns:a16="http://schemas.microsoft.com/office/drawing/2014/main" id="{EA9897D2-716C-4BC1-98EE-5CC7B719C72B}"/>
               </a:ext>
             </a:extLst>
           </p:cNvPr>
@@ -20853,7 +20869,7 @@
           <p:cNvPr id="86" name="자유형: 도형 385">
             <a:extLst>
               <a:ext uri="{FF2B5EF4-FFF2-40B4-BE49-F238E27FC236}">
-                <a16:creationId xmlns:a16="http://schemas.microsoft.com/office/drawing/2014/main" xmlns="" id="{7582865E-7A8F-44C3-912A-C087626FEDA9}"/>
+                <a16:creationId xmlns:a16="http://schemas.microsoft.com/office/drawing/2014/main" id="{7582865E-7A8F-44C3-912A-C087626FEDA9}"/>
               </a:ext>
             </a:extLst>
           </p:cNvPr>
@@ -20998,7 +21014,7 @@
           <p:cNvPr id="87" name="자유형: 도형 386">
             <a:extLst>
               <a:ext uri="{FF2B5EF4-FFF2-40B4-BE49-F238E27FC236}">
-                <a16:creationId xmlns:a16="http://schemas.microsoft.com/office/drawing/2014/main" xmlns="" id="{76E18406-54A4-401D-9DCA-86C76E3A933C}"/>
+                <a16:creationId xmlns:a16="http://schemas.microsoft.com/office/drawing/2014/main" id="{76E18406-54A4-401D-9DCA-86C76E3A933C}"/>
               </a:ext>
             </a:extLst>
           </p:cNvPr>
@@ -21143,7 +21159,7 @@
           <p:cNvPr id="88" name="자유형: 도형 387">
             <a:extLst>
               <a:ext uri="{FF2B5EF4-FFF2-40B4-BE49-F238E27FC236}">
-                <a16:creationId xmlns:a16="http://schemas.microsoft.com/office/drawing/2014/main" xmlns="" id="{78D016E9-A182-4180-A637-1A890C82CE6A}"/>
+                <a16:creationId xmlns:a16="http://schemas.microsoft.com/office/drawing/2014/main" id="{78D016E9-A182-4180-A637-1A890C82CE6A}"/>
               </a:ext>
             </a:extLst>
           </p:cNvPr>
@@ -21288,7 +21304,7 @@
           <p:cNvPr id="89" name="자유형: 도형 388">
             <a:extLst>
               <a:ext uri="{FF2B5EF4-FFF2-40B4-BE49-F238E27FC236}">
-                <a16:creationId xmlns:a16="http://schemas.microsoft.com/office/drawing/2014/main" xmlns="" id="{05F8530F-49F6-48DF-AD43-D138C77A6596}"/>
+                <a16:creationId xmlns:a16="http://schemas.microsoft.com/office/drawing/2014/main" id="{05F8530F-49F6-48DF-AD43-D138C77A6596}"/>
               </a:ext>
             </a:extLst>
           </p:cNvPr>
@@ -21433,7 +21449,7 @@
           <p:cNvPr id="90" name="자유형: 도형 389">
             <a:extLst>
               <a:ext uri="{FF2B5EF4-FFF2-40B4-BE49-F238E27FC236}">
-                <a16:creationId xmlns:a16="http://schemas.microsoft.com/office/drawing/2014/main" xmlns="" id="{98DCEC21-B8BD-43A7-8436-449C4406D27B}"/>
+                <a16:creationId xmlns:a16="http://schemas.microsoft.com/office/drawing/2014/main" id="{98DCEC21-B8BD-43A7-8436-449C4406D27B}"/>
               </a:ext>
             </a:extLst>
           </p:cNvPr>
@@ -21578,7 +21594,7 @@
           <p:cNvPr id="91" name="자유형: 도형 390">
             <a:extLst>
               <a:ext uri="{FF2B5EF4-FFF2-40B4-BE49-F238E27FC236}">
-                <a16:creationId xmlns:a16="http://schemas.microsoft.com/office/drawing/2014/main" xmlns="" id="{71FAF07A-965F-4A51-9977-FFFFAA15A432}"/>
+                <a16:creationId xmlns:a16="http://schemas.microsoft.com/office/drawing/2014/main" id="{71FAF07A-965F-4A51-9977-FFFFAA15A432}"/>
               </a:ext>
             </a:extLst>
           </p:cNvPr>
@@ -21723,7 +21739,7 @@
           <p:cNvPr id="92" name="자유형: 도형 391">
             <a:extLst>
               <a:ext uri="{FF2B5EF4-FFF2-40B4-BE49-F238E27FC236}">
-                <a16:creationId xmlns:a16="http://schemas.microsoft.com/office/drawing/2014/main" xmlns="" id="{5047EEFB-CDDB-46B7-AA56-F96C5BF34725}"/>
+                <a16:creationId xmlns:a16="http://schemas.microsoft.com/office/drawing/2014/main" id="{5047EEFB-CDDB-46B7-AA56-F96C5BF34725}"/>
               </a:ext>
             </a:extLst>
           </p:cNvPr>
@@ -21868,7 +21884,7 @@
           <p:cNvPr id="93" name="자유형: 도형 392">
             <a:extLst>
               <a:ext uri="{FF2B5EF4-FFF2-40B4-BE49-F238E27FC236}">
-                <a16:creationId xmlns:a16="http://schemas.microsoft.com/office/drawing/2014/main" xmlns="" id="{2D343500-5462-4C95-880B-385171314AB6}"/>
+                <a16:creationId xmlns:a16="http://schemas.microsoft.com/office/drawing/2014/main" id="{2D343500-5462-4C95-880B-385171314AB6}"/>
               </a:ext>
             </a:extLst>
           </p:cNvPr>
@@ -22013,7 +22029,7 @@
           <p:cNvPr id="94" name="자유형: 도형 393">
             <a:extLst>
               <a:ext uri="{FF2B5EF4-FFF2-40B4-BE49-F238E27FC236}">
-                <a16:creationId xmlns:a16="http://schemas.microsoft.com/office/drawing/2014/main" xmlns="" id="{7B3DA1B8-BF1B-4513-966C-2A916F28EFB9}"/>
+                <a16:creationId xmlns:a16="http://schemas.microsoft.com/office/drawing/2014/main" id="{7B3DA1B8-BF1B-4513-966C-2A916F28EFB9}"/>
               </a:ext>
             </a:extLst>
           </p:cNvPr>
@@ -22158,7 +22174,7 @@
           <p:cNvPr id="95" name="자유형: 도형 394">
             <a:extLst>
               <a:ext uri="{FF2B5EF4-FFF2-40B4-BE49-F238E27FC236}">
-                <a16:creationId xmlns:a16="http://schemas.microsoft.com/office/drawing/2014/main" xmlns="" id="{28F89FC3-982F-4923-9453-6F57D8E1E307}"/>
+                <a16:creationId xmlns:a16="http://schemas.microsoft.com/office/drawing/2014/main" id="{28F89FC3-982F-4923-9453-6F57D8E1E307}"/>
               </a:ext>
             </a:extLst>
           </p:cNvPr>
@@ -22303,7 +22319,7 @@
           <p:cNvPr id="96" name="자유형: 도형 395">
             <a:extLst>
               <a:ext uri="{FF2B5EF4-FFF2-40B4-BE49-F238E27FC236}">
-                <a16:creationId xmlns:a16="http://schemas.microsoft.com/office/drawing/2014/main" xmlns="" id="{0F995921-8CFB-4A23-8C8B-B2815AE8670A}"/>
+                <a16:creationId xmlns:a16="http://schemas.microsoft.com/office/drawing/2014/main" id="{0F995921-8CFB-4A23-8C8B-B2815AE8670A}"/>
               </a:ext>
             </a:extLst>
           </p:cNvPr>
@@ -22448,7 +22464,7 @@
           <p:cNvPr id="97" name="자유형: 도형 396">
             <a:extLst>
               <a:ext uri="{FF2B5EF4-FFF2-40B4-BE49-F238E27FC236}">
-                <a16:creationId xmlns:a16="http://schemas.microsoft.com/office/drawing/2014/main" xmlns="" id="{38E18007-DA79-4D7B-96F0-FEC1EB21386C}"/>
+                <a16:creationId xmlns:a16="http://schemas.microsoft.com/office/drawing/2014/main" id="{38E18007-DA79-4D7B-96F0-FEC1EB21386C}"/>
               </a:ext>
             </a:extLst>
           </p:cNvPr>
@@ -22593,7 +22609,7 @@
           <p:cNvPr id="98" name="자유형: 도형 397">
             <a:extLst>
               <a:ext uri="{FF2B5EF4-FFF2-40B4-BE49-F238E27FC236}">
-                <a16:creationId xmlns:a16="http://schemas.microsoft.com/office/drawing/2014/main" xmlns="" id="{C0E1BE7B-0A87-404E-B319-F1AE13922904}"/>
+                <a16:creationId xmlns:a16="http://schemas.microsoft.com/office/drawing/2014/main" id="{C0E1BE7B-0A87-404E-B319-F1AE13922904}"/>
               </a:ext>
             </a:extLst>
           </p:cNvPr>
@@ -22738,7 +22754,7 @@
           <p:cNvPr id="99" name="자유형: 도형 398">
             <a:extLst>
               <a:ext uri="{FF2B5EF4-FFF2-40B4-BE49-F238E27FC236}">
-                <a16:creationId xmlns:a16="http://schemas.microsoft.com/office/drawing/2014/main" xmlns="" id="{675C7C0F-8C6D-4AAF-BC5F-2B81DEB3E4E8}"/>
+                <a16:creationId xmlns:a16="http://schemas.microsoft.com/office/drawing/2014/main" id="{675C7C0F-8C6D-4AAF-BC5F-2B81DEB3E4E8}"/>
               </a:ext>
             </a:extLst>
           </p:cNvPr>
@@ -22883,7 +22899,7 @@
           <p:cNvPr id="100" name="자유형: 도형 399">
             <a:extLst>
               <a:ext uri="{FF2B5EF4-FFF2-40B4-BE49-F238E27FC236}">
-                <a16:creationId xmlns:a16="http://schemas.microsoft.com/office/drawing/2014/main" xmlns="" id="{846A25C2-933F-44C2-A0FE-4110FBEBA915}"/>
+                <a16:creationId xmlns:a16="http://schemas.microsoft.com/office/drawing/2014/main" id="{846A25C2-933F-44C2-A0FE-4110FBEBA915}"/>
               </a:ext>
             </a:extLst>
           </p:cNvPr>
@@ -23028,7 +23044,7 @@
           <p:cNvPr id="101" name="자유형: 도형 400">
             <a:extLst>
               <a:ext uri="{FF2B5EF4-FFF2-40B4-BE49-F238E27FC236}">
-                <a16:creationId xmlns:a16="http://schemas.microsoft.com/office/drawing/2014/main" xmlns="" id="{5EBA2B3B-7A04-4662-B870-F720B8538988}"/>
+                <a16:creationId xmlns:a16="http://schemas.microsoft.com/office/drawing/2014/main" id="{5EBA2B3B-7A04-4662-B870-F720B8538988}"/>
               </a:ext>
             </a:extLst>
           </p:cNvPr>
@@ -23173,7 +23189,7 @@
           <p:cNvPr id="102" name="직사각형 101">
             <a:extLst>
               <a:ext uri="{FF2B5EF4-FFF2-40B4-BE49-F238E27FC236}">
-                <a16:creationId xmlns:a16="http://schemas.microsoft.com/office/drawing/2014/main" xmlns="" id="{8E46B02D-66F3-495A-BE76-8FA2A68509CF}"/>
+                <a16:creationId xmlns:a16="http://schemas.microsoft.com/office/drawing/2014/main" id="{8E46B02D-66F3-495A-BE76-8FA2A68509CF}"/>
               </a:ext>
             </a:extLst>
           </p:cNvPr>
@@ -23229,7 +23245,7 @@
           <p:cNvPr id="103" name="직사각형 102">
             <a:extLst>
               <a:ext uri="{FF2B5EF4-FFF2-40B4-BE49-F238E27FC236}">
-                <a16:creationId xmlns:a16="http://schemas.microsoft.com/office/drawing/2014/main" xmlns="" id="{7FEC52E6-E0E1-427E-87A8-FEE2AAF979A8}"/>
+                <a16:creationId xmlns:a16="http://schemas.microsoft.com/office/drawing/2014/main" id="{7FEC52E6-E0E1-427E-87A8-FEE2AAF979A8}"/>
               </a:ext>
             </a:extLst>
           </p:cNvPr>
@@ -23271,22 +23287,6 @@
                 </a:solidFill>
               </a:rPr>
               <a:t>Winform</a:t>
-            </a:r>
-            <a:r>
-              <a:rPr lang="ko-KR" altLang="en-US" sz="1400" dirty="0" smtClean="0">
-                <a:solidFill>
-                  <a:srgbClr val="5B6176"/>
-                </a:solidFill>
-              </a:rPr>
-              <a:t> 코드</a:t>
-            </a:r>
-            <a:r>
-              <a:rPr lang="ko-KR" altLang="en-US" sz="1000" dirty="0" smtClean="0">
-                <a:solidFill>
-                  <a:srgbClr val="5B6176"/>
-                </a:solidFill>
-              </a:rPr>
-              <a:t> </a:t>
             </a:r>
             <a:endParaRPr lang="ko-KR" altLang="en-US" sz="1000" dirty="0">
               <a:solidFill>
@@ -23444,7 +23444,7 @@
           <p:cNvPr id="107" name="자유형: 도형 377">
             <a:extLst>
               <a:ext uri="{FF2B5EF4-FFF2-40B4-BE49-F238E27FC236}">
-                <a16:creationId xmlns:a16="http://schemas.microsoft.com/office/drawing/2014/main" xmlns="" id="{0B4A7219-0820-4378-B811-331B8646398F}"/>
+                <a16:creationId xmlns:a16="http://schemas.microsoft.com/office/drawing/2014/main" id="{0B4A7219-0820-4378-B811-331B8646398F}"/>
               </a:ext>
             </a:extLst>
           </p:cNvPr>
@@ -23589,7 +23589,7 @@
           <p:cNvPr id="108" name="자유형: 도형 378">
             <a:extLst>
               <a:ext uri="{FF2B5EF4-FFF2-40B4-BE49-F238E27FC236}">
-                <a16:creationId xmlns:a16="http://schemas.microsoft.com/office/drawing/2014/main" xmlns="" id="{AE7688D0-57FD-4391-A3C9-1EB04A54396A}"/>
+                <a16:creationId xmlns:a16="http://schemas.microsoft.com/office/drawing/2014/main" id="{AE7688D0-57FD-4391-A3C9-1EB04A54396A}"/>
               </a:ext>
             </a:extLst>
           </p:cNvPr>
@@ -23734,7 +23734,7 @@
           <p:cNvPr id="109" name="자유형: 도형 379">
             <a:extLst>
               <a:ext uri="{FF2B5EF4-FFF2-40B4-BE49-F238E27FC236}">
-                <a16:creationId xmlns:a16="http://schemas.microsoft.com/office/drawing/2014/main" xmlns="" id="{C4615E6A-E0F5-484B-8040-DD0DD89211FD}"/>
+                <a16:creationId xmlns:a16="http://schemas.microsoft.com/office/drawing/2014/main" id="{C4615E6A-E0F5-484B-8040-DD0DD89211FD}"/>
               </a:ext>
             </a:extLst>
           </p:cNvPr>
@@ -23879,7 +23879,7 @@
           <p:cNvPr id="110" name="자유형: 도형 380">
             <a:extLst>
               <a:ext uri="{FF2B5EF4-FFF2-40B4-BE49-F238E27FC236}">
-                <a16:creationId xmlns:a16="http://schemas.microsoft.com/office/drawing/2014/main" xmlns="" id="{0937B8B0-8045-4AA8-B9F4-04B7C0AFDEBB}"/>
+                <a16:creationId xmlns:a16="http://schemas.microsoft.com/office/drawing/2014/main" id="{0937B8B0-8045-4AA8-B9F4-04B7C0AFDEBB}"/>
               </a:ext>
             </a:extLst>
           </p:cNvPr>
@@ -24024,7 +24024,7 @@
           <p:cNvPr id="111" name="자유형: 도형 381">
             <a:extLst>
               <a:ext uri="{FF2B5EF4-FFF2-40B4-BE49-F238E27FC236}">
-                <a16:creationId xmlns:a16="http://schemas.microsoft.com/office/drawing/2014/main" xmlns="" id="{DB9ADCEC-01D9-4BB3-81EE-B1429055FB91}"/>
+                <a16:creationId xmlns:a16="http://schemas.microsoft.com/office/drawing/2014/main" id="{DB9ADCEC-01D9-4BB3-81EE-B1429055FB91}"/>
               </a:ext>
             </a:extLst>
           </p:cNvPr>
@@ -24169,7 +24169,7 @@
           <p:cNvPr id="112" name="자유형: 도형 382">
             <a:extLst>
               <a:ext uri="{FF2B5EF4-FFF2-40B4-BE49-F238E27FC236}">
-                <a16:creationId xmlns:a16="http://schemas.microsoft.com/office/drawing/2014/main" xmlns="" id="{DB61C11B-0EC3-4996-906C-007E57835D42}"/>
+                <a16:creationId xmlns:a16="http://schemas.microsoft.com/office/drawing/2014/main" id="{DB61C11B-0EC3-4996-906C-007E57835D42}"/>
               </a:ext>
             </a:extLst>
           </p:cNvPr>
@@ -24314,7 +24314,7 @@
           <p:cNvPr id="113" name="자유형: 도형 383">
             <a:extLst>
               <a:ext uri="{FF2B5EF4-FFF2-40B4-BE49-F238E27FC236}">
-                <a16:creationId xmlns:a16="http://schemas.microsoft.com/office/drawing/2014/main" xmlns="" id="{044A0A9B-5CA5-4FE7-B917-B350C19EF0E6}"/>
+                <a16:creationId xmlns:a16="http://schemas.microsoft.com/office/drawing/2014/main" id="{044A0A9B-5CA5-4FE7-B917-B350C19EF0E6}"/>
               </a:ext>
             </a:extLst>
           </p:cNvPr>
@@ -24459,7 +24459,7 @@
           <p:cNvPr id="114" name="자유형: 도형 384">
             <a:extLst>
               <a:ext uri="{FF2B5EF4-FFF2-40B4-BE49-F238E27FC236}">
-                <a16:creationId xmlns:a16="http://schemas.microsoft.com/office/drawing/2014/main" xmlns="" id="{EA9897D2-716C-4BC1-98EE-5CC7B719C72B}"/>
+                <a16:creationId xmlns:a16="http://schemas.microsoft.com/office/drawing/2014/main" id="{EA9897D2-716C-4BC1-98EE-5CC7B719C72B}"/>
               </a:ext>
             </a:extLst>
           </p:cNvPr>
@@ -24604,7 +24604,7 @@
           <p:cNvPr id="115" name="자유형: 도형 385">
             <a:extLst>
               <a:ext uri="{FF2B5EF4-FFF2-40B4-BE49-F238E27FC236}">
-                <a16:creationId xmlns:a16="http://schemas.microsoft.com/office/drawing/2014/main" xmlns="" id="{7582865E-7A8F-44C3-912A-C087626FEDA9}"/>
+                <a16:creationId xmlns:a16="http://schemas.microsoft.com/office/drawing/2014/main" id="{7582865E-7A8F-44C3-912A-C087626FEDA9}"/>
               </a:ext>
             </a:extLst>
           </p:cNvPr>
@@ -24749,7 +24749,7 @@
           <p:cNvPr id="116" name="자유형: 도형 386">
             <a:extLst>
               <a:ext uri="{FF2B5EF4-FFF2-40B4-BE49-F238E27FC236}">
-                <a16:creationId xmlns:a16="http://schemas.microsoft.com/office/drawing/2014/main" xmlns="" id="{76E18406-54A4-401D-9DCA-86C76E3A933C}"/>
+                <a16:creationId xmlns:a16="http://schemas.microsoft.com/office/drawing/2014/main" id="{76E18406-54A4-401D-9DCA-86C76E3A933C}"/>
               </a:ext>
             </a:extLst>
           </p:cNvPr>
@@ -24894,7 +24894,7 @@
           <p:cNvPr id="117" name="자유형: 도형 387">
             <a:extLst>
               <a:ext uri="{FF2B5EF4-FFF2-40B4-BE49-F238E27FC236}">
-                <a16:creationId xmlns:a16="http://schemas.microsoft.com/office/drawing/2014/main" xmlns="" id="{78D016E9-A182-4180-A637-1A890C82CE6A}"/>
+                <a16:creationId xmlns:a16="http://schemas.microsoft.com/office/drawing/2014/main" id="{78D016E9-A182-4180-A637-1A890C82CE6A}"/>
               </a:ext>
             </a:extLst>
           </p:cNvPr>
@@ -25039,7 +25039,7 @@
           <p:cNvPr id="118" name="자유형: 도형 388">
             <a:extLst>
               <a:ext uri="{FF2B5EF4-FFF2-40B4-BE49-F238E27FC236}">
-                <a16:creationId xmlns:a16="http://schemas.microsoft.com/office/drawing/2014/main" xmlns="" id="{05F8530F-49F6-48DF-AD43-D138C77A6596}"/>
+                <a16:creationId xmlns:a16="http://schemas.microsoft.com/office/drawing/2014/main" id="{05F8530F-49F6-48DF-AD43-D138C77A6596}"/>
               </a:ext>
             </a:extLst>
           </p:cNvPr>
@@ -25184,7 +25184,7 @@
           <p:cNvPr id="119" name="자유형: 도형 389">
             <a:extLst>
               <a:ext uri="{FF2B5EF4-FFF2-40B4-BE49-F238E27FC236}">
-                <a16:creationId xmlns:a16="http://schemas.microsoft.com/office/drawing/2014/main" xmlns="" id="{98DCEC21-B8BD-43A7-8436-449C4406D27B}"/>
+                <a16:creationId xmlns:a16="http://schemas.microsoft.com/office/drawing/2014/main" id="{98DCEC21-B8BD-43A7-8436-449C4406D27B}"/>
               </a:ext>
             </a:extLst>
           </p:cNvPr>
@@ -25329,7 +25329,7 @@
           <p:cNvPr id="120" name="자유형: 도형 390">
             <a:extLst>
               <a:ext uri="{FF2B5EF4-FFF2-40B4-BE49-F238E27FC236}">
-                <a16:creationId xmlns:a16="http://schemas.microsoft.com/office/drawing/2014/main" xmlns="" id="{71FAF07A-965F-4A51-9977-FFFFAA15A432}"/>
+                <a16:creationId xmlns:a16="http://schemas.microsoft.com/office/drawing/2014/main" id="{71FAF07A-965F-4A51-9977-FFFFAA15A432}"/>
               </a:ext>
             </a:extLst>
           </p:cNvPr>
@@ -25474,7 +25474,7 @@
           <p:cNvPr id="121" name="자유형: 도형 391">
             <a:extLst>
               <a:ext uri="{FF2B5EF4-FFF2-40B4-BE49-F238E27FC236}">
-                <a16:creationId xmlns:a16="http://schemas.microsoft.com/office/drawing/2014/main" xmlns="" id="{5047EEFB-CDDB-46B7-AA56-F96C5BF34725}"/>
+                <a16:creationId xmlns:a16="http://schemas.microsoft.com/office/drawing/2014/main" id="{5047EEFB-CDDB-46B7-AA56-F96C5BF34725}"/>
               </a:ext>
             </a:extLst>
           </p:cNvPr>
@@ -25619,7 +25619,7 @@
           <p:cNvPr id="122" name="자유형: 도형 392">
             <a:extLst>
               <a:ext uri="{FF2B5EF4-FFF2-40B4-BE49-F238E27FC236}">
-                <a16:creationId xmlns:a16="http://schemas.microsoft.com/office/drawing/2014/main" xmlns="" id="{2D343500-5462-4C95-880B-385171314AB6}"/>
+                <a16:creationId xmlns:a16="http://schemas.microsoft.com/office/drawing/2014/main" id="{2D343500-5462-4C95-880B-385171314AB6}"/>
               </a:ext>
             </a:extLst>
           </p:cNvPr>
@@ -25764,7 +25764,7 @@
           <p:cNvPr id="123" name="자유형: 도형 393">
             <a:extLst>
               <a:ext uri="{FF2B5EF4-FFF2-40B4-BE49-F238E27FC236}">
-                <a16:creationId xmlns:a16="http://schemas.microsoft.com/office/drawing/2014/main" xmlns="" id="{7B3DA1B8-BF1B-4513-966C-2A916F28EFB9}"/>
+                <a16:creationId xmlns:a16="http://schemas.microsoft.com/office/drawing/2014/main" id="{7B3DA1B8-BF1B-4513-966C-2A916F28EFB9}"/>
               </a:ext>
             </a:extLst>
           </p:cNvPr>
@@ -25909,7 +25909,7 @@
           <p:cNvPr id="124" name="자유형: 도형 394">
             <a:extLst>
               <a:ext uri="{FF2B5EF4-FFF2-40B4-BE49-F238E27FC236}">
-                <a16:creationId xmlns:a16="http://schemas.microsoft.com/office/drawing/2014/main" xmlns="" id="{28F89FC3-982F-4923-9453-6F57D8E1E307}"/>
+                <a16:creationId xmlns:a16="http://schemas.microsoft.com/office/drawing/2014/main" id="{28F89FC3-982F-4923-9453-6F57D8E1E307}"/>
               </a:ext>
             </a:extLst>
           </p:cNvPr>
@@ -26054,7 +26054,7 @@
           <p:cNvPr id="125" name="자유형: 도형 395">
             <a:extLst>
               <a:ext uri="{FF2B5EF4-FFF2-40B4-BE49-F238E27FC236}">
-                <a16:creationId xmlns:a16="http://schemas.microsoft.com/office/drawing/2014/main" xmlns="" id="{0F995921-8CFB-4A23-8C8B-B2815AE8670A}"/>
+                <a16:creationId xmlns:a16="http://schemas.microsoft.com/office/drawing/2014/main" id="{0F995921-8CFB-4A23-8C8B-B2815AE8670A}"/>
               </a:ext>
             </a:extLst>
           </p:cNvPr>
@@ -26199,7 +26199,7 @@
           <p:cNvPr id="126" name="자유형: 도형 396">
             <a:extLst>
               <a:ext uri="{FF2B5EF4-FFF2-40B4-BE49-F238E27FC236}">
-                <a16:creationId xmlns:a16="http://schemas.microsoft.com/office/drawing/2014/main" xmlns="" id="{38E18007-DA79-4D7B-96F0-FEC1EB21386C}"/>
+                <a16:creationId xmlns:a16="http://schemas.microsoft.com/office/drawing/2014/main" id="{38E18007-DA79-4D7B-96F0-FEC1EB21386C}"/>
               </a:ext>
             </a:extLst>
           </p:cNvPr>
@@ -26344,7 +26344,7 @@
           <p:cNvPr id="127" name="자유형: 도형 397">
             <a:extLst>
               <a:ext uri="{FF2B5EF4-FFF2-40B4-BE49-F238E27FC236}">
-                <a16:creationId xmlns:a16="http://schemas.microsoft.com/office/drawing/2014/main" xmlns="" id="{C0E1BE7B-0A87-404E-B319-F1AE13922904}"/>
+                <a16:creationId xmlns:a16="http://schemas.microsoft.com/office/drawing/2014/main" id="{C0E1BE7B-0A87-404E-B319-F1AE13922904}"/>
               </a:ext>
             </a:extLst>
           </p:cNvPr>
@@ -26489,7 +26489,7 @@
           <p:cNvPr id="128" name="자유형: 도형 398">
             <a:extLst>
               <a:ext uri="{FF2B5EF4-FFF2-40B4-BE49-F238E27FC236}">
-                <a16:creationId xmlns:a16="http://schemas.microsoft.com/office/drawing/2014/main" xmlns="" id="{675C7C0F-8C6D-4AAF-BC5F-2B81DEB3E4E8}"/>
+                <a16:creationId xmlns:a16="http://schemas.microsoft.com/office/drawing/2014/main" id="{675C7C0F-8C6D-4AAF-BC5F-2B81DEB3E4E8}"/>
               </a:ext>
             </a:extLst>
           </p:cNvPr>
@@ -26634,7 +26634,7 @@
           <p:cNvPr id="129" name="자유형: 도형 399">
             <a:extLst>
               <a:ext uri="{FF2B5EF4-FFF2-40B4-BE49-F238E27FC236}">
-                <a16:creationId xmlns:a16="http://schemas.microsoft.com/office/drawing/2014/main" xmlns="" id="{846A25C2-933F-44C2-A0FE-4110FBEBA915}"/>
+                <a16:creationId xmlns:a16="http://schemas.microsoft.com/office/drawing/2014/main" id="{846A25C2-933F-44C2-A0FE-4110FBEBA915}"/>
               </a:ext>
             </a:extLst>
           </p:cNvPr>
@@ -26779,7 +26779,7 @@
           <p:cNvPr id="130" name="자유형: 도형 400">
             <a:extLst>
               <a:ext uri="{FF2B5EF4-FFF2-40B4-BE49-F238E27FC236}">
-                <a16:creationId xmlns:a16="http://schemas.microsoft.com/office/drawing/2014/main" xmlns="" id="{5EBA2B3B-7A04-4662-B870-F720B8538988}"/>
+                <a16:creationId xmlns:a16="http://schemas.microsoft.com/office/drawing/2014/main" id="{5EBA2B3B-7A04-4662-B870-F720B8538988}"/>
               </a:ext>
             </a:extLst>
           </p:cNvPr>
@@ -26924,7 +26924,7 @@
           <p:cNvPr id="131" name="직사각형 130">
             <a:extLst>
               <a:ext uri="{FF2B5EF4-FFF2-40B4-BE49-F238E27FC236}">
-                <a16:creationId xmlns:a16="http://schemas.microsoft.com/office/drawing/2014/main" xmlns="" id="{8E46B02D-66F3-495A-BE76-8FA2A68509CF}"/>
+                <a16:creationId xmlns:a16="http://schemas.microsoft.com/office/drawing/2014/main" id="{8E46B02D-66F3-495A-BE76-8FA2A68509CF}"/>
               </a:ext>
             </a:extLst>
           </p:cNvPr>
@@ -26980,7 +26980,7 @@
           <p:cNvPr id="132" name="직사각형 131">
             <a:extLst>
               <a:ext uri="{FF2B5EF4-FFF2-40B4-BE49-F238E27FC236}">
-                <a16:creationId xmlns:a16="http://schemas.microsoft.com/office/drawing/2014/main" xmlns="" id="{7FEC52E6-E0E1-427E-87A8-FEE2AAF979A8}"/>
+                <a16:creationId xmlns:a16="http://schemas.microsoft.com/office/drawing/2014/main" id="{7FEC52E6-E0E1-427E-87A8-FEE2AAF979A8}"/>
               </a:ext>
             </a:extLst>
           </p:cNvPr>
@@ -28115,7 +28115,7 @@
           <p:cNvPr id="114" name="직사각형 113">
             <a:extLst>
               <a:ext uri="{FF2B5EF4-FFF2-40B4-BE49-F238E27FC236}">
-                <a16:creationId xmlns:a16="http://schemas.microsoft.com/office/drawing/2014/main" xmlns="" id="{3FA00699-5178-465A-9F3F-130CF1431F70}"/>
+                <a16:creationId xmlns:a16="http://schemas.microsoft.com/office/drawing/2014/main" id="{3FA00699-5178-465A-9F3F-130CF1431F70}"/>
               </a:ext>
             </a:extLst>
           </p:cNvPr>
@@ -28440,7 +28440,7 @@
           <p:cNvPr id="122" name="직사각형 121">
             <a:extLst>
               <a:ext uri="{FF2B5EF4-FFF2-40B4-BE49-F238E27FC236}">
-                <a16:creationId xmlns:a16="http://schemas.microsoft.com/office/drawing/2014/main" xmlns="" id="{3FA00699-5178-465A-9F3F-130CF1431F70}"/>
+                <a16:creationId xmlns:a16="http://schemas.microsoft.com/office/drawing/2014/main" id="{3FA00699-5178-465A-9F3F-130CF1431F70}"/>
               </a:ext>
             </a:extLst>
           </p:cNvPr>
@@ -28765,7 +28765,7 @@
           <p:cNvPr id="130" name="직사각형 129">
             <a:extLst>
               <a:ext uri="{FF2B5EF4-FFF2-40B4-BE49-F238E27FC236}">
-                <a16:creationId xmlns:a16="http://schemas.microsoft.com/office/drawing/2014/main" xmlns="" id="{3FA00699-5178-465A-9F3F-130CF1431F70}"/>
+                <a16:creationId xmlns:a16="http://schemas.microsoft.com/office/drawing/2014/main" id="{3FA00699-5178-465A-9F3F-130CF1431F70}"/>
               </a:ext>
             </a:extLst>
           </p:cNvPr>
@@ -31018,22 +31018,6 @@
                   <a:srgbClr val="5B6176"/>
                 </a:solidFill>
               </a:rPr>
-              <a:t>프로그램의 기본 구조 </a:t>
-            </a:r>
-            <a:r>
-              <a:rPr lang="en-US" altLang="ko-KR" sz="2000" b="1" i="1" kern="0" dirty="0" smtClean="0">
-                <a:solidFill>
-                  <a:srgbClr val="5B6176"/>
-                </a:solidFill>
-              </a:rPr>
-              <a:t>– </a:t>
-            </a:r>
-            <a:r>
-              <a:rPr lang="ko-KR" altLang="en-US" sz="2000" b="1" i="1" kern="0" dirty="0" smtClean="0">
-                <a:solidFill>
-                  <a:srgbClr val="5B6176"/>
-                </a:solidFill>
-              </a:rPr>
               <a:t>알고리즘</a:t>
             </a:r>
             <a:r>
@@ -31436,14 +31420,14 @@
                 <a:gridCol w="1875099">
                   <a:extLst>
                     <a:ext uri="{9D8B030D-6E8A-4147-A177-3AD203B41FA5}">
-                      <a16:colId xmlns:a16="http://schemas.microsoft.com/office/drawing/2014/main" xmlns="" val="20000"/>
+                      <a16:colId xmlns:a16="http://schemas.microsoft.com/office/drawing/2014/main" val="20000"/>
                     </a:ext>
                   </a:extLst>
                 </a:gridCol>
                 <a:gridCol w="4158309">
                   <a:extLst>
                     <a:ext uri="{9D8B030D-6E8A-4147-A177-3AD203B41FA5}">
-                      <a16:colId xmlns:a16="http://schemas.microsoft.com/office/drawing/2014/main" xmlns="" val="20001"/>
+                      <a16:colId xmlns:a16="http://schemas.microsoft.com/office/drawing/2014/main" val="20001"/>
                     </a:ext>
                   </a:extLst>
                 </a:gridCol>
@@ -31570,7 +31554,7 @@
                 </a:tc>
                 <a:extLst>
                   <a:ext uri="{0D108BD9-81ED-4DB2-BD59-A6C34878D82A}">
-                    <a16:rowId xmlns:a16="http://schemas.microsoft.com/office/drawing/2014/main" xmlns="" val="10000"/>
+                    <a16:rowId xmlns:a16="http://schemas.microsoft.com/office/drawing/2014/main" val="10000"/>
                   </a:ext>
                 </a:extLst>
               </a:tr>
@@ -31794,7 +31778,7 @@
                 </a:tc>
                 <a:extLst>
                   <a:ext uri="{0D108BD9-81ED-4DB2-BD59-A6C34878D82A}">
-                    <a16:rowId xmlns:a16="http://schemas.microsoft.com/office/drawing/2014/main" xmlns="" val="10001"/>
+                    <a16:rowId xmlns:a16="http://schemas.microsoft.com/office/drawing/2014/main" val="10001"/>
                   </a:ext>
                 </a:extLst>
               </a:tr>
@@ -32046,7 +32030,7 @@
                 </a:tc>
                 <a:extLst>
                   <a:ext uri="{0D108BD9-81ED-4DB2-BD59-A6C34878D82A}">
-                    <a16:rowId xmlns:a16="http://schemas.microsoft.com/office/drawing/2014/main" xmlns="" val="10002"/>
+                    <a16:rowId xmlns:a16="http://schemas.microsoft.com/office/drawing/2014/main" val="10002"/>
                   </a:ext>
                 </a:extLst>
               </a:tr>
@@ -32298,7 +32282,7 @@
                 </a:tc>
                 <a:extLst>
                   <a:ext uri="{0D108BD9-81ED-4DB2-BD59-A6C34878D82A}">
-                    <a16:rowId xmlns:a16="http://schemas.microsoft.com/office/drawing/2014/main" xmlns="" val="10003"/>
+                    <a16:rowId xmlns:a16="http://schemas.microsoft.com/office/drawing/2014/main" val="10003"/>
                   </a:ext>
                 </a:extLst>
               </a:tr>
@@ -32550,7 +32534,7 @@
                 </a:tc>
                 <a:extLst>
                   <a:ext uri="{0D108BD9-81ED-4DB2-BD59-A6C34878D82A}">
-                    <a16:rowId xmlns:a16="http://schemas.microsoft.com/office/drawing/2014/main" xmlns="" val="10004"/>
+                    <a16:rowId xmlns:a16="http://schemas.microsoft.com/office/drawing/2014/main" val="10004"/>
                   </a:ext>
                 </a:extLst>
               </a:tr>
@@ -32942,7 +32926,7 @@
                 </a:tc>
                 <a:extLst>
                   <a:ext uri="{0D108BD9-81ED-4DB2-BD59-A6C34878D82A}">
-                    <a16:rowId xmlns:a16="http://schemas.microsoft.com/office/drawing/2014/main" xmlns="" val="10005"/>
+                    <a16:rowId xmlns:a16="http://schemas.microsoft.com/office/drawing/2014/main" val="10005"/>
                   </a:ext>
                 </a:extLst>
               </a:tr>
@@ -33310,7 +33294,7 @@
                 </a:tc>
                 <a:extLst>
                   <a:ext uri="{0D108BD9-81ED-4DB2-BD59-A6C34878D82A}">
-                    <a16:rowId xmlns:a16="http://schemas.microsoft.com/office/drawing/2014/main" xmlns="" val="10006"/>
+                    <a16:rowId xmlns:a16="http://schemas.microsoft.com/office/drawing/2014/main" val="10006"/>
                   </a:ext>
                 </a:extLst>
               </a:tr>
@@ -33542,7 +33526,7 @@
                 </a:tc>
                 <a:extLst>
                   <a:ext uri="{0D108BD9-81ED-4DB2-BD59-A6C34878D82A}">
-                    <a16:rowId xmlns:a16="http://schemas.microsoft.com/office/drawing/2014/main" xmlns="" val="10007"/>
+                    <a16:rowId xmlns:a16="http://schemas.microsoft.com/office/drawing/2014/main" val="10007"/>
                   </a:ext>
                 </a:extLst>
               </a:tr>
@@ -33768,67 +33752,7 @@
                           <a:ea typeface="+mn-ea"/>
                           <a:cs typeface="+mn-cs"/>
                         </a:rPr>
-                        <a:t>인 조합이 </a:t>
-                      </a:r>
-                      <a:r>
-                        <a:rPr kumimoji="0" lang="ko-KR" altLang="en-US" sz="1050" b="0" i="0" u="none" strike="noStrike" kern="1200" cap="none" spc="0" normalizeH="0" baseline="0" noProof="0" dirty="0" smtClean="0">
-                          <a:ln>
-                            <a:noFill/>
-                          </a:ln>
-                          <a:solidFill>
-                            <a:schemeClr val="tx1">
-                              <a:lumMod val="75000"/>
-                              <a:lumOff val="25000"/>
-                            </a:schemeClr>
-                          </a:solidFill>
-                          <a:effectLst/>
-                          <a:uLnTx/>
-                          <a:uFillTx/>
-                          <a:latin typeface="+mn-lt"/>
-                          <a:ea typeface="+mn-ea"/>
-                          <a:cs typeface="+mn-cs"/>
-                        </a:rPr>
-                        <a:t>자주 </a:t>
-                      </a:r>
-                      <a:r>
-                        <a:rPr kumimoji="0" lang="ko-KR" altLang="en-US" sz="1050" b="0" i="0" u="none" strike="noStrike" kern="1200" cap="none" spc="0" normalizeH="0" baseline="0" noProof="0" dirty="0" smtClean="0">
-                          <a:ln>
-                            <a:noFill/>
-                          </a:ln>
-                          <a:solidFill>
-                            <a:schemeClr val="tx1">
-                              <a:lumMod val="75000"/>
-                              <a:lumOff val="25000"/>
-                            </a:schemeClr>
-                          </a:solidFill>
-                          <a:effectLst/>
-                          <a:uLnTx/>
-                          <a:uFillTx/>
-                          <a:latin typeface="+mn-lt"/>
-                          <a:ea typeface="+mn-ea"/>
-                          <a:cs typeface="+mn-cs"/>
-                        </a:rPr>
-                        <a:t>나오도록 확률을 </a:t>
-                      </a:r>
-                      <a:r>
-                        <a:rPr kumimoji="0" lang="ko-KR" altLang="en-US" sz="1050" b="0" i="0" u="none" strike="noStrike" kern="1200" cap="none" spc="0" normalizeH="0" baseline="0" noProof="0" dirty="0" smtClean="0">
-                          <a:ln>
-                            <a:noFill/>
-                          </a:ln>
-                          <a:solidFill>
-                            <a:schemeClr val="tx1">
-                              <a:lumMod val="75000"/>
-                              <a:lumOff val="25000"/>
-                            </a:schemeClr>
-                          </a:solidFill>
-                          <a:effectLst/>
-                          <a:uLnTx/>
-                          <a:uFillTx/>
-                          <a:latin typeface="+mn-lt"/>
-                          <a:ea typeface="+mn-ea"/>
-                          <a:cs typeface="+mn-cs"/>
-                        </a:rPr>
-                        <a:t>조정하였습니다</a:t>
+                        <a:t>인 조합이 자주 나오도록 확률을 조정하였습니다</a:t>
                       </a:r>
                       <a:r>
                         <a:rPr kumimoji="0" lang="en-US" altLang="ko-KR" sz="1050" b="0" i="0" u="none" strike="noStrike" kern="1200" cap="none" spc="0" normalizeH="0" baseline="0" noProof="0" dirty="0" smtClean="0">
@@ -33911,7 +33835,7 @@
                 </a:tc>
                 <a:extLst>
                   <a:ext uri="{0D108BD9-81ED-4DB2-BD59-A6C34878D82A}">
-                    <a16:rowId xmlns:a16="http://schemas.microsoft.com/office/drawing/2014/main" xmlns="" val="10008"/>
+                    <a16:rowId xmlns:a16="http://schemas.microsoft.com/office/drawing/2014/main" val="10008"/>
                   </a:ext>
                 </a:extLst>
               </a:tr>
@@ -33924,7 +33848,7 @@
           <p:cNvPr id="23" name="직사각형 22">
             <a:extLst>
               <a:ext uri="{FF2B5EF4-FFF2-40B4-BE49-F238E27FC236}">
-                <a16:creationId xmlns:a16="http://schemas.microsoft.com/office/drawing/2014/main" xmlns="" id="{3FA00699-5178-465A-9F3F-130CF1431F70}"/>
+                <a16:creationId xmlns:a16="http://schemas.microsoft.com/office/drawing/2014/main" id="{3FA00699-5178-465A-9F3F-130CF1431F70}"/>
               </a:ext>
             </a:extLst>
           </p:cNvPr>
@@ -34732,7 +34656,7 @@
           <p:cNvPr id="26" name="직사각형 25">
             <a:extLst>
               <a:ext uri="{FF2B5EF4-FFF2-40B4-BE49-F238E27FC236}">
-                <a16:creationId xmlns:a16="http://schemas.microsoft.com/office/drawing/2014/main" xmlns="" id="{3FA00699-5178-465A-9F3F-130CF1431F70}"/>
+                <a16:creationId xmlns:a16="http://schemas.microsoft.com/office/drawing/2014/main" id="{3FA00699-5178-465A-9F3F-130CF1431F70}"/>
               </a:ext>
             </a:extLst>
           </p:cNvPr>
@@ -34780,7 +34704,7 @@
           <p:cNvPr id="27" name="직사각형 26">
             <a:extLst>
               <a:ext uri="{FF2B5EF4-FFF2-40B4-BE49-F238E27FC236}">
-                <a16:creationId xmlns:a16="http://schemas.microsoft.com/office/drawing/2014/main" xmlns="" id="{3FA00699-5178-465A-9F3F-130CF1431F70}"/>
+                <a16:creationId xmlns:a16="http://schemas.microsoft.com/office/drawing/2014/main" id="{3FA00699-5178-465A-9F3F-130CF1431F70}"/>
               </a:ext>
             </a:extLst>
           </p:cNvPr>
@@ -34836,7 +34760,7 @@
           <p:cNvPr id="28" name="직사각형 27">
             <a:extLst>
               <a:ext uri="{FF2B5EF4-FFF2-40B4-BE49-F238E27FC236}">
-                <a16:creationId xmlns:a16="http://schemas.microsoft.com/office/drawing/2014/main" xmlns="" id="{3FA00699-5178-465A-9F3F-130CF1431F70}"/>
+                <a16:creationId xmlns:a16="http://schemas.microsoft.com/office/drawing/2014/main" id="{3FA00699-5178-465A-9F3F-130CF1431F70}"/>
               </a:ext>
             </a:extLst>
           </p:cNvPr>
@@ -36037,7 +35961,7 @@
           <p:cNvPr id="30" name="직사각형 29">
             <a:extLst>
               <a:ext uri="{FF2B5EF4-FFF2-40B4-BE49-F238E27FC236}">
-                <a16:creationId xmlns:a16="http://schemas.microsoft.com/office/drawing/2014/main" xmlns="" id="{3FA00699-5178-465A-9F3F-130CF1431F70}"/>
+                <a16:creationId xmlns:a16="http://schemas.microsoft.com/office/drawing/2014/main" id="{3FA00699-5178-465A-9F3F-130CF1431F70}"/>
               </a:ext>
             </a:extLst>
           </p:cNvPr>
@@ -37222,7 +37146,7 @@
           <p:cNvPr id="59" name="직사각형 58">
             <a:extLst>
               <a:ext uri="{FF2B5EF4-FFF2-40B4-BE49-F238E27FC236}">
-                <a16:creationId xmlns:a16="http://schemas.microsoft.com/office/drawing/2014/main" xmlns="" id="{3FA00699-5178-465A-9F3F-130CF1431F70}"/>
+                <a16:creationId xmlns:a16="http://schemas.microsoft.com/office/drawing/2014/main" id="{3FA00699-5178-465A-9F3F-130CF1431F70}"/>
               </a:ext>
             </a:extLst>
           </p:cNvPr>
@@ -38407,7 +38331,7 @@
           <p:cNvPr id="54" name="직사각형 53">
             <a:extLst>
               <a:ext uri="{FF2B5EF4-FFF2-40B4-BE49-F238E27FC236}">
-                <a16:creationId xmlns:a16="http://schemas.microsoft.com/office/drawing/2014/main" xmlns="" id="{3FA00699-5178-465A-9F3F-130CF1431F70}"/>
+                <a16:creationId xmlns:a16="http://schemas.microsoft.com/office/drawing/2014/main" id="{3FA00699-5178-465A-9F3F-130CF1431F70}"/>
               </a:ext>
             </a:extLst>
           </p:cNvPr>
@@ -38800,7 +38724,7 @@
   <a:extraClrSchemeLst/>
   <a:extLst>
     <a:ext uri="{05A4C25C-085E-4340-85A3-A5531E510DB2}">
-      <thm15:themeFamily xmlns:thm15="http://schemas.microsoft.com/office/thememl/2012/main" xmlns="" name="Office Theme" id="{62F939B6-93AF-4DB8-9C6B-D6C7DFDC589F}" vid="{4A3C46E8-61CC-4603-A589-7422A47A8E4A}"/>
+      <thm15:themeFamily xmlns:thm15="http://schemas.microsoft.com/office/thememl/2012/main" name="Office Theme" id="{62F939B6-93AF-4DB8-9C6B-D6C7DFDC589F}" vid="{4A3C46E8-61CC-4603-A589-7422A47A8E4A}"/>
     </a:ext>
   </a:extLst>
 </a:theme>

--- a/포트폴리오/로또 번호 추첨기 프로그램/로또 번호 추첨기 - 양화영.pptx
+++ b/포트폴리오/로또 번호 추첨기 프로그램/로또 번호 추첨기 - 양화영.pptx
@@ -122,7 +122,7 @@
   </p:defaultTextStyle>
   <p:extLst>
     <p:ext uri="{EFAFB233-063F-42B5-8137-9DF3F51BA10A}">
-      <p15:sldGuideLst xmlns:p15="http://schemas.microsoft.com/office/powerpoint/2012/main">
+      <p15:sldGuideLst xmlns="" xmlns:p15="http://schemas.microsoft.com/office/powerpoint/2012/main">
         <p15:guide id="1" orient="horz" pos="2150">
           <p15:clr>
             <a:srgbClr val="A4A3A4"/>
@@ -161,7 +161,7 @@
           <p:cNvPr id="2" name="제목 1">
             <a:extLst>
               <a:ext uri="{FF2B5EF4-FFF2-40B4-BE49-F238E27FC236}">
-                <a16:creationId xmlns:a16="http://schemas.microsoft.com/office/drawing/2014/main" id="{22112318-F619-4488-8B6E-2F5F2426A69A}"/>
+                <a16:creationId xmlns="" xmlns:a16="http://schemas.microsoft.com/office/drawing/2014/main" id="{22112318-F619-4488-8B6E-2F5F2426A69A}"/>
               </a:ext>
             </a:extLst>
           </p:cNvPr>
@@ -198,7 +198,7 @@
           <p:cNvPr id="3" name="부제목 2">
             <a:extLst>
               <a:ext uri="{FF2B5EF4-FFF2-40B4-BE49-F238E27FC236}">
-                <a16:creationId xmlns:a16="http://schemas.microsoft.com/office/drawing/2014/main" id="{E8BEE6BB-9A5F-4E9F-9F1C-6D46BE01A313}"/>
+                <a16:creationId xmlns="" xmlns:a16="http://schemas.microsoft.com/office/drawing/2014/main" id="{E8BEE6BB-9A5F-4E9F-9F1C-6D46BE01A313}"/>
               </a:ext>
             </a:extLst>
           </p:cNvPr>
@@ -268,7 +268,7 @@
           <p:cNvPr id="4" name="날짜 개체 틀 3">
             <a:extLst>
               <a:ext uri="{FF2B5EF4-FFF2-40B4-BE49-F238E27FC236}">
-                <a16:creationId xmlns:a16="http://schemas.microsoft.com/office/drawing/2014/main" id="{D2D9A51D-A948-4CB8-A9EB-5A26520C8EF0}"/>
+                <a16:creationId xmlns="" xmlns:a16="http://schemas.microsoft.com/office/drawing/2014/main" id="{D2D9A51D-A948-4CB8-A9EB-5A26520C8EF0}"/>
               </a:ext>
             </a:extLst>
           </p:cNvPr>
@@ -310,7 +310,7 @@
           <p:cNvPr id="5" name="바닥글 개체 틀 4">
             <a:extLst>
               <a:ext uri="{FF2B5EF4-FFF2-40B4-BE49-F238E27FC236}">
-                <a16:creationId xmlns:a16="http://schemas.microsoft.com/office/drawing/2014/main" id="{84374BBD-0B82-4658-B13D-088F0E4D078E}"/>
+                <a16:creationId xmlns="" xmlns:a16="http://schemas.microsoft.com/office/drawing/2014/main" id="{84374BBD-0B82-4658-B13D-088F0E4D078E}"/>
               </a:ext>
             </a:extLst>
           </p:cNvPr>
@@ -341,7 +341,7 @@
           <p:cNvPr id="6" name="슬라이드 번호 개체 틀 5">
             <a:extLst>
               <a:ext uri="{FF2B5EF4-FFF2-40B4-BE49-F238E27FC236}">
-                <a16:creationId xmlns:a16="http://schemas.microsoft.com/office/drawing/2014/main" id="{AB1AAA67-696A-4836-A10B-FF164C3AF889}"/>
+                <a16:creationId xmlns="" xmlns:a16="http://schemas.microsoft.com/office/drawing/2014/main" id="{AB1AAA67-696A-4836-A10B-FF164C3AF889}"/>
               </a:ext>
             </a:extLst>
           </p:cNvPr>
@@ -413,7 +413,7 @@
           <p:cNvPr id="2" name="제목 1">
             <a:extLst>
               <a:ext uri="{FF2B5EF4-FFF2-40B4-BE49-F238E27FC236}">
-                <a16:creationId xmlns:a16="http://schemas.microsoft.com/office/drawing/2014/main" id="{3C43AEE1-28CA-46D2-81F5-CD34E4F9E583}"/>
+                <a16:creationId xmlns="" xmlns:a16="http://schemas.microsoft.com/office/drawing/2014/main" id="{3C43AEE1-28CA-46D2-81F5-CD34E4F9E583}"/>
               </a:ext>
             </a:extLst>
           </p:cNvPr>
@@ -441,7 +441,7 @@
           <p:cNvPr id="3" name="세로 텍스트 개체 틀 2">
             <a:extLst>
               <a:ext uri="{FF2B5EF4-FFF2-40B4-BE49-F238E27FC236}">
-                <a16:creationId xmlns:a16="http://schemas.microsoft.com/office/drawing/2014/main" id="{C738FEC2-4BF0-4A45-9297-EE9B2E45E5CC}"/>
+                <a16:creationId xmlns="" xmlns:a16="http://schemas.microsoft.com/office/drawing/2014/main" id="{C738FEC2-4BF0-4A45-9297-EE9B2E45E5CC}"/>
               </a:ext>
             </a:extLst>
           </p:cNvPr>
@@ -498,7 +498,7 @@
           <p:cNvPr id="4" name="날짜 개체 틀 3">
             <a:extLst>
               <a:ext uri="{FF2B5EF4-FFF2-40B4-BE49-F238E27FC236}">
-                <a16:creationId xmlns:a16="http://schemas.microsoft.com/office/drawing/2014/main" id="{2BEDBAD0-D342-4544-94B8-122B3BDBF705}"/>
+                <a16:creationId xmlns="" xmlns:a16="http://schemas.microsoft.com/office/drawing/2014/main" id="{2BEDBAD0-D342-4544-94B8-122B3BDBF705}"/>
               </a:ext>
             </a:extLst>
           </p:cNvPr>
@@ -540,7 +540,7 @@
           <p:cNvPr id="5" name="바닥글 개체 틀 4">
             <a:extLst>
               <a:ext uri="{FF2B5EF4-FFF2-40B4-BE49-F238E27FC236}">
-                <a16:creationId xmlns:a16="http://schemas.microsoft.com/office/drawing/2014/main" id="{1D70FE0D-ACBA-4806-9F35-4EB786E865FE}"/>
+                <a16:creationId xmlns="" xmlns:a16="http://schemas.microsoft.com/office/drawing/2014/main" id="{1D70FE0D-ACBA-4806-9F35-4EB786E865FE}"/>
               </a:ext>
             </a:extLst>
           </p:cNvPr>
@@ -571,7 +571,7 @@
           <p:cNvPr id="6" name="슬라이드 번호 개체 틀 5">
             <a:extLst>
               <a:ext uri="{FF2B5EF4-FFF2-40B4-BE49-F238E27FC236}">
-                <a16:creationId xmlns:a16="http://schemas.microsoft.com/office/drawing/2014/main" id="{A7F3119A-4AE1-408F-B8AD-4428B0060B24}"/>
+                <a16:creationId xmlns="" xmlns:a16="http://schemas.microsoft.com/office/drawing/2014/main" id="{A7F3119A-4AE1-408F-B8AD-4428B0060B24}"/>
               </a:ext>
             </a:extLst>
           </p:cNvPr>
@@ -643,7 +643,7 @@
           <p:cNvPr id="2" name="세로 제목 1">
             <a:extLst>
               <a:ext uri="{FF2B5EF4-FFF2-40B4-BE49-F238E27FC236}">
-                <a16:creationId xmlns:a16="http://schemas.microsoft.com/office/drawing/2014/main" id="{F0B3D2AB-E650-41C2-B6FB-5398A5C19680}"/>
+                <a16:creationId xmlns="" xmlns:a16="http://schemas.microsoft.com/office/drawing/2014/main" id="{F0B3D2AB-E650-41C2-B6FB-5398A5C19680}"/>
               </a:ext>
             </a:extLst>
           </p:cNvPr>
@@ -676,7 +676,7 @@
           <p:cNvPr id="3" name="세로 텍스트 개체 틀 2">
             <a:extLst>
               <a:ext uri="{FF2B5EF4-FFF2-40B4-BE49-F238E27FC236}">
-                <a16:creationId xmlns:a16="http://schemas.microsoft.com/office/drawing/2014/main" id="{992D6516-8F93-4221-97F7-E01D89EE517D}"/>
+                <a16:creationId xmlns="" xmlns:a16="http://schemas.microsoft.com/office/drawing/2014/main" id="{992D6516-8F93-4221-97F7-E01D89EE517D}"/>
               </a:ext>
             </a:extLst>
           </p:cNvPr>
@@ -738,7 +738,7 @@
           <p:cNvPr id="4" name="날짜 개체 틀 3">
             <a:extLst>
               <a:ext uri="{FF2B5EF4-FFF2-40B4-BE49-F238E27FC236}">
-                <a16:creationId xmlns:a16="http://schemas.microsoft.com/office/drawing/2014/main" id="{8D86CB26-A349-496A-B48B-A7B891172236}"/>
+                <a16:creationId xmlns="" xmlns:a16="http://schemas.microsoft.com/office/drawing/2014/main" id="{8D86CB26-A349-496A-B48B-A7B891172236}"/>
               </a:ext>
             </a:extLst>
           </p:cNvPr>
@@ -780,7 +780,7 @@
           <p:cNvPr id="5" name="바닥글 개체 틀 4">
             <a:extLst>
               <a:ext uri="{FF2B5EF4-FFF2-40B4-BE49-F238E27FC236}">
-                <a16:creationId xmlns:a16="http://schemas.microsoft.com/office/drawing/2014/main" id="{C2E726FD-A739-41D5-96BA-4670363928CF}"/>
+                <a16:creationId xmlns="" xmlns:a16="http://schemas.microsoft.com/office/drawing/2014/main" id="{C2E726FD-A739-41D5-96BA-4670363928CF}"/>
               </a:ext>
             </a:extLst>
           </p:cNvPr>
@@ -811,7 +811,7 @@
           <p:cNvPr id="6" name="슬라이드 번호 개체 틀 5">
             <a:extLst>
               <a:ext uri="{FF2B5EF4-FFF2-40B4-BE49-F238E27FC236}">
-                <a16:creationId xmlns:a16="http://schemas.microsoft.com/office/drawing/2014/main" id="{60FAE18D-FED5-4070-8B76-811D76CCECC9}"/>
+                <a16:creationId xmlns="" xmlns:a16="http://schemas.microsoft.com/office/drawing/2014/main" id="{60FAE18D-FED5-4070-8B76-811D76CCECC9}"/>
               </a:ext>
             </a:extLst>
           </p:cNvPr>
@@ -883,7 +883,7 @@
           <p:cNvPr id="2" name="제목 1">
             <a:extLst>
               <a:ext uri="{FF2B5EF4-FFF2-40B4-BE49-F238E27FC236}">
-                <a16:creationId xmlns:a16="http://schemas.microsoft.com/office/drawing/2014/main" id="{5CC6958D-28E5-4CC8-8C48-52A02A1BC426}"/>
+                <a16:creationId xmlns="" xmlns:a16="http://schemas.microsoft.com/office/drawing/2014/main" id="{5CC6958D-28E5-4CC8-8C48-52A02A1BC426}"/>
               </a:ext>
             </a:extLst>
           </p:cNvPr>
@@ -911,7 +911,7 @@
           <p:cNvPr id="3" name="내용 개체 틀 2">
             <a:extLst>
               <a:ext uri="{FF2B5EF4-FFF2-40B4-BE49-F238E27FC236}">
-                <a16:creationId xmlns:a16="http://schemas.microsoft.com/office/drawing/2014/main" id="{E8E03031-827B-4AC7-B564-384C16177476}"/>
+                <a16:creationId xmlns="" xmlns:a16="http://schemas.microsoft.com/office/drawing/2014/main" id="{E8E03031-827B-4AC7-B564-384C16177476}"/>
               </a:ext>
             </a:extLst>
           </p:cNvPr>
@@ -968,7 +968,7 @@
           <p:cNvPr id="4" name="날짜 개체 틀 3">
             <a:extLst>
               <a:ext uri="{FF2B5EF4-FFF2-40B4-BE49-F238E27FC236}">
-                <a16:creationId xmlns:a16="http://schemas.microsoft.com/office/drawing/2014/main" id="{11C19838-69C9-49EB-9B51-549106E9B8DE}"/>
+                <a16:creationId xmlns="" xmlns:a16="http://schemas.microsoft.com/office/drawing/2014/main" id="{11C19838-69C9-49EB-9B51-549106E9B8DE}"/>
               </a:ext>
             </a:extLst>
           </p:cNvPr>
@@ -1010,7 +1010,7 @@
           <p:cNvPr id="5" name="바닥글 개체 틀 4">
             <a:extLst>
               <a:ext uri="{FF2B5EF4-FFF2-40B4-BE49-F238E27FC236}">
-                <a16:creationId xmlns:a16="http://schemas.microsoft.com/office/drawing/2014/main" id="{3C26852C-90C9-4502-A697-363CF824CFD0}"/>
+                <a16:creationId xmlns="" xmlns:a16="http://schemas.microsoft.com/office/drawing/2014/main" id="{3C26852C-90C9-4502-A697-363CF824CFD0}"/>
               </a:ext>
             </a:extLst>
           </p:cNvPr>
@@ -1041,7 +1041,7 @@
           <p:cNvPr id="6" name="슬라이드 번호 개체 틀 5">
             <a:extLst>
               <a:ext uri="{FF2B5EF4-FFF2-40B4-BE49-F238E27FC236}">
-                <a16:creationId xmlns:a16="http://schemas.microsoft.com/office/drawing/2014/main" id="{DF7509D0-CCBD-406A-9D4E-6845657BBAED}"/>
+                <a16:creationId xmlns="" xmlns:a16="http://schemas.microsoft.com/office/drawing/2014/main" id="{DF7509D0-CCBD-406A-9D4E-6845657BBAED}"/>
               </a:ext>
             </a:extLst>
           </p:cNvPr>
@@ -1113,7 +1113,7 @@
           <p:cNvPr id="2" name="제목 1">
             <a:extLst>
               <a:ext uri="{FF2B5EF4-FFF2-40B4-BE49-F238E27FC236}">
-                <a16:creationId xmlns:a16="http://schemas.microsoft.com/office/drawing/2014/main" id="{6CEF73EF-188B-4B17-B08F-D30E80C308D0}"/>
+                <a16:creationId xmlns="" xmlns:a16="http://schemas.microsoft.com/office/drawing/2014/main" id="{6CEF73EF-188B-4B17-B08F-D30E80C308D0}"/>
               </a:ext>
             </a:extLst>
           </p:cNvPr>
@@ -1150,7 +1150,7 @@
           <p:cNvPr id="3" name="텍스트 개체 틀 2">
             <a:extLst>
               <a:ext uri="{FF2B5EF4-FFF2-40B4-BE49-F238E27FC236}">
-                <a16:creationId xmlns:a16="http://schemas.microsoft.com/office/drawing/2014/main" id="{DD7DD2CA-F9BF-47A8-9D27-757556FD1CEE}"/>
+                <a16:creationId xmlns="" xmlns:a16="http://schemas.microsoft.com/office/drawing/2014/main" id="{DD7DD2CA-F9BF-47A8-9D27-757556FD1CEE}"/>
               </a:ext>
             </a:extLst>
           </p:cNvPr>
@@ -1275,7 +1275,7 @@
           <p:cNvPr id="4" name="날짜 개체 틀 3">
             <a:extLst>
               <a:ext uri="{FF2B5EF4-FFF2-40B4-BE49-F238E27FC236}">
-                <a16:creationId xmlns:a16="http://schemas.microsoft.com/office/drawing/2014/main" id="{DE78A1FB-ABBF-480D-AC6C-9BB1AEF9789B}"/>
+                <a16:creationId xmlns="" xmlns:a16="http://schemas.microsoft.com/office/drawing/2014/main" id="{DE78A1FB-ABBF-480D-AC6C-9BB1AEF9789B}"/>
               </a:ext>
             </a:extLst>
           </p:cNvPr>
@@ -1317,7 +1317,7 @@
           <p:cNvPr id="5" name="바닥글 개체 틀 4">
             <a:extLst>
               <a:ext uri="{FF2B5EF4-FFF2-40B4-BE49-F238E27FC236}">
-                <a16:creationId xmlns:a16="http://schemas.microsoft.com/office/drawing/2014/main" id="{6384247E-1D11-4A19-BDDF-E157A205B45F}"/>
+                <a16:creationId xmlns="" xmlns:a16="http://schemas.microsoft.com/office/drawing/2014/main" id="{6384247E-1D11-4A19-BDDF-E157A205B45F}"/>
               </a:ext>
             </a:extLst>
           </p:cNvPr>
@@ -1348,7 +1348,7 @@
           <p:cNvPr id="6" name="슬라이드 번호 개체 틀 5">
             <a:extLst>
               <a:ext uri="{FF2B5EF4-FFF2-40B4-BE49-F238E27FC236}">
-                <a16:creationId xmlns:a16="http://schemas.microsoft.com/office/drawing/2014/main" id="{124EC815-B6FC-4BDE-910C-F8015ED4AD75}"/>
+                <a16:creationId xmlns="" xmlns:a16="http://schemas.microsoft.com/office/drawing/2014/main" id="{124EC815-B6FC-4BDE-910C-F8015ED4AD75}"/>
               </a:ext>
             </a:extLst>
           </p:cNvPr>
@@ -1420,7 +1420,7 @@
           <p:cNvPr id="2" name="제목 1">
             <a:extLst>
               <a:ext uri="{FF2B5EF4-FFF2-40B4-BE49-F238E27FC236}">
-                <a16:creationId xmlns:a16="http://schemas.microsoft.com/office/drawing/2014/main" id="{B4DAEB91-29AA-4ACC-BDCF-960470FCA5A1}"/>
+                <a16:creationId xmlns="" xmlns:a16="http://schemas.microsoft.com/office/drawing/2014/main" id="{B4DAEB91-29AA-4ACC-BDCF-960470FCA5A1}"/>
               </a:ext>
             </a:extLst>
           </p:cNvPr>
@@ -1448,7 +1448,7 @@
           <p:cNvPr id="3" name="내용 개체 틀 2">
             <a:extLst>
               <a:ext uri="{FF2B5EF4-FFF2-40B4-BE49-F238E27FC236}">
-                <a16:creationId xmlns:a16="http://schemas.microsoft.com/office/drawing/2014/main" id="{256B0E51-7DC0-45B6-8306-D8167F5CB7C8}"/>
+                <a16:creationId xmlns="" xmlns:a16="http://schemas.microsoft.com/office/drawing/2014/main" id="{256B0E51-7DC0-45B6-8306-D8167F5CB7C8}"/>
               </a:ext>
             </a:extLst>
           </p:cNvPr>
@@ -1510,7 +1510,7 @@
           <p:cNvPr id="4" name="내용 개체 틀 3">
             <a:extLst>
               <a:ext uri="{FF2B5EF4-FFF2-40B4-BE49-F238E27FC236}">
-                <a16:creationId xmlns:a16="http://schemas.microsoft.com/office/drawing/2014/main" id="{F7CB78CC-8798-4261-B4B1-60B4C54377A7}"/>
+                <a16:creationId xmlns="" xmlns:a16="http://schemas.microsoft.com/office/drawing/2014/main" id="{F7CB78CC-8798-4261-B4B1-60B4C54377A7}"/>
               </a:ext>
             </a:extLst>
           </p:cNvPr>
@@ -1572,7 +1572,7 @@
           <p:cNvPr id="5" name="날짜 개체 틀 4">
             <a:extLst>
               <a:ext uri="{FF2B5EF4-FFF2-40B4-BE49-F238E27FC236}">
-                <a16:creationId xmlns:a16="http://schemas.microsoft.com/office/drawing/2014/main" id="{79594384-5734-4FC8-928A-E1641354A126}"/>
+                <a16:creationId xmlns="" xmlns:a16="http://schemas.microsoft.com/office/drawing/2014/main" id="{79594384-5734-4FC8-928A-E1641354A126}"/>
               </a:ext>
             </a:extLst>
           </p:cNvPr>
@@ -1614,7 +1614,7 @@
           <p:cNvPr id="6" name="바닥글 개체 틀 5">
             <a:extLst>
               <a:ext uri="{FF2B5EF4-FFF2-40B4-BE49-F238E27FC236}">
-                <a16:creationId xmlns:a16="http://schemas.microsoft.com/office/drawing/2014/main" id="{282301C0-6908-48C0-8957-C8B3F4594C5A}"/>
+                <a16:creationId xmlns="" xmlns:a16="http://schemas.microsoft.com/office/drawing/2014/main" id="{282301C0-6908-48C0-8957-C8B3F4594C5A}"/>
               </a:ext>
             </a:extLst>
           </p:cNvPr>
@@ -1645,7 +1645,7 @@
           <p:cNvPr id="7" name="슬라이드 번호 개체 틀 6">
             <a:extLst>
               <a:ext uri="{FF2B5EF4-FFF2-40B4-BE49-F238E27FC236}">
-                <a16:creationId xmlns:a16="http://schemas.microsoft.com/office/drawing/2014/main" id="{507DD8FE-7741-412F-947D-7A7079F48607}"/>
+                <a16:creationId xmlns="" xmlns:a16="http://schemas.microsoft.com/office/drawing/2014/main" id="{507DD8FE-7741-412F-947D-7A7079F48607}"/>
               </a:ext>
             </a:extLst>
           </p:cNvPr>
@@ -1717,7 +1717,7 @@
           <p:cNvPr id="2" name="제목 1">
             <a:extLst>
               <a:ext uri="{FF2B5EF4-FFF2-40B4-BE49-F238E27FC236}">
-                <a16:creationId xmlns:a16="http://schemas.microsoft.com/office/drawing/2014/main" id="{BBD6DFD1-B640-4CC6-A759-6C7981C5CD61}"/>
+                <a16:creationId xmlns="" xmlns:a16="http://schemas.microsoft.com/office/drawing/2014/main" id="{BBD6DFD1-B640-4CC6-A759-6C7981C5CD61}"/>
               </a:ext>
             </a:extLst>
           </p:cNvPr>
@@ -1750,7 +1750,7 @@
           <p:cNvPr id="3" name="텍스트 개체 틀 2">
             <a:extLst>
               <a:ext uri="{FF2B5EF4-FFF2-40B4-BE49-F238E27FC236}">
-                <a16:creationId xmlns:a16="http://schemas.microsoft.com/office/drawing/2014/main" id="{25B2A237-7572-46BD-9502-829F6C0AD4F8}"/>
+                <a16:creationId xmlns="" xmlns:a16="http://schemas.microsoft.com/office/drawing/2014/main" id="{25B2A237-7572-46BD-9502-829F6C0AD4F8}"/>
               </a:ext>
             </a:extLst>
           </p:cNvPr>
@@ -1821,7 +1821,7 @@
           <p:cNvPr id="4" name="내용 개체 틀 3">
             <a:extLst>
               <a:ext uri="{FF2B5EF4-FFF2-40B4-BE49-F238E27FC236}">
-                <a16:creationId xmlns:a16="http://schemas.microsoft.com/office/drawing/2014/main" id="{81AE9732-B570-4506-BDA6-0AB39D453684}"/>
+                <a16:creationId xmlns="" xmlns:a16="http://schemas.microsoft.com/office/drawing/2014/main" id="{81AE9732-B570-4506-BDA6-0AB39D453684}"/>
               </a:ext>
             </a:extLst>
           </p:cNvPr>
@@ -1883,7 +1883,7 @@
           <p:cNvPr id="5" name="텍스트 개체 틀 4">
             <a:extLst>
               <a:ext uri="{FF2B5EF4-FFF2-40B4-BE49-F238E27FC236}">
-                <a16:creationId xmlns:a16="http://schemas.microsoft.com/office/drawing/2014/main" id="{A289407D-7DA6-4293-A426-38DF9B21160E}"/>
+                <a16:creationId xmlns="" xmlns:a16="http://schemas.microsoft.com/office/drawing/2014/main" id="{A289407D-7DA6-4293-A426-38DF9B21160E}"/>
               </a:ext>
             </a:extLst>
           </p:cNvPr>
@@ -1954,7 +1954,7 @@
           <p:cNvPr id="6" name="내용 개체 틀 5">
             <a:extLst>
               <a:ext uri="{FF2B5EF4-FFF2-40B4-BE49-F238E27FC236}">
-                <a16:creationId xmlns:a16="http://schemas.microsoft.com/office/drawing/2014/main" id="{F239549F-370A-4671-B1BB-79655CC6CB8C}"/>
+                <a16:creationId xmlns="" xmlns:a16="http://schemas.microsoft.com/office/drawing/2014/main" id="{F239549F-370A-4671-B1BB-79655CC6CB8C}"/>
               </a:ext>
             </a:extLst>
           </p:cNvPr>
@@ -2016,7 +2016,7 @@
           <p:cNvPr id="7" name="날짜 개체 틀 6">
             <a:extLst>
               <a:ext uri="{FF2B5EF4-FFF2-40B4-BE49-F238E27FC236}">
-                <a16:creationId xmlns:a16="http://schemas.microsoft.com/office/drawing/2014/main" id="{A86D9E62-97AA-41F8-B69B-6CD691CF0E2A}"/>
+                <a16:creationId xmlns="" xmlns:a16="http://schemas.microsoft.com/office/drawing/2014/main" id="{A86D9E62-97AA-41F8-B69B-6CD691CF0E2A}"/>
               </a:ext>
             </a:extLst>
           </p:cNvPr>
@@ -2058,7 +2058,7 @@
           <p:cNvPr id="8" name="바닥글 개체 틀 7">
             <a:extLst>
               <a:ext uri="{FF2B5EF4-FFF2-40B4-BE49-F238E27FC236}">
-                <a16:creationId xmlns:a16="http://schemas.microsoft.com/office/drawing/2014/main" id="{F41D3FC0-561B-4DE4-AA99-9DB56EC6B344}"/>
+                <a16:creationId xmlns="" xmlns:a16="http://schemas.microsoft.com/office/drawing/2014/main" id="{F41D3FC0-561B-4DE4-AA99-9DB56EC6B344}"/>
               </a:ext>
             </a:extLst>
           </p:cNvPr>
@@ -2089,7 +2089,7 @@
           <p:cNvPr id="9" name="슬라이드 번호 개체 틀 8">
             <a:extLst>
               <a:ext uri="{FF2B5EF4-FFF2-40B4-BE49-F238E27FC236}">
-                <a16:creationId xmlns:a16="http://schemas.microsoft.com/office/drawing/2014/main" id="{AD0040F2-99C5-450C-9966-5D00290EBF69}"/>
+                <a16:creationId xmlns="" xmlns:a16="http://schemas.microsoft.com/office/drawing/2014/main" id="{AD0040F2-99C5-450C-9966-5D00290EBF69}"/>
               </a:ext>
             </a:extLst>
           </p:cNvPr>
@@ -2161,7 +2161,7 @@
           <p:cNvPr id="2" name="제목 1">
             <a:extLst>
               <a:ext uri="{FF2B5EF4-FFF2-40B4-BE49-F238E27FC236}">
-                <a16:creationId xmlns:a16="http://schemas.microsoft.com/office/drawing/2014/main" id="{C6E337C1-8281-4F6E-9A31-EBE388C3C82F}"/>
+                <a16:creationId xmlns="" xmlns:a16="http://schemas.microsoft.com/office/drawing/2014/main" id="{C6E337C1-8281-4F6E-9A31-EBE388C3C82F}"/>
               </a:ext>
             </a:extLst>
           </p:cNvPr>
@@ -2189,7 +2189,7 @@
           <p:cNvPr id="3" name="날짜 개체 틀 2">
             <a:extLst>
               <a:ext uri="{FF2B5EF4-FFF2-40B4-BE49-F238E27FC236}">
-                <a16:creationId xmlns:a16="http://schemas.microsoft.com/office/drawing/2014/main" id="{00EA4B32-9135-4223-8DE6-887D2743405B}"/>
+                <a16:creationId xmlns="" xmlns:a16="http://schemas.microsoft.com/office/drawing/2014/main" id="{00EA4B32-9135-4223-8DE6-887D2743405B}"/>
               </a:ext>
             </a:extLst>
           </p:cNvPr>
@@ -2231,7 +2231,7 @@
           <p:cNvPr id="4" name="바닥글 개체 틀 3">
             <a:extLst>
               <a:ext uri="{FF2B5EF4-FFF2-40B4-BE49-F238E27FC236}">
-                <a16:creationId xmlns:a16="http://schemas.microsoft.com/office/drawing/2014/main" id="{9407FC83-8D70-48DB-8681-08CFD9C0DA58}"/>
+                <a16:creationId xmlns="" xmlns:a16="http://schemas.microsoft.com/office/drawing/2014/main" id="{9407FC83-8D70-48DB-8681-08CFD9C0DA58}"/>
               </a:ext>
             </a:extLst>
           </p:cNvPr>
@@ -2262,7 +2262,7 @@
           <p:cNvPr id="5" name="슬라이드 번호 개체 틀 4">
             <a:extLst>
               <a:ext uri="{FF2B5EF4-FFF2-40B4-BE49-F238E27FC236}">
-                <a16:creationId xmlns:a16="http://schemas.microsoft.com/office/drawing/2014/main" id="{A8FC15EC-BCCB-4B82-A94C-FABC63DF674F}"/>
+                <a16:creationId xmlns="" xmlns:a16="http://schemas.microsoft.com/office/drawing/2014/main" id="{A8FC15EC-BCCB-4B82-A94C-FABC63DF674F}"/>
               </a:ext>
             </a:extLst>
           </p:cNvPr>
@@ -2334,7 +2334,7 @@
           <p:cNvPr id="2" name="날짜 개체 틀 1">
             <a:extLst>
               <a:ext uri="{FF2B5EF4-FFF2-40B4-BE49-F238E27FC236}">
-                <a16:creationId xmlns:a16="http://schemas.microsoft.com/office/drawing/2014/main" id="{2B9F9692-5462-4439-80C8-B7E337FC9AC3}"/>
+                <a16:creationId xmlns="" xmlns:a16="http://schemas.microsoft.com/office/drawing/2014/main" id="{2B9F9692-5462-4439-80C8-B7E337FC9AC3}"/>
               </a:ext>
             </a:extLst>
           </p:cNvPr>
@@ -2376,7 +2376,7 @@
           <p:cNvPr id="3" name="바닥글 개체 틀 2">
             <a:extLst>
               <a:ext uri="{FF2B5EF4-FFF2-40B4-BE49-F238E27FC236}">
-                <a16:creationId xmlns:a16="http://schemas.microsoft.com/office/drawing/2014/main" id="{94CA042D-EBC0-437C-A819-521611A545F2}"/>
+                <a16:creationId xmlns="" xmlns:a16="http://schemas.microsoft.com/office/drawing/2014/main" id="{94CA042D-EBC0-437C-A819-521611A545F2}"/>
               </a:ext>
             </a:extLst>
           </p:cNvPr>
@@ -2407,7 +2407,7 @@
           <p:cNvPr id="4" name="슬라이드 번호 개체 틀 3">
             <a:extLst>
               <a:ext uri="{FF2B5EF4-FFF2-40B4-BE49-F238E27FC236}">
-                <a16:creationId xmlns:a16="http://schemas.microsoft.com/office/drawing/2014/main" id="{A2415CDA-0D1F-49BD-8381-21C3BEFD5A98}"/>
+                <a16:creationId xmlns="" xmlns:a16="http://schemas.microsoft.com/office/drawing/2014/main" id="{A2415CDA-0D1F-49BD-8381-21C3BEFD5A98}"/>
               </a:ext>
             </a:extLst>
           </p:cNvPr>
@@ -2479,7 +2479,7 @@
           <p:cNvPr id="2" name="제목 1">
             <a:extLst>
               <a:ext uri="{FF2B5EF4-FFF2-40B4-BE49-F238E27FC236}">
-                <a16:creationId xmlns:a16="http://schemas.microsoft.com/office/drawing/2014/main" id="{2A6F10D4-8D29-48C2-ADF0-92316E2C8E4E}"/>
+                <a16:creationId xmlns="" xmlns:a16="http://schemas.microsoft.com/office/drawing/2014/main" id="{2A6F10D4-8D29-48C2-ADF0-92316E2C8E4E}"/>
               </a:ext>
             </a:extLst>
           </p:cNvPr>
@@ -2516,7 +2516,7 @@
           <p:cNvPr id="3" name="내용 개체 틀 2">
             <a:extLst>
               <a:ext uri="{FF2B5EF4-FFF2-40B4-BE49-F238E27FC236}">
-                <a16:creationId xmlns:a16="http://schemas.microsoft.com/office/drawing/2014/main" id="{BBBA3CD3-DE79-4260-873A-FEDE5C678F80}"/>
+                <a16:creationId xmlns="" xmlns:a16="http://schemas.microsoft.com/office/drawing/2014/main" id="{BBBA3CD3-DE79-4260-873A-FEDE5C678F80}"/>
               </a:ext>
             </a:extLst>
           </p:cNvPr>
@@ -2606,7 +2606,7 @@
           <p:cNvPr id="4" name="텍스트 개체 틀 3">
             <a:extLst>
               <a:ext uri="{FF2B5EF4-FFF2-40B4-BE49-F238E27FC236}">
-                <a16:creationId xmlns:a16="http://schemas.microsoft.com/office/drawing/2014/main" id="{319C6BD2-52A1-4155-9D55-1D847772EA8C}"/>
+                <a16:creationId xmlns="" xmlns:a16="http://schemas.microsoft.com/office/drawing/2014/main" id="{319C6BD2-52A1-4155-9D55-1D847772EA8C}"/>
               </a:ext>
             </a:extLst>
           </p:cNvPr>
@@ -2677,7 +2677,7 @@
           <p:cNvPr id="5" name="날짜 개체 틀 4">
             <a:extLst>
               <a:ext uri="{FF2B5EF4-FFF2-40B4-BE49-F238E27FC236}">
-                <a16:creationId xmlns:a16="http://schemas.microsoft.com/office/drawing/2014/main" id="{982A3511-0B13-4D97-937C-07365FBADAEA}"/>
+                <a16:creationId xmlns="" xmlns:a16="http://schemas.microsoft.com/office/drawing/2014/main" id="{982A3511-0B13-4D97-937C-07365FBADAEA}"/>
               </a:ext>
             </a:extLst>
           </p:cNvPr>
@@ -2719,7 +2719,7 @@
           <p:cNvPr id="6" name="바닥글 개체 틀 5">
             <a:extLst>
               <a:ext uri="{FF2B5EF4-FFF2-40B4-BE49-F238E27FC236}">
-                <a16:creationId xmlns:a16="http://schemas.microsoft.com/office/drawing/2014/main" id="{54C805B4-20AF-4A3C-B131-E1D9FFBB024D}"/>
+                <a16:creationId xmlns="" xmlns:a16="http://schemas.microsoft.com/office/drawing/2014/main" id="{54C805B4-20AF-4A3C-B131-E1D9FFBB024D}"/>
               </a:ext>
             </a:extLst>
           </p:cNvPr>
@@ -2750,7 +2750,7 @@
           <p:cNvPr id="7" name="슬라이드 번호 개체 틀 6">
             <a:extLst>
               <a:ext uri="{FF2B5EF4-FFF2-40B4-BE49-F238E27FC236}">
-                <a16:creationId xmlns:a16="http://schemas.microsoft.com/office/drawing/2014/main" id="{89C705FC-2895-472A-B6FD-C2434624BB3B}"/>
+                <a16:creationId xmlns="" xmlns:a16="http://schemas.microsoft.com/office/drawing/2014/main" id="{89C705FC-2895-472A-B6FD-C2434624BB3B}"/>
               </a:ext>
             </a:extLst>
           </p:cNvPr>
@@ -2822,7 +2822,7 @@
           <p:cNvPr id="2" name="제목 1">
             <a:extLst>
               <a:ext uri="{FF2B5EF4-FFF2-40B4-BE49-F238E27FC236}">
-                <a16:creationId xmlns:a16="http://schemas.microsoft.com/office/drawing/2014/main" id="{4C00D820-915B-4802-8C2E-FF7CA967E012}"/>
+                <a16:creationId xmlns="" xmlns:a16="http://schemas.microsoft.com/office/drawing/2014/main" id="{4C00D820-915B-4802-8C2E-FF7CA967E012}"/>
               </a:ext>
             </a:extLst>
           </p:cNvPr>
@@ -2859,7 +2859,7 @@
           <p:cNvPr id="3" name="그림 개체 틀 2">
             <a:extLst>
               <a:ext uri="{FF2B5EF4-FFF2-40B4-BE49-F238E27FC236}">
-                <a16:creationId xmlns:a16="http://schemas.microsoft.com/office/drawing/2014/main" id="{10CF9849-20D0-417A-99C8-099DF39939AC}"/>
+                <a16:creationId xmlns="" xmlns:a16="http://schemas.microsoft.com/office/drawing/2014/main" id="{10CF9849-20D0-417A-99C8-099DF39939AC}"/>
               </a:ext>
             </a:extLst>
           </p:cNvPr>
@@ -2926,7 +2926,7 @@
           <p:cNvPr id="4" name="텍스트 개체 틀 3">
             <a:extLst>
               <a:ext uri="{FF2B5EF4-FFF2-40B4-BE49-F238E27FC236}">
-                <a16:creationId xmlns:a16="http://schemas.microsoft.com/office/drawing/2014/main" id="{144A7754-54E7-4123-8C5E-1B05B517B5D4}"/>
+                <a16:creationId xmlns="" xmlns:a16="http://schemas.microsoft.com/office/drawing/2014/main" id="{144A7754-54E7-4123-8C5E-1B05B517B5D4}"/>
               </a:ext>
             </a:extLst>
           </p:cNvPr>
@@ -2997,7 +2997,7 @@
           <p:cNvPr id="5" name="날짜 개체 틀 4">
             <a:extLst>
               <a:ext uri="{FF2B5EF4-FFF2-40B4-BE49-F238E27FC236}">
-                <a16:creationId xmlns:a16="http://schemas.microsoft.com/office/drawing/2014/main" id="{3AFFF3F1-9632-4E06-BAB7-312343416AE9}"/>
+                <a16:creationId xmlns="" xmlns:a16="http://schemas.microsoft.com/office/drawing/2014/main" id="{3AFFF3F1-9632-4E06-BAB7-312343416AE9}"/>
               </a:ext>
             </a:extLst>
           </p:cNvPr>
@@ -3039,7 +3039,7 @@
           <p:cNvPr id="6" name="바닥글 개체 틀 5">
             <a:extLst>
               <a:ext uri="{FF2B5EF4-FFF2-40B4-BE49-F238E27FC236}">
-                <a16:creationId xmlns:a16="http://schemas.microsoft.com/office/drawing/2014/main" id="{5F23D6B1-934F-4B4D-9E4F-5AE9E873CB6E}"/>
+                <a16:creationId xmlns="" xmlns:a16="http://schemas.microsoft.com/office/drawing/2014/main" id="{5F23D6B1-934F-4B4D-9E4F-5AE9E873CB6E}"/>
               </a:ext>
             </a:extLst>
           </p:cNvPr>
@@ -3070,7 +3070,7 @@
           <p:cNvPr id="7" name="슬라이드 번호 개체 틀 6">
             <a:extLst>
               <a:ext uri="{FF2B5EF4-FFF2-40B4-BE49-F238E27FC236}">
-                <a16:creationId xmlns:a16="http://schemas.microsoft.com/office/drawing/2014/main" id="{B157FDD5-2092-4E16-8E7C-1CCA4719CF8A}"/>
+                <a16:creationId xmlns="" xmlns:a16="http://schemas.microsoft.com/office/drawing/2014/main" id="{B157FDD5-2092-4E16-8E7C-1CCA4719CF8A}"/>
               </a:ext>
             </a:extLst>
           </p:cNvPr>
@@ -3147,7 +3147,7 @@
           <p:cNvPr id="2" name="제목 개체 틀 1">
             <a:extLst>
               <a:ext uri="{FF2B5EF4-FFF2-40B4-BE49-F238E27FC236}">
-                <a16:creationId xmlns:a16="http://schemas.microsoft.com/office/drawing/2014/main" id="{84C8B562-0886-4274-876D-59EFAAAE2F3B}"/>
+                <a16:creationId xmlns="" xmlns:a16="http://schemas.microsoft.com/office/drawing/2014/main" id="{84C8B562-0886-4274-876D-59EFAAAE2F3B}"/>
               </a:ext>
             </a:extLst>
           </p:cNvPr>
@@ -3185,7 +3185,7 @@
           <p:cNvPr id="3" name="텍스트 개체 틀 2">
             <a:extLst>
               <a:ext uri="{FF2B5EF4-FFF2-40B4-BE49-F238E27FC236}">
-                <a16:creationId xmlns:a16="http://schemas.microsoft.com/office/drawing/2014/main" id="{61799B9E-1CD2-4A09-9ACC-2FA1C62D7AF6}"/>
+                <a16:creationId xmlns="" xmlns:a16="http://schemas.microsoft.com/office/drawing/2014/main" id="{61799B9E-1CD2-4A09-9ACC-2FA1C62D7AF6}"/>
               </a:ext>
             </a:extLst>
           </p:cNvPr>
@@ -3252,7 +3252,7 @@
           <p:cNvPr id="4" name="날짜 개체 틀 3">
             <a:extLst>
               <a:ext uri="{FF2B5EF4-FFF2-40B4-BE49-F238E27FC236}">
-                <a16:creationId xmlns:a16="http://schemas.microsoft.com/office/drawing/2014/main" id="{42A0C5B4-9399-4A5E-8DEE-54436B1EC85C}"/>
+                <a16:creationId xmlns="" xmlns:a16="http://schemas.microsoft.com/office/drawing/2014/main" id="{42A0C5B4-9399-4A5E-8DEE-54436B1EC85C}"/>
               </a:ext>
             </a:extLst>
           </p:cNvPr>
@@ -3312,7 +3312,7 @@
           <p:cNvPr id="5" name="바닥글 개체 틀 4">
             <a:extLst>
               <a:ext uri="{FF2B5EF4-FFF2-40B4-BE49-F238E27FC236}">
-                <a16:creationId xmlns:a16="http://schemas.microsoft.com/office/drawing/2014/main" id="{F5B2B9FF-C0C5-4E9E-A76A-AF0745E2D88E}"/>
+                <a16:creationId xmlns="" xmlns:a16="http://schemas.microsoft.com/office/drawing/2014/main" id="{F5B2B9FF-C0C5-4E9E-A76A-AF0745E2D88E}"/>
               </a:ext>
             </a:extLst>
           </p:cNvPr>
@@ -3361,7 +3361,7 @@
           <p:cNvPr id="6" name="슬라이드 번호 개체 틀 5">
             <a:extLst>
               <a:ext uri="{FF2B5EF4-FFF2-40B4-BE49-F238E27FC236}">
-                <a16:creationId xmlns:a16="http://schemas.microsoft.com/office/drawing/2014/main" id="{E8992FE0-2D01-4365-9F95-1FF838BCEF3A}"/>
+                <a16:creationId xmlns="" xmlns:a16="http://schemas.microsoft.com/office/drawing/2014/main" id="{E8992FE0-2D01-4365-9F95-1FF838BCEF3A}"/>
               </a:ext>
             </a:extLst>
           </p:cNvPr>
@@ -5063,7 +5063,7 @@
           <p:cNvPr id="38" name="직사각형 37">
             <a:extLst>
               <a:ext uri="{FF2B5EF4-FFF2-40B4-BE49-F238E27FC236}">
-                <a16:creationId xmlns:a16="http://schemas.microsoft.com/office/drawing/2014/main" id="{3FA00699-5178-465A-9F3F-130CF1431F70}"/>
+                <a16:creationId xmlns="" xmlns:a16="http://schemas.microsoft.com/office/drawing/2014/main" id="{3FA00699-5178-465A-9F3F-130CF1431F70}"/>
               </a:ext>
             </a:extLst>
           </p:cNvPr>
@@ -6046,7 +6046,7 @@
           <p:cNvPr id="34" name="직사각형 33">
             <a:extLst>
               <a:ext uri="{FF2B5EF4-FFF2-40B4-BE49-F238E27FC236}">
-                <a16:creationId xmlns:a16="http://schemas.microsoft.com/office/drawing/2014/main" id="{3FA00699-5178-465A-9F3F-130CF1431F70}"/>
+                <a16:creationId xmlns="" xmlns:a16="http://schemas.microsoft.com/office/drawing/2014/main" id="{3FA00699-5178-465A-9F3F-130CF1431F70}"/>
               </a:ext>
             </a:extLst>
           </p:cNvPr>
@@ -7059,7 +7059,7 @@
           <p:cNvPr id="36" name="직사각형 35">
             <a:extLst>
               <a:ext uri="{FF2B5EF4-FFF2-40B4-BE49-F238E27FC236}">
-                <a16:creationId xmlns:a16="http://schemas.microsoft.com/office/drawing/2014/main" id="{3FA00699-5178-465A-9F3F-130CF1431F70}"/>
+                <a16:creationId xmlns="" xmlns:a16="http://schemas.microsoft.com/office/drawing/2014/main" id="{3FA00699-5178-465A-9F3F-130CF1431F70}"/>
               </a:ext>
             </a:extLst>
           </p:cNvPr>
@@ -7826,7 +7826,7 @@
           <p:cNvPr id="39" name="직사각형 38">
             <a:extLst>
               <a:ext uri="{FF2B5EF4-FFF2-40B4-BE49-F238E27FC236}">
-                <a16:creationId xmlns:a16="http://schemas.microsoft.com/office/drawing/2014/main" id="{3FA00699-5178-465A-9F3F-130CF1431F70}"/>
+                <a16:creationId xmlns="" xmlns:a16="http://schemas.microsoft.com/office/drawing/2014/main" id="{3FA00699-5178-465A-9F3F-130CF1431F70}"/>
               </a:ext>
             </a:extLst>
           </p:cNvPr>
@@ -8642,7 +8642,7 @@
           <p:cNvPr id="39" name="직사각형 38">
             <a:extLst>
               <a:ext uri="{FF2B5EF4-FFF2-40B4-BE49-F238E27FC236}">
-                <a16:creationId xmlns:a16="http://schemas.microsoft.com/office/drawing/2014/main" id="{3FA00699-5178-465A-9F3F-130CF1431F70}"/>
+                <a16:creationId xmlns="" xmlns:a16="http://schemas.microsoft.com/office/drawing/2014/main" id="{3FA00699-5178-465A-9F3F-130CF1431F70}"/>
               </a:ext>
             </a:extLst>
           </p:cNvPr>
@@ -9556,7 +9556,7 @@
           <p:cNvPr id="39" name="직사각형 38">
             <a:extLst>
               <a:ext uri="{FF2B5EF4-FFF2-40B4-BE49-F238E27FC236}">
-                <a16:creationId xmlns:a16="http://schemas.microsoft.com/office/drawing/2014/main" id="{3FA00699-5178-465A-9F3F-130CF1431F70}"/>
+                <a16:creationId xmlns="" xmlns:a16="http://schemas.microsoft.com/office/drawing/2014/main" id="{3FA00699-5178-465A-9F3F-130CF1431F70}"/>
               </a:ext>
             </a:extLst>
           </p:cNvPr>
@@ -10776,7 +10776,7 @@
           <p:cNvPr id="39" name="직사각형 38">
             <a:extLst>
               <a:ext uri="{FF2B5EF4-FFF2-40B4-BE49-F238E27FC236}">
-                <a16:creationId xmlns:a16="http://schemas.microsoft.com/office/drawing/2014/main" id="{3FA00699-5178-465A-9F3F-130CF1431F70}"/>
+                <a16:creationId xmlns="" xmlns:a16="http://schemas.microsoft.com/office/drawing/2014/main" id="{3FA00699-5178-465A-9F3F-130CF1431F70}"/>
               </a:ext>
             </a:extLst>
           </p:cNvPr>
@@ -12223,7 +12223,7 @@
           <p:cNvPr id="20" name="자유형: 도형 377">
             <a:extLst>
               <a:ext uri="{FF2B5EF4-FFF2-40B4-BE49-F238E27FC236}">
-                <a16:creationId xmlns:a16="http://schemas.microsoft.com/office/drawing/2014/main" id="{0B4A7219-0820-4378-B811-331B8646398F}"/>
+                <a16:creationId xmlns="" xmlns:a16="http://schemas.microsoft.com/office/drawing/2014/main" id="{0B4A7219-0820-4378-B811-331B8646398F}"/>
               </a:ext>
             </a:extLst>
           </p:cNvPr>
@@ -12368,7 +12368,7 @@
           <p:cNvPr id="21" name="자유형: 도형 378">
             <a:extLst>
               <a:ext uri="{FF2B5EF4-FFF2-40B4-BE49-F238E27FC236}">
-                <a16:creationId xmlns:a16="http://schemas.microsoft.com/office/drawing/2014/main" id="{AE7688D0-57FD-4391-A3C9-1EB04A54396A}"/>
+                <a16:creationId xmlns="" xmlns:a16="http://schemas.microsoft.com/office/drawing/2014/main" id="{AE7688D0-57FD-4391-A3C9-1EB04A54396A}"/>
               </a:ext>
             </a:extLst>
           </p:cNvPr>
@@ -12513,7 +12513,7 @@
           <p:cNvPr id="22" name="자유형: 도형 379">
             <a:extLst>
               <a:ext uri="{FF2B5EF4-FFF2-40B4-BE49-F238E27FC236}">
-                <a16:creationId xmlns:a16="http://schemas.microsoft.com/office/drawing/2014/main" id="{C4615E6A-E0F5-484B-8040-DD0DD89211FD}"/>
+                <a16:creationId xmlns="" xmlns:a16="http://schemas.microsoft.com/office/drawing/2014/main" id="{C4615E6A-E0F5-484B-8040-DD0DD89211FD}"/>
               </a:ext>
             </a:extLst>
           </p:cNvPr>
@@ -12658,7 +12658,7 @@
           <p:cNvPr id="23" name="자유형: 도형 380">
             <a:extLst>
               <a:ext uri="{FF2B5EF4-FFF2-40B4-BE49-F238E27FC236}">
-                <a16:creationId xmlns:a16="http://schemas.microsoft.com/office/drawing/2014/main" id="{0937B8B0-8045-4AA8-B9F4-04B7C0AFDEBB}"/>
+                <a16:creationId xmlns="" xmlns:a16="http://schemas.microsoft.com/office/drawing/2014/main" id="{0937B8B0-8045-4AA8-B9F4-04B7C0AFDEBB}"/>
               </a:ext>
             </a:extLst>
           </p:cNvPr>
@@ -12803,7 +12803,7 @@
           <p:cNvPr id="24" name="자유형: 도형 381">
             <a:extLst>
               <a:ext uri="{FF2B5EF4-FFF2-40B4-BE49-F238E27FC236}">
-                <a16:creationId xmlns:a16="http://schemas.microsoft.com/office/drawing/2014/main" id="{DB9ADCEC-01D9-4BB3-81EE-B1429055FB91}"/>
+                <a16:creationId xmlns="" xmlns:a16="http://schemas.microsoft.com/office/drawing/2014/main" id="{DB9ADCEC-01D9-4BB3-81EE-B1429055FB91}"/>
               </a:ext>
             </a:extLst>
           </p:cNvPr>
@@ -12948,7 +12948,7 @@
           <p:cNvPr id="25" name="자유형: 도형 382">
             <a:extLst>
               <a:ext uri="{FF2B5EF4-FFF2-40B4-BE49-F238E27FC236}">
-                <a16:creationId xmlns:a16="http://schemas.microsoft.com/office/drawing/2014/main" id="{DB61C11B-0EC3-4996-906C-007E57835D42}"/>
+                <a16:creationId xmlns="" xmlns:a16="http://schemas.microsoft.com/office/drawing/2014/main" id="{DB61C11B-0EC3-4996-906C-007E57835D42}"/>
               </a:ext>
             </a:extLst>
           </p:cNvPr>
@@ -13093,7 +13093,7 @@
           <p:cNvPr id="26" name="자유형: 도형 383">
             <a:extLst>
               <a:ext uri="{FF2B5EF4-FFF2-40B4-BE49-F238E27FC236}">
-                <a16:creationId xmlns:a16="http://schemas.microsoft.com/office/drawing/2014/main" id="{044A0A9B-5CA5-4FE7-B917-B350C19EF0E6}"/>
+                <a16:creationId xmlns="" xmlns:a16="http://schemas.microsoft.com/office/drawing/2014/main" id="{044A0A9B-5CA5-4FE7-B917-B350C19EF0E6}"/>
               </a:ext>
             </a:extLst>
           </p:cNvPr>
@@ -13238,7 +13238,7 @@
           <p:cNvPr id="27" name="자유형: 도형 384">
             <a:extLst>
               <a:ext uri="{FF2B5EF4-FFF2-40B4-BE49-F238E27FC236}">
-                <a16:creationId xmlns:a16="http://schemas.microsoft.com/office/drawing/2014/main" id="{EA9897D2-716C-4BC1-98EE-5CC7B719C72B}"/>
+                <a16:creationId xmlns="" xmlns:a16="http://schemas.microsoft.com/office/drawing/2014/main" id="{EA9897D2-716C-4BC1-98EE-5CC7B719C72B}"/>
               </a:ext>
             </a:extLst>
           </p:cNvPr>
@@ -13383,7 +13383,7 @@
           <p:cNvPr id="28" name="자유형: 도형 385">
             <a:extLst>
               <a:ext uri="{FF2B5EF4-FFF2-40B4-BE49-F238E27FC236}">
-                <a16:creationId xmlns:a16="http://schemas.microsoft.com/office/drawing/2014/main" id="{7582865E-7A8F-44C3-912A-C087626FEDA9}"/>
+                <a16:creationId xmlns="" xmlns:a16="http://schemas.microsoft.com/office/drawing/2014/main" id="{7582865E-7A8F-44C3-912A-C087626FEDA9}"/>
               </a:ext>
             </a:extLst>
           </p:cNvPr>
@@ -13528,7 +13528,7 @@
           <p:cNvPr id="29" name="자유형: 도형 386">
             <a:extLst>
               <a:ext uri="{FF2B5EF4-FFF2-40B4-BE49-F238E27FC236}">
-                <a16:creationId xmlns:a16="http://schemas.microsoft.com/office/drawing/2014/main" id="{76E18406-54A4-401D-9DCA-86C76E3A933C}"/>
+                <a16:creationId xmlns="" xmlns:a16="http://schemas.microsoft.com/office/drawing/2014/main" id="{76E18406-54A4-401D-9DCA-86C76E3A933C}"/>
               </a:ext>
             </a:extLst>
           </p:cNvPr>
@@ -13673,7 +13673,7 @@
           <p:cNvPr id="30" name="자유형: 도형 387">
             <a:extLst>
               <a:ext uri="{FF2B5EF4-FFF2-40B4-BE49-F238E27FC236}">
-                <a16:creationId xmlns:a16="http://schemas.microsoft.com/office/drawing/2014/main" id="{78D016E9-A182-4180-A637-1A890C82CE6A}"/>
+                <a16:creationId xmlns="" xmlns:a16="http://schemas.microsoft.com/office/drawing/2014/main" id="{78D016E9-A182-4180-A637-1A890C82CE6A}"/>
               </a:ext>
             </a:extLst>
           </p:cNvPr>
@@ -13818,7 +13818,7 @@
           <p:cNvPr id="31" name="자유형: 도형 388">
             <a:extLst>
               <a:ext uri="{FF2B5EF4-FFF2-40B4-BE49-F238E27FC236}">
-                <a16:creationId xmlns:a16="http://schemas.microsoft.com/office/drawing/2014/main" id="{05F8530F-49F6-48DF-AD43-D138C77A6596}"/>
+                <a16:creationId xmlns="" xmlns:a16="http://schemas.microsoft.com/office/drawing/2014/main" id="{05F8530F-49F6-48DF-AD43-D138C77A6596}"/>
               </a:ext>
             </a:extLst>
           </p:cNvPr>
@@ -13963,7 +13963,7 @@
           <p:cNvPr id="32" name="자유형: 도형 389">
             <a:extLst>
               <a:ext uri="{FF2B5EF4-FFF2-40B4-BE49-F238E27FC236}">
-                <a16:creationId xmlns:a16="http://schemas.microsoft.com/office/drawing/2014/main" id="{98DCEC21-B8BD-43A7-8436-449C4406D27B}"/>
+                <a16:creationId xmlns="" xmlns:a16="http://schemas.microsoft.com/office/drawing/2014/main" id="{98DCEC21-B8BD-43A7-8436-449C4406D27B}"/>
               </a:ext>
             </a:extLst>
           </p:cNvPr>
@@ -14108,7 +14108,7 @@
           <p:cNvPr id="33" name="자유형: 도형 390">
             <a:extLst>
               <a:ext uri="{FF2B5EF4-FFF2-40B4-BE49-F238E27FC236}">
-                <a16:creationId xmlns:a16="http://schemas.microsoft.com/office/drawing/2014/main" id="{71FAF07A-965F-4A51-9977-FFFFAA15A432}"/>
+                <a16:creationId xmlns="" xmlns:a16="http://schemas.microsoft.com/office/drawing/2014/main" id="{71FAF07A-965F-4A51-9977-FFFFAA15A432}"/>
               </a:ext>
             </a:extLst>
           </p:cNvPr>
@@ -14253,7 +14253,7 @@
           <p:cNvPr id="34" name="자유형: 도형 391">
             <a:extLst>
               <a:ext uri="{FF2B5EF4-FFF2-40B4-BE49-F238E27FC236}">
-                <a16:creationId xmlns:a16="http://schemas.microsoft.com/office/drawing/2014/main" id="{5047EEFB-CDDB-46B7-AA56-F96C5BF34725}"/>
+                <a16:creationId xmlns="" xmlns:a16="http://schemas.microsoft.com/office/drawing/2014/main" id="{5047EEFB-CDDB-46B7-AA56-F96C5BF34725}"/>
               </a:ext>
             </a:extLst>
           </p:cNvPr>
@@ -14398,7 +14398,7 @@
           <p:cNvPr id="35" name="자유형: 도형 392">
             <a:extLst>
               <a:ext uri="{FF2B5EF4-FFF2-40B4-BE49-F238E27FC236}">
-                <a16:creationId xmlns:a16="http://schemas.microsoft.com/office/drawing/2014/main" id="{2D343500-5462-4C95-880B-385171314AB6}"/>
+                <a16:creationId xmlns="" xmlns:a16="http://schemas.microsoft.com/office/drawing/2014/main" id="{2D343500-5462-4C95-880B-385171314AB6}"/>
               </a:ext>
             </a:extLst>
           </p:cNvPr>
@@ -14543,7 +14543,7 @@
           <p:cNvPr id="36" name="자유형: 도형 393">
             <a:extLst>
               <a:ext uri="{FF2B5EF4-FFF2-40B4-BE49-F238E27FC236}">
-                <a16:creationId xmlns:a16="http://schemas.microsoft.com/office/drawing/2014/main" id="{7B3DA1B8-BF1B-4513-966C-2A916F28EFB9}"/>
+                <a16:creationId xmlns="" xmlns:a16="http://schemas.microsoft.com/office/drawing/2014/main" id="{7B3DA1B8-BF1B-4513-966C-2A916F28EFB9}"/>
               </a:ext>
             </a:extLst>
           </p:cNvPr>
@@ -14688,7 +14688,7 @@
           <p:cNvPr id="37" name="자유형: 도형 394">
             <a:extLst>
               <a:ext uri="{FF2B5EF4-FFF2-40B4-BE49-F238E27FC236}">
-                <a16:creationId xmlns:a16="http://schemas.microsoft.com/office/drawing/2014/main" id="{28F89FC3-982F-4923-9453-6F57D8E1E307}"/>
+                <a16:creationId xmlns="" xmlns:a16="http://schemas.microsoft.com/office/drawing/2014/main" id="{28F89FC3-982F-4923-9453-6F57D8E1E307}"/>
               </a:ext>
             </a:extLst>
           </p:cNvPr>
@@ -14833,7 +14833,7 @@
           <p:cNvPr id="38" name="자유형: 도형 395">
             <a:extLst>
               <a:ext uri="{FF2B5EF4-FFF2-40B4-BE49-F238E27FC236}">
-                <a16:creationId xmlns:a16="http://schemas.microsoft.com/office/drawing/2014/main" id="{0F995921-8CFB-4A23-8C8B-B2815AE8670A}"/>
+                <a16:creationId xmlns="" xmlns:a16="http://schemas.microsoft.com/office/drawing/2014/main" id="{0F995921-8CFB-4A23-8C8B-B2815AE8670A}"/>
               </a:ext>
             </a:extLst>
           </p:cNvPr>
@@ -14978,7 +14978,7 @@
           <p:cNvPr id="39" name="자유형: 도형 396">
             <a:extLst>
               <a:ext uri="{FF2B5EF4-FFF2-40B4-BE49-F238E27FC236}">
-                <a16:creationId xmlns:a16="http://schemas.microsoft.com/office/drawing/2014/main" id="{38E18007-DA79-4D7B-96F0-FEC1EB21386C}"/>
+                <a16:creationId xmlns="" xmlns:a16="http://schemas.microsoft.com/office/drawing/2014/main" id="{38E18007-DA79-4D7B-96F0-FEC1EB21386C}"/>
               </a:ext>
             </a:extLst>
           </p:cNvPr>
@@ -15123,7 +15123,7 @@
           <p:cNvPr id="40" name="자유형: 도형 397">
             <a:extLst>
               <a:ext uri="{FF2B5EF4-FFF2-40B4-BE49-F238E27FC236}">
-                <a16:creationId xmlns:a16="http://schemas.microsoft.com/office/drawing/2014/main" id="{C0E1BE7B-0A87-404E-B319-F1AE13922904}"/>
+                <a16:creationId xmlns="" xmlns:a16="http://schemas.microsoft.com/office/drawing/2014/main" id="{C0E1BE7B-0A87-404E-B319-F1AE13922904}"/>
               </a:ext>
             </a:extLst>
           </p:cNvPr>
@@ -15268,7 +15268,7 @@
           <p:cNvPr id="41" name="자유형: 도형 398">
             <a:extLst>
               <a:ext uri="{FF2B5EF4-FFF2-40B4-BE49-F238E27FC236}">
-                <a16:creationId xmlns:a16="http://schemas.microsoft.com/office/drawing/2014/main" id="{675C7C0F-8C6D-4AAF-BC5F-2B81DEB3E4E8}"/>
+                <a16:creationId xmlns="" xmlns:a16="http://schemas.microsoft.com/office/drawing/2014/main" id="{675C7C0F-8C6D-4AAF-BC5F-2B81DEB3E4E8}"/>
               </a:ext>
             </a:extLst>
           </p:cNvPr>
@@ -15413,7 +15413,7 @@
           <p:cNvPr id="42" name="자유형: 도형 399">
             <a:extLst>
               <a:ext uri="{FF2B5EF4-FFF2-40B4-BE49-F238E27FC236}">
-                <a16:creationId xmlns:a16="http://schemas.microsoft.com/office/drawing/2014/main" id="{846A25C2-933F-44C2-A0FE-4110FBEBA915}"/>
+                <a16:creationId xmlns="" xmlns:a16="http://schemas.microsoft.com/office/drawing/2014/main" id="{846A25C2-933F-44C2-A0FE-4110FBEBA915}"/>
               </a:ext>
             </a:extLst>
           </p:cNvPr>
@@ -15558,7 +15558,7 @@
           <p:cNvPr id="43" name="자유형: 도형 400">
             <a:extLst>
               <a:ext uri="{FF2B5EF4-FFF2-40B4-BE49-F238E27FC236}">
-                <a16:creationId xmlns:a16="http://schemas.microsoft.com/office/drawing/2014/main" id="{5EBA2B3B-7A04-4662-B870-F720B8538988}"/>
+                <a16:creationId xmlns="" xmlns:a16="http://schemas.microsoft.com/office/drawing/2014/main" id="{5EBA2B3B-7A04-4662-B870-F720B8538988}"/>
               </a:ext>
             </a:extLst>
           </p:cNvPr>
@@ -15703,7 +15703,7 @@
           <p:cNvPr id="44" name="직사각형 43">
             <a:extLst>
               <a:ext uri="{FF2B5EF4-FFF2-40B4-BE49-F238E27FC236}">
-                <a16:creationId xmlns:a16="http://schemas.microsoft.com/office/drawing/2014/main" id="{8E46B02D-66F3-495A-BE76-8FA2A68509CF}"/>
+                <a16:creationId xmlns="" xmlns:a16="http://schemas.microsoft.com/office/drawing/2014/main" id="{8E46B02D-66F3-495A-BE76-8FA2A68509CF}"/>
               </a:ext>
             </a:extLst>
           </p:cNvPr>
@@ -15759,7 +15759,7 @@
           <p:cNvPr id="45" name="직사각형 44">
             <a:extLst>
               <a:ext uri="{FF2B5EF4-FFF2-40B4-BE49-F238E27FC236}">
-                <a16:creationId xmlns:a16="http://schemas.microsoft.com/office/drawing/2014/main" id="{7FEC52E6-E0E1-427E-87A8-FEE2AAF979A8}"/>
+                <a16:creationId xmlns="" xmlns:a16="http://schemas.microsoft.com/office/drawing/2014/main" id="{7FEC52E6-E0E1-427E-87A8-FEE2AAF979A8}"/>
               </a:ext>
             </a:extLst>
           </p:cNvPr>
@@ -15958,7 +15958,7 @@
           <p:cNvPr id="49" name="자유형: 도형 377">
             <a:extLst>
               <a:ext uri="{FF2B5EF4-FFF2-40B4-BE49-F238E27FC236}">
-                <a16:creationId xmlns:a16="http://schemas.microsoft.com/office/drawing/2014/main" id="{0B4A7219-0820-4378-B811-331B8646398F}"/>
+                <a16:creationId xmlns="" xmlns:a16="http://schemas.microsoft.com/office/drawing/2014/main" id="{0B4A7219-0820-4378-B811-331B8646398F}"/>
               </a:ext>
             </a:extLst>
           </p:cNvPr>
@@ -16103,7 +16103,7 @@
           <p:cNvPr id="50" name="자유형: 도형 378">
             <a:extLst>
               <a:ext uri="{FF2B5EF4-FFF2-40B4-BE49-F238E27FC236}">
-                <a16:creationId xmlns:a16="http://schemas.microsoft.com/office/drawing/2014/main" id="{AE7688D0-57FD-4391-A3C9-1EB04A54396A}"/>
+                <a16:creationId xmlns="" xmlns:a16="http://schemas.microsoft.com/office/drawing/2014/main" id="{AE7688D0-57FD-4391-A3C9-1EB04A54396A}"/>
               </a:ext>
             </a:extLst>
           </p:cNvPr>
@@ -16248,7 +16248,7 @@
           <p:cNvPr id="51" name="자유형: 도형 379">
             <a:extLst>
               <a:ext uri="{FF2B5EF4-FFF2-40B4-BE49-F238E27FC236}">
-                <a16:creationId xmlns:a16="http://schemas.microsoft.com/office/drawing/2014/main" id="{C4615E6A-E0F5-484B-8040-DD0DD89211FD}"/>
+                <a16:creationId xmlns="" xmlns:a16="http://schemas.microsoft.com/office/drawing/2014/main" id="{C4615E6A-E0F5-484B-8040-DD0DD89211FD}"/>
               </a:ext>
             </a:extLst>
           </p:cNvPr>
@@ -16393,7 +16393,7 @@
           <p:cNvPr id="52" name="자유형: 도형 380">
             <a:extLst>
               <a:ext uri="{FF2B5EF4-FFF2-40B4-BE49-F238E27FC236}">
-                <a16:creationId xmlns:a16="http://schemas.microsoft.com/office/drawing/2014/main" id="{0937B8B0-8045-4AA8-B9F4-04B7C0AFDEBB}"/>
+                <a16:creationId xmlns="" xmlns:a16="http://schemas.microsoft.com/office/drawing/2014/main" id="{0937B8B0-8045-4AA8-B9F4-04B7C0AFDEBB}"/>
               </a:ext>
             </a:extLst>
           </p:cNvPr>
@@ -16538,7 +16538,7 @@
           <p:cNvPr id="53" name="자유형: 도형 381">
             <a:extLst>
               <a:ext uri="{FF2B5EF4-FFF2-40B4-BE49-F238E27FC236}">
-                <a16:creationId xmlns:a16="http://schemas.microsoft.com/office/drawing/2014/main" id="{DB9ADCEC-01D9-4BB3-81EE-B1429055FB91}"/>
+                <a16:creationId xmlns="" xmlns:a16="http://schemas.microsoft.com/office/drawing/2014/main" id="{DB9ADCEC-01D9-4BB3-81EE-B1429055FB91}"/>
               </a:ext>
             </a:extLst>
           </p:cNvPr>
@@ -16683,7 +16683,7 @@
           <p:cNvPr id="54" name="자유형: 도형 382">
             <a:extLst>
               <a:ext uri="{FF2B5EF4-FFF2-40B4-BE49-F238E27FC236}">
-                <a16:creationId xmlns:a16="http://schemas.microsoft.com/office/drawing/2014/main" id="{DB61C11B-0EC3-4996-906C-007E57835D42}"/>
+                <a16:creationId xmlns="" xmlns:a16="http://schemas.microsoft.com/office/drawing/2014/main" id="{DB61C11B-0EC3-4996-906C-007E57835D42}"/>
               </a:ext>
             </a:extLst>
           </p:cNvPr>
@@ -16828,7 +16828,7 @@
           <p:cNvPr id="55" name="자유형: 도형 383">
             <a:extLst>
               <a:ext uri="{FF2B5EF4-FFF2-40B4-BE49-F238E27FC236}">
-                <a16:creationId xmlns:a16="http://schemas.microsoft.com/office/drawing/2014/main" id="{044A0A9B-5CA5-4FE7-B917-B350C19EF0E6}"/>
+                <a16:creationId xmlns="" xmlns:a16="http://schemas.microsoft.com/office/drawing/2014/main" id="{044A0A9B-5CA5-4FE7-B917-B350C19EF0E6}"/>
               </a:ext>
             </a:extLst>
           </p:cNvPr>
@@ -16973,7 +16973,7 @@
           <p:cNvPr id="56" name="자유형: 도형 384">
             <a:extLst>
               <a:ext uri="{FF2B5EF4-FFF2-40B4-BE49-F238E27FC236}">
-                <a16:creationId xmlns:a16="http://schemas.microsoft.com/office/drawing/2014/main" id="{EA9897D2-716C-4BC1-98EE-5CC7B719C72B}"/>
+                <a16:creationId xmlns="" xmlns:a16="http://schemas.microsoft.com/office/drawing/2014/main" id="{EA9897D2-716C-4BC1-98EE-5CC7B719C72B}"/>
               </a:ext>
             </a:extLst>
           </p:cNvPr>
@@ -17118,7 +17118,7 @@
           <p:cNvPr id="57" name="자유형: 도형 385">
             <a:extLst>
               <a:ext uri="{FF2B5EF4-FFF2-40B4-BE49-F238E27FC236}">
-                <a16:creationId xmlns:a16="http://schemas.microsoft.com/office/drawing/2014/main" id="{7582865E-7A8F-44C3-912A-C087626FEDA9}"/>
+                <a16:creationId xmlns="" xmlns:a16="http://schemas.microsoft.com/office/drawing/2014/main" id="{7582865E-7A8F-44C3-912A-C087626FEDA9}"/>
               </a:ext>
             </a:extLst>
           </p:cNvPr>
@@ -17263,7 +17263,7 @@
           <p:cNvPr id="58" name="자유형: 도형 386">
             <a:extLst>
               <a:ext uri="{FF2B5EF4-FFF2-40B4-BE49-F238E27FC236}">
-                <a16:creationId xmlns:a16="http://schemas.microsoft.com/office/drawing/2014/main" id="{76E18406-54A4-401D-9DCA-86C76E3A933C}"/>
+                <a16:creationId xmlns="" xmlns:a16="http://schemas.microsoft.com/office/drawing/2014/main" id="{76E18406-54A4-401D-9DCA-86C76E3A933C}"/>
               </a:ext>
             </a:extLst>
           </p:cNvPr>
@@ -17408,7 +17408,7 @@
           <p:cNvPr id="59" name="자유형: 도형 387">
             <a:extLst>
               <a:ext uri="{FF2B5EF4-FFF2-40B4-BE49-F238E27FC236}">
-                <a16:creationId xmlns:a16="http://schemas.microsoft.com/office/drawing/2014/main" id="{78D016E9-A182-4180-A637-1A890C82CE6A}"/>
+                <a16:creationId xmlns="" xmlns:a16="http://schemas.microsoft.com/office/drawing/2014/main" id="{78D016E9-A182-4180-A637-1A890C82CE6A}"/>
               </a:ext>
             </a:extLst>
           </p:cNvPr>
@@ -17553,7 +17553,7 @@
           <p:cNvPr id="60" name="자유형: 도형 388">
             <a:extLst>
               <a:ext uri="{FF2B5EF4-FFF2-40B4-BE49-F238E27FC236}">
-                <a16:creationId xmlns:a16="http://schemas.microsoft.com/office/drawing/2014/main" id="{05F8530F-49F6-48DF-AD43-D138C77A6596}"/>
+                <a16:creationId xmlns="" xmlns:a16="http://schemas.microsoft.com/office/drawing/2014/main" id="{05F8530F-49F6-48DF-AD43-D138C77A6596}"/>
               </a:ext>
             </a:extLst>
           </p:cNvPr>
@@ -17698,7 +17698,7 @@
           <p:cNvPr id="61" name="자유형: 도형 389">
             <a:extLst>
               <a:ext uri="{FF2B5EF4-FFF2-40B4-BE49-F238E27FC236}">
-                <a16:creationId xmlns:a16="http://schemas.microsoft.com/office/drawing/2014/main" id="{98DCEC21-B8BD-43A7-8436-449C4406D27B}"/>
+                <a16:creationId xmlns="" xmlns:a16="http://schemas.microsoft.com/office/drawing/2014/main" id="{98DCEC21-B8BD-43A7-8436-449C4406D27B}"/>
               </a:ext>
             </a:extLst>
           </p:cNvPr>
@@ -17843,7 +17843,7 @@
           <p:cNvPr id="62" name="자유형: 도형 390">
             <a:extLst>
               <a:ext uri="{FF2B5EF4-FFF2-40B4-BE49-F238E27FC236}">
-                <a16:creationId xmlns:a16="http://schemas.microsoft.com/office/drawing/2014/main" id="{71FAF07A-965F-4A51-9977-FFFFAA15A432}"/>
+                <a16:creationId xmlns="" xmlns:a16="http://schemas.microsoft.com/office/drawing/2014/main" id="{71FAF07A-965F-4A51-9977-FFFFAA15A432}"/>
               </a:ext>
             </a:extLst>
           </p:cNvPr>
@@ -17988,7 +17988,7 @@
           <p:cNvPr id="63" name="자유형: 도형 391">
             <a:extLst>
               <a:ext uri="{FF2B5EF4-FFF2-40B4-BE49-F238E27FC236}">
-                <a16:creationId xmlns:a16="http://schemas.microsoft.com/office/drawing/2014/main" id="{5047EEFB-CDDB-46B7-AA56-F96C5BF34725}"/>
+                <a16:creationId xmlns="" xmlns:a16="http://schemas.microsoft.com/office/drawing/2014/main" id="{5047EEFB-CDDB-46B7-AA56-F96C5BF34725}"/>
               </a:ext>
             </a:extLst>
           </p:cNvPr>
@@ -18133,7 +18133,7 @@
           <p:cNvPr id="64" name="자유형: 도형 392">
             <a:extLst>
               <a:ext uri="{FF2B5EF4-FFF2-40B4-BE49-F238E27FC236}">
-                <a16:creationId xmlns:a16="http://schemas.microsoft.com/office/drawing/2014/main" id="{2D343500-5462-4C95-880B-385171314AB6}"/>
+                <a16:creationId xmlns="" xmlns:a16="http://schemas.microsoft.com/office/drawing/2014/main" id="{2D343500-5462-4C95-880B-385171314AB6}"/>
               </a:ext>
             </a:extLst>
           </p:cNvPr>
@@ -18278,7 +18278,7 @@
           <p:cNvPr id="65" name="자유형: 도형 393">
             <a:extLst>
               <a:ext uri="{FF2B5EF4-FFF2-40B4-BE49-F238E27FC236}">
-                <a16:creationId xmlns:a16="http://schemas.microsoft.com/office/drawing/2014/main" id="{7B3DA1B8-BF1B-4513-966C-2A916F28EFB9}"/>
+                <a16:creationId xmlns="" xmlns:a16="http://schemas.microsoft.com/office/drawing/2014/main" id="{7B3DA1B8-BF1B-4513-966C-2A916F28EFB9}"/>
               </a:ext>
             </a:extLst>
           </p:cNvPr>
@@ -18423,7 +18423,7 @@
           <p:cNvPr id="66" name="자유형: 도형 394">
             <a:extLst>
               <a:ext uri="{FF2B5EF4-FFF2-40B4-BE49-F238E27FC236}">
-                <a16:creationId xmlns:a16="http://schemas.microsoft.com/office/drawing/2014/main" id="{28F89FC3-982F-4923-9453-6F57D8E1E307}"/>
+                <a16:creationId xmlns="" xmlns:a16="http://schemas.microsoft.com/office/drawing/2014/main" id="{28F89FC3-982F-4923-9453-6F57D8E1E307}"/>
               </a:ext>
             </a:extLst>
           </p:cNvPr>
@@ -18568,7 +18568,7 @@
           <p:cNvPr id="67" name="자유형: 도형 395">
             <a:extLst>
               <a:ext uri="{FF2B5EF4-FFF2-40B4-BE49-F238E27FC236}">
-                <a16:creationId xmlns:a16="http://schemas.microsoft.com/office/drawing/2014/main" id="{0F995921-8CFB-4A23-8C8B-B2815AE8670A}"/>
+                <a16:creationId xmlns="" xmlns:a16="http://schemas.microsoft.com/office/drawing/2014/main" id="{0F995921-8CFB-4A23-8C8B-B2815AE8670A}"/>
               </a:ext>
             </a:extLst>
           </p:cNvPr>
@@ -18713,7 +18713,7 @@
           <p:cNvPr id="68" name="자유형: 도형 396">
             <a:extLst>
               <a:ext uri="{FF2B5EF4-FFF2-40B4-BE49-F238E27FC236}">
-                <a16:creationId xmlns:a16="http://schemas.microsoft.com/office/drawing/2014/main" id="{38E18007-DA79-4D7B-96F0-FEC1EB21386C}"/>
+                <a16:creationId xmlns="" xmlns:a16="http://schemas.microsoft.com/office/drawing/2014/main" id="{38E18007-DA79-4D7B-96F0-FEC1EB21386C}"/>
               </a:ext>
             </a:extLst>
           </p:cNvPr>
@@ -18858,7 +18858,7 @@
           <p:cNvPr id="69" name="자유형: 도형 397">
             <a:extLst>
               <a:ext uri="{FF2B5EF4-FFF2-40B4-BE49-F238E27FC236}">
-                <a16:creationId xmlns:a16="http://schemas.microsoft.com/office/drawing/2014/main" id="{C0E1BE7B-0A87-404E-B319-F1AE13922904}"/>
+                <a16:creationId xmlns="" xmlns:a16="http://schemas.microsoft.com/office/drawing/2014/main" id="{C0E1BE7B-0A87-404E-B319-F1AE13922904}"/>
               </a:ext>
             </a:extLst>
           </p:cNvPr>
@@ -19003,7 +19003,7 @@
           <p:cNvPr id="70" name="자유형: 도형 398">
             <a:extLst>
               <a:ext uri="{FF2B5EF4-FFF2-40B4-BE49-F238E27FC236}">
-                <a16:creationId xmlns:a16="http://schemas.microsoft.com/office/drawing/2014/main" id="{675C7C0F-8C6D-4AAF-BC5F-2B81DEB3E4E8}"/>
+                <a16:creationId xmlns="" xmlns:a16="http://schemas.microsoft.com/office/drawing/2014/main" id="{675C7C0F-8C6D-4AAF-BC5F-2B81DEB3E4E8}"/>
               </a:ext>
             </a:extLst>
           </p:cNvPr>
@@ -19148,7 +19148,7 @@
           <p:cNvPr id="71" name="자유형: 도형 399">
             <a:extLst>
               <a:ext uri="{FF2B5EF4-FFF2-40B4-BE49-F238E27FC236}">
-                <a16:creationId xmlns:a16="http://schemas.microsoft.com/office/drawing/2014/main" id="{846A25C2-933F-44C2-A0FE-4110FBEBA915}"/>
+                <a16:creationId xmlns="" xmlns:a16="http://schemas.microsoft.com/office/drawing/2014/main" id="{846A25C2-933F-44C2-A0FE-4110FBEBA915}"/>
               </a:ext>
             </a:extLst>
           </p:cNvPr>
@@ -19293,7 +19293,7 @@
           <p:cNvPr id="72" name="자유형: 도형 400">
             <a:extLst>
               <a:ext uri="{FF2B5EF4-FFF2-40B4-BE49-F238E27FC236}">
-                <a16:creationId xmlns:a16="http://schemas.microsoft.com/office/drawing/2014/main" id="{5EBA2B3B-7A04-4662-B870-F720B8538988}"/>
+                <a16:creationId xmlns="" xmlns:a16="http://schemas.microsoft.com/office/drawing/2014/main" id="{5EBA2B3B-7A04-4662-B870-F720B8538988}"/>
               </a:ext>
             </a:extLst>
           </p:cNvPr>
@@ -19438,7 +19438,7 @@
           <p:cNvPr id="73" name="직사각형 72">
             <a:extLst>
               <a:ext uri="{FF2B5EF4-FFF2-40B4-BE49-F238E27FC236}">
-                <a16:creationId xmlns:a16="http://schemas.microsoft.com/office/drawing/2014/main" id="{8E46B02D-66F3-495A-BE76-8FA2A68509CF}"/>
+                <a16:creationId xmlns="" xmlns:a16="http://schemas.microsoft.com/office/drawing/2014/main" id="{8E46B02D-66F3-495A-BE76-8FA2A68509CF}"/>
               </a:ext>
             </a:extLst>
           </p:cNvPr>
@@ -19494,7 +19494,7 @@
           <p:cNvPr id="74" name="직사각형 73">
             <a:extLst>
               <a:ext uri="{FF2B5EF4-FFF2-40B4-BE49-F238E27FC236}">
-                <a16:creationId xmlns:a16="http://schemas.microsoft.com/office/drawing/2014/main" id="{7FEC52E6-E0E1-427E-87A8-FEE2AAF979A8}"/>
+                <a16:creationId xmlns="" xmlns:a16="http://schemas.microsoft.com/office/drawing/2014/main" id="{7FEC52E6-E0E1-427E-87A8-FEE2AAF979A8}"/>
               </a:ext>
             </a:extLst>
           </p:cNvPr>
@@ -19709,7 +19709,7 @@
           <p:cNvPr id="78" name="자유형: 도형 377">
             <a:extLst>
               <a:ext uri="{FF2B5EF4-FFF2-40B4-BE49-F238E27FC236}">
-                <a16:creationId xmlns:a16="http://schemas.microsoft.com/office/drawing/2014/main" id="{0B4A7219-0820-4378-B811-331B8646398F}"/>
+                <a16:creationId xmlns="" xmlns:a16="http://schemas.microsoft.com/office/drawing/2014/main" id="{0B4A7219-0820-4378-B811-331B8646398F}"/>
               </a:ext>
             </a:extLst>
           </p:cNvPr>
@@ -19854,7 +19854,7 @@
           <p:cNvPr id="79" name="자유형: 도형 378">
             <a:extLst>
               <a:ext uri="{FF2B5EF4-FFF2-40B4-BE49-F238E27FC236}">
-                <a16:creationId xmlns:a16="http://schemas.microsoft.com/office/drawing/2014/main" id="{AE7688D0-57FD-4391-A3C9-1EB04A54396A}"/>
+                <a16:creationId xmlns="" xmlns:a16="http://schemas.microsoft.com/office/drawing/2014/main" id="{AE7688D0-57FD-4391-A3C9-1EB04A54396A}"/>
               </a:ext>
             </a:extLst>
           </p:cNvPr>
@@ -19999,7 +19999,7 @@
           <p:cNvPr id="80" name="자유형: 도형 379">
             <a:extLst>
               <a:ext uri="{FF2B5EF4-FFF2-40B4-BE49-F238E27FC236}">
-                <a16:creationId xmlns:a16="http://schemas.microsoft.com/office/drawing/2014/main" id="{C4615E6A-E0F5-484B-8040-DD0DD89211FD}"/>
+                <a16:creationId xmlns="" xmlns:a16="http://schemas.microsoft.com/office/drawing/2014/main" id="{C4615E6A-E0F5-484B-8040-DD0DD89211FD}"/>
               </a:ext>
             </a:extLst>
           </p:cNvPr>
@@ -20144,7 +20144,7 @@
           <p:cNvPr id="81" name="자유형: 도형 380">
             <a:extLst>
               <a:ext uri="{FF2B5EF4-FFF2-40B4-BE49-F238E27FC236}">
-                <a16:creationId xmlns:a16="http://schemas.microsoft.com/office/drawing/2014/main" id="{0937B8B0-8045-4AA8-B9F4-04B7C0AFDEBB}"/>
+                <a16:creationId xmlns="" xmlns:a16="http://schemas.microsoft.com/office/drawing/2014/main" id="{0937B8B0-8045-4AA8-B9F4-04B7C0AFDEBB}"/>
               </a:ext>
             </a:extLst>
           </p:cNvPr>
@@ -20289,7 +20289,7 @@
           <p:cNvPr id="82" name="자유형: 도형 381">
             <a:extLst>
               <a:ext uri="{FF2B5EF4-FFF2-40B4-BE49-F238E27FC236}">
-                <a16:creationId xmlns:a16="http://schemas.microsoft.com/office/drawing/2014/main" id="{DB9ADCEC-01D9-4BB3-81EE-B1429055FB91}"/>
+                <a16:creationId xmlns="" xmlns:a16="http://schemas.microsoft.com/office/drawing/2014/main" id="{DB9ADCEC-01D9-4BB3-81EE-B1429055FB91}"/>
               </a:ext>
             </a:extLst>
           </p:cNvPr>
@@ -20434,7 +20434,7 @@
           <p:cNvPr id="83" name="자유형: 도형 382">
             <a:extLst>
               <a:ext uri="{FF2B5EF4-FFF2-40B4-BE49-F238E27FC236}">
-                <a16:creationId xmlns:a16="http://schemas.microsoft.com/office/drawing/2014/main" id="{DB61C11B-0EC3-4996-906C-007E57835D42}"/>
+                <a16:creationId xmlns="" xmlns:a16="http://schemas.microsoft.com/office/drawing/2014/main" id="{DB61C11B-0EC3-4996-906C-007E57835D42}"/>
               </a:ext>
             </a:extLst>
           </p:cNvPr>
@@ -20579,7 +20579,7 @@
           <p:cNvPr id="84" name="자유형: 도형 383">
             <a:extLst>
               <a:ext uri="{FF2B5EF4-FFF2-40B4-BE49-F238E27FC236}">
-                <a16:creationId xmlns:a16="http://schemas.microsoft.com/office/drawing/2014/main" id="{044A0A9B-5CA5-4FE7-B917-B350C19EF0E6}"/>
+                <a16:creationId xmlns="" xmlns:a16="http://schemas.microsoft.com/office/drawing/2014/main" id="{044A0A9B-5CA5-4FE7-B917-B350C19EF0E6}"/>
               </a:ext>
             </a:extLst>
           </p:cNvPr>
@@ -20724,7 +20724,7 @@
           <p:cNvPr id="85" name="자유형: 도형 384">
             <a:extLst>
               <a:ext uri="{FF2B5EF4-FFF2-40B4-BE49-F238E27FC236}">
-                <a16:creationId xmlns:a16="http://schemas.microsoft.com/office/drawing/2014/main" id="{EA9897D2-716C-4BC1-98EE-5CC7B719C72B}"/>
+                <a16:creationId xmlns="" xmlns:a16="http://schemas.microsoft.com/office/drawing/2014/main" id="{EA9897D2-716C-4BC1-98EE-5CC7B719C72B}"/>
               </a:ext>
             </a:extLst>
           </p:cNvPr>
@@ -20869,7 +20869,7 @@
           <p:cNvPr id="86" name="자유형: 도형 385">
             <a:extLst>
               <a:ext uri="{FF2B5EF4-FFF2-40B4-BE49-F238E27FC236}">
-                <a16:creationId xmlns:a16="http://schemas.microsoft.com/office/drawing/2014/main" id="{7582865E-7A8F-44C3-912A-C087626FEDA9}"/>
+                <a16:creationId xmlns="" xmlns:a16="http://schemas.microsoft.com/office/drawing/2014/main" id="{7582865E-7A8F-44C3-912A-C087626FEDA9}"/>
               </a:ext>
             </a:extLst>
           </p:cNvPr>
@@ -21014,7 +21014,7 @@
           <p:cNvPr id="87" name="자유형: 도형 386">
             <a:extLst>
               <a:ext uri="{FF2B5EF4-FFF2-40B4-BE49-F238E27FC236}">
-                <a16:creationId xmlns:a16="http://schemas.microsoft.com/office/drawing/2014/main" id="{76E18406-54A4-401D-9DCA-86C76E3A933C}"/>
+                <a16:creationId xmlns="" xmlns:a16="http://schemas.microsoft.com/office/drawing/2014/main" id="{76E18406-54A4-401D-9DCA-86C76E3A933C}"/>
               </a:ext>
             </a:extLst>
           </p:cNvPr>
@@ -21159,7 +21159,7 @@
           <p:cNvPr id="88" name="자유형: 도형 387">
             <a:extLst>
               <a:ext uri="{FF2B5EF4-FFF2-40B4-BE49-F238E27FC236}">
-                <a16:creationId xmlns:a16="http://schemas.microsoft.com/office/drawing/2014/main" id="{78D016E9-A182-4180-A637-1A890C82CE6A}"/>
+                <a16:creationId xmlns="" xmlns:a16="http://schemas.microsoft.com/office/drawing/2014/main" id="{78D016E9-A182-4180-A637-1A890C82CE6A}"/>
               </a:ext>
             </a:extLst>
           </p:cNvPr>
@@ -21304,7 +21304,7 @@
           <p:cNvPr id="89" name="자유형: 도형 388">
             <a:extLst>
               <a:ext uri="{FF2B5EF4-FFF2-40B4-BE49-F238E27FC236}">
-                <a16:creationId xmlns:a16="http://schemas.microsoft.com/office/drawing/2014/main" id="{05F8530F-49F6-48DF-AD43-D138C77A6596}"/>
+                <a16:creationId xmlns="" xmlns:a16="http://schemas.microsoft.com/office/drawing/2014/main" id="{05F8530F-49F6-48DF-AD43-D138C77A6596}"/>
               </a:ext>
             </a:extLst>
           </p:cNvPr>
@@ -21449,7 +21449,7 @@
           <p:cNvPr id="90" name="자유형: 도형 389">
             <a:extLst>
               <a:ext uri="{FF2B5EF4-FFF2-40B4-BE49-F238E27FC236}">
-                <a16:creationId xmlns:a16="http://schemas.microsoft.com/office/drawing/2014/main" id="{98DCEC21-B8BD-43A7-8436-449C4406D27B}"/>
+                <a16:creationId xmlns="" xmlns:a16="http://schemas.microsoft.com/office/drawing/2014/main" id="{98DCEC21-B8BD-43A7-8436-449C4406D27B}"/>
               </a:ext>
             </a:extLst>
           </p:cNvPr>
@@ -21594,7 +21594,7 @@
           <p:cNvPr id="91" name="자유형: 도형 390">
             <a:extLst>
               <a:ext uri="{FF2B5EF4-FFF2-40B4-BE49-F238E27FC236}">
-                <a16:creationId xmlns:a16="http://schemas.microsoft.com/office/drawing/2014/main" id="{71FAF07A-965F-4A51-9977-FFFFAA15A432}"/>
+                <a16:creationId xmlns="" xmlns:a16="http://schemas.microsoft.com/office/drawing/2014/main" id="{71FAF07A-965F-4A51-9977-FFFFAA15A432}"/>
               </a:ext>
             </a:extLst>
           </p:cNvPr>
@@ -21739,7 +21739,7 @@
           <p:cNvPr id="92" name="자유형: 도형 391">
             <a:extLst>
               <a:ext uri="{FF2B5EF4-FFF2-40B4-BE49-F238E27FC236}">
-                <a16:creationId xmlns:a16="http://schemas.microsoft.com/office/drawing/2014/main" id="{5047EEFB-CDDB-46B7-AA56-F96C5BF34725}"/>
+                <a16:creationId xmlns="" xmlns:a16="http://schemas.microsoft.com/office/drawing/2014/main" id="{5047EEFB-CDDB-46B7-AA56-F96C5BF34725}"/>
               </a:ext>
             </a:extLst>
           </p:cNvPr>
@@ -21884,7 +21884,7 @@
           <p:cNvPr id="93" name="자유형: 도형 392">
             <a:extLst>
               <a:ext uri="{FF2B5EF4-FFF2-40B4-BE49-F238E27FC236}">
-                <a16:creationId xmlns:a16="http://schemas.microsoft.com/office/drawing/2014/main" id="{2D343500-5462-4C95-880B-385171314AB6}"/>
+                <a16:creationId xmlns="" xmlns:a16="http://schemas.microsoft.com/office/drawing/2014/main" id="{2D343500-5462-4C95-880B-385171314AB6}"/>
               </a:ext>
             </a:extLst>
           </p:cNvPr>
@@ -22029,7 +22029,7 @@
           <p:cNvPr id="94" name="자유형: 도형 393">
             <a:extLst>
               <a:ext uri="{FF2B5EF4-FFF2-40B4-BE49-F238E27FC236}">
-                <a16:creationId xmlns:a16="http://schemas.microsoft.com/office/drawing/2014/main" id="{7B3DA1B8-BF1B-4513-966C-2A916F28EFB9}"/>
+                <a16:creationId xmlns="" xmlns:a16="http://schemas.microsoft.com/office/drawing/2014/main" id="{7B3DA1B8-BF1B-4513-966C-2A916F28EFB9}"/>
               </a:ext>
             </a:extLst>
           </p:cNvPr>
@@ -22174,7 +22174,7 @@
           <p:cNvPr id="95" name="자유형: 도형 394">
             <a:extLst>
               <a:ext uri="{FF2B5EF4-FFF2-40B4-BE49-F238E27FC236}">
-                <a16:creationId xmlns:a16="http://schemas.microsoft.com/office/drawing/2014/main" id="{28F89FC3-982F-4923-9453-6F57D8E1E307}"/>
+                <a16:creationId xmlns="" xmlns:a16="http://schemas.microsoft.com/office/drawing/2014/main" id="{28F89FC3-982F-4923-9453-6F57D8E1E307}"/>
               </a:ext>
             </a:extLst>
           </p:cNvPr>
@@ -22319,7 +22319,7 @@
           <p:cNvPr id="96" name="자유형: 도형 395">
             <a:extLst>
               <a:ext uri="{FF2B5EF4-FFF2-40B4-BE49-F238E27FC236}">
-                <a16:creationId xmlns:a16="http://schemas.microsoft.com/office/drawing/2014/main" id="{0F995921-8CFB-4A23-8C8B-B2815AE8670A}"/>
+                <a16:creationId xmlns="" xmlns:a16="http://schemas.microsoft.com/office/drawing/2014/main" id="{0F995921-8CFB-4A23-8C8B-B2815AE8670A}"/>
               </a:ext>
             </a:extLst>
           </p:cNvPr>
@@ -22464,7 +22464,7 @@
           <p:cNvPr id="97" name="자유형: 도형 396">
             <a:extLst>
               <a:ext uri="{FF2B5EF4-FFF2-40B4-BE49-F238E27FC236}">
-                <a16:creationId xmlns:a16="http://schemas.microsoft.com/office/drawing/2014/main" id="{38E18007-DA79-4D7B-96F0-FEC1EB21386C}"/>
+                <a16:creationId xmlns="" xmlns:a16="http://schemas.microsoft.com/office/drawing/2014/main" id="{38E18007-DA79-4D7B-96F0-FEC1EB21386C}"/>
               </a:ext>
             </a:extLst>
           </p:cNvPr>
@@ -22609,7 +22609,7 @@
           <p:cNvPr id="98" name="자유형: 도형 397">
             <a:extLst>
               <a:ext uri="{FF2B5EF4-FFF2-40B4-BE49-F238E27FC236}">
-                <a16:creationId xmlns:a16="http://schemas.microsoft.com/office/drawing/2014/main" id="{C0E1BE7B-0A87-404E-B319-F1AE13922904}"/>
+                <a16:creationId xmlns="" xmlns:a16="http://schemas.microsoft.com/office/drawing/2014/main" id="{C0E1BE7B-0A87-404E-B319-F1AE13922904}"/>
               </a:ext>
             </a:extLst>
           </p:cNvPr>
@@ -22754,7 +22754,7 @@
           <p:cNvPr id="99" name="자유형: 도형 398">
             <a:extLst>
               <a:ext uri="{FF2B5EF4-FFF2-40B4-BE49-F238E27FC236}">
-                <a16:creationId xmlns:a16="http://schemas.microsoft.com/office/drawing/2014/main" id="{675C7C0F-8C6D-4AAF-BC5F-2B81DEB3E4E8}"/>
+                <a16:creationId xmlns="" xmlns:a16="http://schemas.microsoft.com/office/drawing/2014/main" id="{675C7C0F-8C6D-4AAF-BC5F-2B81DEB3E4E8}"/>
               </a:ext>
             </a:extLst>
           </p:cNvPr>
@@ -22899,7 +22899,7 @@
           <p:cNvPr id="100" name="자유형: 도형 399">
             <a:extLst>
               <a:ext uri="{FF2B5EF4-FFF2-40B4-BE49-F238E27FC236}">
-                <a16:creationId xmlns:a16="http://schemas.microsoft.com/office/drawing/2014/main" id="{846A25C2-933F-44C2-A0FE-4110FBEBA915}"/>
+                <a16:creationId xmlns="" xmlns:a16="http://schemas.microsoft.com/office/drawing/2014/main" id="{846A25C2-933F-44C2-A0FE-4110FBEBA915}"/>
               </a:ext>
             </a:extLst>
           </p:cNvPr>
@@ -23044,7 +23044,7 @@
           <p:cNvPr id="101" name="자유형: 도형 400">
             <a:extLst>
               <a:ext uri="{FF2B5EF4-FFF2-40B4-BE49-F238E27FC236}">
-                <a16:creationId xmlns:a16="http://schemas.microsoft.com/office/drawing/2014/main" id="{5EBA2B3B-7A04-4662-B870-F720B8538988}"/>
+                <a16:creationId xmlns="" xmlns:a16="http://schemas.microsoft.com/office/drawing/2014/main" id="{5EBA2B3B-7A04-4662-B870-F720B8538988}"/>
               </a:ext>
             </a:extLst>
           </p:cNvPr>
@@ -23189,7 +23189,7 @@
           <p:cNvPr id="102" name="직사각형 101">
             <a:extLst>
               <a:ext uri="{FF2B5EF4-FFF2-40B4-BE49-F238E27FC236}">
-                <a16:creationId xmlns:a16="http://schemas.microsoft.com/office/drawing/2014/main" id="{8E46B02D-66F3-495A-BE76-8FA2A68509CF}"/>
+                <a16:creationId xmlns="" xmlns:a16="http://schemas.microsoft.com/office/drawing/2014/main" id="{8E46B02D-66F3-495A-BE76-8FA2A68509CF}"/>
               </a:ext>
             </a:extLst>
           </p:cNvPr>
@@ -23245,7 +23245,7 @@
           <p:cNvPr id="103" name="직사각형 102">
             <a:extLst>
               <a:ext uri="{FF2B5EF4-FFF2-40B4-BE49-F238E27FC236}">
-                <a16:creationId xmlns:a16="http://schemas.microsoft.com/office/drawing/2014/main" id="{7FEC52E6-E0E1-427E-87A8-FEE2AAF979A8}"/>
+                <a16:creationId xmlns="" xmlns:a16="http://schemas.microsoft.com/office/drawing/2014/main" id="{7FEC52E6-E0E1-427E-87A8-FEE2AAF979A8}"/>
               </a:ext>
             </a:extLst>
           </p:cNvPr>
@@ -23444,7 +23444,7 @@
           <p:cNvPr id="107" name="자유형: 도형 377">
             <a:extLst>
               <a:ext uri="{FF2B5EF4-FFF2-40B4-BE49-F238E27FC236}">
-                <a16:creationId xmlns:a16="http://schemas.microsoft.com/office/drawing/2014/main" id="{0B4A7219-0820-4378-B811-331B8646398F}"/>
+                <a16:creationId xmlns="" xmlns:a16="http://schemas.microsoft.com/office/drawing/2014/main" id="{0B4A7219-0820-4378-B811-331B8646398F}"/>
               </a:ext>
             </a:extLst>
           </p:cNvPr>
@@ -23589,7 +23589,7 @@
           <p:cNvPr id="108" name="자유형: 도형 378">
             <a:extLst>
               <a:ext uri="{FF2B5EF4-FFF2-40B4-BE49-F238E27FC236}">
-                <a16:creationId xmlns:a16="http://schemas.microsoft.com/office/drawing/2014/main" id="{AE7688D0-57FD-4391-A3C9-1EB04A54396A}"/>
+                <a16:creationId xmlns="" xmlns:a16="http://schemas.microsoft.com/office/drawing/2014/main" id="{AE7688D0-57FD-4391-A3C9-1EB04A54396A}"/>
               </a:ext>
             </a:extLst>
           </p:cNvPr>
@@ -23734,7 +23734,7 @@
           <p:cNvPr id="109" name="자유형: 도형 379">
             <a:extLst>
               <a:ext uri="{FF2B5EF4-FFF2-40B4-BE49-F238E27FC236}">
-                <a16:creationId xmlns:a16="http://schemas.microsoft.com/office/drawing/2014/main" id="{C4615E6A-E0F5-484B-8040-DD0DD89211FD}"/>
+                <a16:creationId xmlns="" xmlns:a16="http://schemas.microsoft.com/office/drawing/2014/main" id="{C4615E6A-E0F5-484B-8040-DD0DD89211FD}"/>
               </a:ext>
             </a:extLst>
           </p:cNvPr>
@@ -23879,7 +23879,7 @@
           <p:cNvPr id="110" name="자유형: 도형 380">
             <a:extLst>
               <a:ext uri="{FF2B5EF4-FFF2-40B4-BE49-F238E27FC236}">
-                <a16:creationId xmlns:a16="http://schemas.microsoft.com/office/drawing/2014/main" id="{0937B8B0-8045-4AA8-B9F4-04B7C0AFDEBB}"/>
+                <a16:creationId xmlns="" xmlns:a16="http://schemas.microsoft.com/office/drawing/2014/main" id="{0937B8B0-8045-4AA8-B9F4-04B7C0AFDEBB}"/>
               </a:ext>
             </a:extLst>
           </p:cNvPr>
@@ -24024,7 +24024,7 @@
           <p:cNvPr id="111" name="자유형: 도형 381">
             <a:extLst>
               <a:ext uri="{FF2B5EF4-FFF2-40B4-BE49-F238E27FC236}">
-                <a16:creationId xmlns:a16="http://schemas.microsoft.com/office/drawing/2014/main" id="{DB9ADCEC-01D9-4BB3-81EE-B1429055FB91}"/>
+                <a16:creationId xmlns="" xmlns:a16="http://schemas.microsoft.com/office/drawing/2014/main" id="{DB9ADCEC-01D9-4BB3-81EE-B1429055FB91}"/>
               </a:ext>
             </a:extLst>
           </p:cNvPr>
@@ -24169,7 +24169,7 @@
           <p:cNvPr id="112" name="자유형: 도형 382">
             <a:extLst>
               <a:ext uri="{FF2B5EF4-FFF2-40B4-BE49-F238E27FC236}">
-                <a16:creationId xmlns:a16="http://schemas.microsoft.com/office/drawing/2014/main" id="{DB61C11B-0EC3-4996-906C-007E57835D42}"/>
+                <a16:creationId xmlns="" xmlns:a16="http://schemas.microsoft.com/office/drawing/2014/main" id="{DB61C11B-0EC3-4996-906C-007E57835D42}"/>
               </a:ext>
             </a:extLst>
           </p:cNvPr>
@@ -24314,7 +24314,7 @@
           <p:cNvPr id="113" name="자유형: 도형 383">
             <a:extLst>
               <a:ext uri="{FF2B5EF4-FFF2-40B4-BE49-F238E27FC236}">
-                <a16:creationId xmlns:a16="http://schemas.microsoft.com/office/drawing/2014/main" id="{044A0A9B-5CA5-4FE7-B917-B350C19EF0E6}"/>
+                <a16:creationId xmlns="" xmlns:a16="http://schemas.microsoft.com/office/drawing/2014/main" id="{044A0A9B-5CA5-4FE7-B917-B350C19EF0E6}"/>
               </a:ext>
             </a:extLst>
           </p:cNvPr>
@@ -24459,7 +24459,7 @@
           <p:cNvPr id="114" name="자유형: 도형 384">
             <a:extLst>
               <a:ext uri="{FF2B5EF4-FFF2-40B4-BE49-F238E27FC236}">
-                <a16:creationId xmlns:a16="http://schemas.microsoft.com/office/drawing/2014/main" id="{EA9897D2-716C-4BC1-98EE-5CC7B719C72B}"/>
+                <a16:creationId xmlns="" xmlns:a16="http://schemas.microsoft.com/office/drawing/2014/main" id="{EA9897D2-716C-4BC1-98EE-5CC7B719C72B}"/>
               </a:ext>
             </a:extLst>
           </p:cNvPr>
@@ -24604,7 +24604,7 @@
           <p:cNvPr id="115" name="자유형: 도형 385">
             <a:extLst>
               <a:ext uri="{FF2B5EF4-FFF2-40B4-BE49-F238E27FC236}">
-                <a16:creationId xmlns:a16="http://schemas.microsoft.com/office/drawing/2014/main" id="{7582865E-7A8F-44C3-912A-C087626FEDA9}"/>
+                <a16:creationId xmlns="" xmlns:a16="http://schemas.microsoft.com/office/drawing/2014/main" id="{7582865E-7A8F-44C3-912A-C087626FEDA9}"/>
               </a:ext>
             </a:extLst>
           </p:cNvPr>
@@ -24749,7 +24749,7 @@
           <p:cNvPr id="116" name="자유형: 도형 386">
             <a:extLst>
               <a:ext uri="{FF2B5EF4-FFF2-40B4-BE49-F238E27FC236}">
-                <a16:creationId xmlns:a16="http://schemas.microsoft.com/office/drawing/2014/main" id="{76E18406-54A4-401D-9DCA-86C76E3A933C}"/>
+                <a16:creationId xmlns="" xmlns:a16="http://schemas.microsoft.com/office/drawing/2014/main" id="{76E18406-54A4-401D-9DCA-86C76E3A933C}"/>
               </a:ext>
             </a:extLst>
           </p:cNvPr>
@@ -24894,7 +24894,7 @@
           <p:cNvPr id="117" name="자유형: 도형 387">
             <a:extLst>
               <a:ext uri="{FF2B5EF4-FFF2-40B4-BE49-F238E27FC236}">
-                <a16:creationId xmlns:a16="http://schemas.microsoft.com/office/drawing/2014/main" id="{78D016E9-A182-4180-A637-1A890C82CE6A}"/>
+                <a16:creationId xmlns="" xmlns:a16="http://schemas.microsoft.com/office/drawing/2014/main" id="{78D016E9-A182-4180-A637-1A890C82CE6A}"/>
               </a:ext>
             </a:extLst>
           </p:cNvPr>
@@ -25039,7 +25039,7 @@
           <p:cNvPr id="118" name="자유형: 도형 388">
             <a:extLst>
               <a:ext uri="{FF2B5EF4-FFF2-40B4-BE49-F238E27FC236}">
-                <a16:creationId xmlns:a16="http://schemas.microsoft.com/office/drawing/2014/main" id="{05F8530F-49F6-48DF-AD43-D138C77A6596}"/>
+                <a16:creationId xmlns="" xmlns:a16="http://schemas.microsoft.com/office/drawing/2014/main" id="{05F8530F-49F6-48DF-AD43-D138C77A6596}"/>
               </a:ext>
             </a:extLst>
           </p:cNvPr>
@@ -25184,7 +25184,7 @@
           <p:cNvPr id="119" name="자유형: 도형 389">
             <a:extLst>
               <a:ext uri="{FF2B5EF4-FFF2-40B4-BE49-F238E27FC236}">
-                <a16:creationId xmlns:a16="http://schemas.microsoft.com/office/drawing/2014/main" id="{98DCEC21-B8BD-43A7-8436-449C4406D27B}"/>
+                <a16:creationId xmlns="" xmlns:a16="http://schemas.microsoft.com/office/drawing/2014/main" id="{98DCEC21-B8BD-43A7-8436-449C4406D27B}"/>
               </a:ext>
             </a:extLst>
           </p:cNvPr>
@@ -25329,7 +25329,7 @@
           <p:cNvPr id="120" name="자유형: 도형 390">
             <a:extLst>
               <a:ext uri="{FF2B5EF4-FFF2-40B4-BE49-F238E27FC236}">
-                <a16:creationId xmlns:a16="http://schemas.microsoft.com/office/drawing/2014/main" id="{71FAF07A-965F-4A51-9977-FFFFAA15A432}"/>
+                <a16:creationId xmlns="" xmlns:a16="http://schemas.microsoft.com/office/drawing/2014/main" id="{71FAF07A-965F-4A51-9977-FFFFAA15A432}"/>
               </a:ext>
             </a:extLst>
           </p:cNvPr>
@@ -25474,7 +25474,7 @@
           <p:cNvPr id="121" name="자유형: 도형 391">
             <a:extLst>
               <a:ext uri="{FF2B5EF4-FFF2-40B4-BE49-F238E27FC236}">
-                <a16:creationId xmlns:a16="http://schemas.microsoft.com/office/drawing/2014/main" id="{5047EEFB-CDDB-46B7-AA56-F96C5BF34725}"/>
+                <a16:creationId xmlns="" xmlns:a16="http://schemas.microsoft.com/office/drawing/2014/main" id="{5047EEFB-CDDB-46B7-AA56-F96C5BF34725}"/>
               </a:ext>
             </a:extLst>
           </p:cNvPr>
@@ -25619,7 +25619,7 @@
           <p:cNvPr id="122" name="자유형: 도형 392">
             <a:extLst>
               <a:ext uri="{FF2B5EF4-FFF2-40B4-BE49-F238E27FC236}">
-                <a16:creationId xmlns:a16="http://schemas.microsoft.com/office/drawing/2014/main" id="{2D343500-5462-4C95-880B-385171314AB6}"/>
+                <a16:creationId xmlns="" xmlns:a16="http://schemas.microsoft.com/office/drawing/2014/main" id="{2D343500-5462-4C95-880B-385171314AB6}"/>
               </a:ext>
             </a:extLst>
           </p:cNvPr>
@@ -25764,7 +25764,7 @@
           <p:cNvPr id="123" name="자유형: 도형 393">
             <a:extLst>
               <a:ext uri="{FF2B5EF4-FFF2-40B4-BE49-F238E27FC236}">
-                <a16:creationId xmlns:a16="http://schemas.microsoft.com/office/drawing/2014/main" id="{7B3DA1B8-BF1B-4513-966C-2A916F28EFB9}"/>
+                <a16:creationId xmlns="" xmlns:a16="http://schemas.microsoft.com/office/drawing/2014/main" id="{7B3DA1B8-BF1B-4513-966C-2A916F28EFB9}"/>
               </a:ext>
             </a:extLst>
           </p:cNvPr>
@@ -25909,7 +25909,7 @@
           <p:cNvPr id="124" name="자유형: 도형 394">
             <a:extLst>
               <a:ext uri="{FF2B5EF4-FFF2-40B4-BE49-F238E27FC236}">
-                <a16:creationId xmlns:a16="http://schemas.microsoft.com/office/drawing/2014/main" id="{28F89FC3-982F-4923-9453-6F57D8E1E307}"/>
+                <a16:creationId xmlns="" xmlns:a16="http://schemas.microsoft.com/office/drawing/2014/main" id="{28F89FC3-982F-4923-9453-6F57D8E1E307}"/>
               </a:ext>
             </a:extLst>
           </p:cNvPr>
@@ -26054,7 +26054,7 @@
           <p:cNvPr id="125" name="자유형: 도형 395">
             <a:extLst>
               <a:ext uri="{FF2B5EF4-FFF2-40B4-BE49-F238E27FC236}">
-                <a16:creationId xmlns:a16="http://schemas.microsoft.com/office/drawing/2014/main" id="{0F995921-8CFB-4A23-8C8B-B2815AE8670A}"/>
+                <a16:creationId xmlns="" xmlns:a16="http://schemas.microsoft.com/office/drawing/2014/main" id="{0F995921-8CFB-4A23-8C8B-B2815AE8670A}"/>
               </a:ext>
             </a:extLst>
           </p:cNvPr>
@@ -26199,7 +26199,7 @@
           <p:cNvPr id="126" name="자유형: 도형 396">
             <a:extLst>
               <a:ext uri="{FF2B5EF4-FFF2-40B4-BE49-F238E27FC236}">
-                <a16:creationId xmlns:a16="http://schemas.microsoft.com/office/drawing/2014/main" id="{38E18007-DA79-4D7B-96F0-FEC1EB21386C}"/>
+                <a16:creationId xmlns="" xmlns:a16="http://schemas.microsoft.com/office/drawing/2014/main" id="{38E18007-DA79-4D7B-96F0-FEC1EB21386C}"/>
               </a:ext>
             </a:extLst>
           </p:cNvPr>
@@ -26344,7 +26344,7 @@
           <p:cNvPr id="127" name="자유형: 도형 397">
             <a:extLst>
               <a:ext uri="{FF2B5EF4-FFF2-40B4-BE49-F238E27FC236}">
-                <a16:creationId xmlns:a16="http://schemas.microsoft.com/office/drawing/2014/main" id="{C0E1BE7B-0A87-404E-B319-F1AE13922904}"/>
+                <a16:creationId xmlns="" xmlns:a16="http://schemas.microsoft.com/office/drawing/2014/main" id="{C0E1BE7B-0A87-404E-B319-F1AE13922904}"/>
               </a:ext>
             </a:extLst>
           </p:cNvPr>
@@ -26489,7 +26489,7 @@
           <p:cNvPr id="128" name="자유형: 도형 398">
             <a:extLst>
               <a:ext uri="{FF2B5EF4-FFF2-40B4-BE49-F238E27FC236}">
-                <a16:creationId xmlns:a16="http://schemas.microsoft.com/office/drawing/2014/main" id="{675C7C0F-8C6D-4AAF-BC5F-2B81DEB3E4E8}"/>
+                <a16:creationId xmlns="" xmlns:a16="http://schemas.microsoft.com/office/drawing/2014/main" id="{675C7C0F-8C6D-4AAF-BC5F-2B81DEB3E4E8}"/>
               </a:ext>
             </a:extLst>
           </p:cNvPr>
@@ -26634,7 +26634,7 @@
           <p:cNvPr id="129" name="자유형: 도형 399">
             <a:extLst>
               <a:ext uri="{FF2B5EF4-FFF2-40B4-BE49-F238E27FC236}">
-                <a16:creationId xmlns:a16="http://schemas.microsoft.com/office/drawing/2014/main" id="{846A25C2-933F-44C2-A0FE-4110FBEBA915}"/>
+                <a16:creationId xmlns="" xmlns:a16="http://schemas.microsoft.com/office/drawing/2014/main" id="{846A25C2-933F-44C2-A0FE-4110FBEBA915}"/>
               </a:ext>
             </a:extLst>
           </p:cNvPr>
@@ -26779,7 +26779,7 @@
           <p:cNvPr id="130" name="자유형: 도형 400">
             <a:extLst>
               <a:ext uri="{FF2B5EF4-FFF2-40B4-BE49-F238E27FC236}">
-                <a16:creationId xmlns:a16="http://schemas.microsoft.com/office/drawing/2014/main" id="{5EBA2B3B-7A04-4662-B870-F720B8538988}"/>
+                <a16:creationId xmlns="" xmlns:a16="http://schemas.microsoft.com/office/drawing/2014/main" id="{5EBA2B3B-7A04-4662-B870-F720B8538988}"/>
               </a:ext>
             </a:extLst>
           </p:cNvPr>
@@ -26924,7 +26924,7 @@
           <p:cNvPr id="131" name="직사각형 130">
             <a:extLst>
               <a:ext uri="{FF2B5EF4-FFF2-40B4-BE49-F238E27FC236}">
-                <a16:creationId xmlns:a16="http://schemas.microsoft.com/office/drawing/2014/main" id="{8E46B02D-66F3-495A-BE76-8FA2A68509CF}"/>
+                <a16:creationId xmlns="" xmlns:a16="http://schemas.microsoft.com/office/drawing/2014/main" id="{8E46B02D-66F3-495A-BE76-8FA2A68509CF}"/>
               </a:ext>
             </a:extLst>
           </p:cNvPr>
@@ -26980,7 +26980,7 @@
           <p:cNvPr id="132" name="직사각형 131">
             <a:extLst>
               <a:ext uri="{FF2B5EF4-FFF2-40B4-BE49-F238E27FC236}">
-                <a16:creationId xmlns:a16="http://schemas.microsoft.com/office/drawing/2014/main" id="{7FEC52E6-E0E1-427E-87A8-FEE2AAF979A8}"/>
+                <a16:creationId xmlns="" xmlns:a16="http://schemas.microsoft.com/office/drawing/2014/main" id="{7FEC52E6-E0E1-427E-87A8-FEE2AAF979A8}"/>
               </a:ext>
             </a:extLst>
           </p:cNvPr>
@@ -28115,7 +28115,7 @@
           <p:cNvPr id="114" name="직사각형 113">
             <a:extLst>
               <a:ext uri="{FF2B5EF4-FFF2-40B4-BE49-F238E27FC236}">
-                <a16:creationId xmlns:a16="http://schemas.microsoft.com/office/drawing/2014/main" id="{3FA00699-5178-465A-9F3F-130CF1431F70}"/>
+                <a16:creationId xmlns="" xmlns:a16="http://schemas.microsoft.com/office/drawing/2014/main" id="{3FA00699-5178-465A-9F3F-130CF1431F70}"/>
               </a:ext>
             </a:extLst>
           </p:cNvPr>
@@ -28440,7 +28440,7 @@
           <p:cNvPr id="122" name="직사각형 121">
             <a:extLst>
               <a:ext uri="{FF2B5EF4-FFF2-40B4-BE49-F238E27FC236}">
-                <a16:creationId xmlns:a16="http://schemas.microsoft.com/office/drawing/2014/main" id="{3FA00699-5178-465A-9F3F-130CF1431F70}"/>
+                <a16:creationId xmlns="" xmlns:a16="http://schemas.microsoft.com/office/drawing/2014/main" id="{3FA00699-5178-465A-9F3F-130CF1431F70}"/>
               </a:ext>
             </a:extLst>
           </p:cNvPr>
@@ -28765,7 +28765,7 @@
           <p:cNvPr id="130" name="직사각형 129">
             <a:extLst>
               <a:ext uri="{FF2B5EF4-FFF2-40B4-BE49-F238E27FC236}">
-                <a16:creationId xmlns:a16="http://schemas.microsoft.com/office/drawing/2014/main" id="{3FA00699-5178-465A-9F3F-130CF1431F70}"/>
+                <a16:creationId xmlns="" xmlns:a16="http://schemas.microsoft.com/office/drawing/2014/main" id="{3FA00699-5178-465A-9F3F-130CF1431F70}"/>
               </a:ext>
             </a:extLst>
           </p:cNvPr>
@@ -31401,7 +31401,7 @@
           <p:nvPr>
             <p:extLst>
               <p:ext uri="{D42A27DB-BD31-4B8C-83A1-F6EECF244321}">
-                <p14:modId xmlns:p14="http://schemas.microsoft.com/office/powerpoint/2010/main" val="1777090609"/>
+                <p14:modId xmlns:p14="http://schemas.microsoft.com/office/powerpoint/2010/main" val="2224335538"/>
               </p:ext>
             </p:extLst>
           </p:nvPr>
@@ -31420,14 +31420,14 @@
                 <a:gridCol w="1875099">
                   <a:extLst>
                     <a:ext uri="{9D8B030D-6E8A-4147-A177-3AD203B41FA5}">
-                      <a16:colId xmlns:a16="http://schemas.microsoft.com/office/drawing/2014/main" val="20000"/>
+                      <a16:colId xmlns="" xmlns:a16="http://schemas.microsoft.com/office/drawing/2014/main" val="20000"/>
                     </a:ext>
                   </a:extLst>
                 </a:gridCol>
                 <a:gridCol w="4158309">
                   <a:extLst>
                     <a:ext uri="{9D8B030D-6E8A-4147-A177-3AD203B41FA5}">
-                      <a16:colId xmlns:a16="http://schemas.microsoft.com/office/drawing/2014/main" val="20001"/>
+                      <a16:colId xmlns="" xmlns:a16="http://schemas.microsoft.com/office/drawing/2014/main" val="20001"/>
                     </a:ext>
                   </a:extLst>
                 </a:gridCol>
@@ -31554,7 +31554,7 @@
                 </a:tc>
                 <a:extLst>
                   <a:ext uri="{0D108BD9-81ED-4DB2-BD59-A6C34878D82A}">
-                    <a16:rowId xmlns:a16="http://schemas.microsoft.com/office/drawing/2014/main" val="10000"/>
+                    <a16:rowId xmlns="" xmlns:a16="http://schemas.microsoft.com/office/drawing/2014/main" val="10000"/>
                   </a:ext>
                 </a:extLst>
               </a:tr>
@@ -31778,7 +31778,7 @@
                 </a:tc>
                 <a:extLst>
                   <a:ext uri="{0D108BD9-81ED-4DB2-BD59-A6C34878D82A}">
-                    <a16:rowId xmlns:a16="http://schemas.microsoft.com/office/drawing/2014/main" val="10001"/>
+                    <a16:rowId xmlns="" xmlns:a16="http://schemas.microsoft.com/office/drawing/2014/main" val="10001"/>
                   </a:ext>
                 </a:extLst>
               </a:tr>
@@ -32030,7 +32030,7 @@
                 </a:tc>
                 <a:extLst>
                   <a:ext uri="{0D108BD9-81ED-4DB2-BD59-A6C34878D82A}">
-                    <a16:rowId xmlns:a16="http://schemas.microsoft.com/office/drawing/2014/main" val="10002"/>
+                    <a16:rowId xmlns="" xmlns:a16="http://schemas.microsoft.com/office/drawing/2014/main" val="10002"/>
                   </a:ext>
                 </a:extLst>
               </a:tr>
@@ -32282,7 +32282,7 @@
                 </a:tc>
                 <a:extLst>
                   <a:ext uri="{0D108BD9-81ED-4DB2-BD59-A6C34878D82A}">
-                    <a16:rowId xmlns:a16="http://schemas.microsoft.com/office/drawing/2014/main" val="10003"/>
+                    <a16:rowId xmlns="" xmlns:a16="http://schemas.microsoft.com/office/drawing/2014/main" val="10003"/>
                   </a:ext>
                 </a:extLst>
               </a:tr>
@@ -32534,7 +32534,7 @@
                 </a:tc>
                 <a:extLst>
                   <a:ext uri="{0D108BD9-81ED-4DB2-BD59-A6C34878D82A}">
-                    <a16:rowId xmlns:a16="http://schemas.microsoft.com/office/drawing/2014/main" val="10004"/>
+                    <a16:rowId xmlns="" xmlns:a16="http://schemas.microsoft.com/office/drawing/2014/main" val="10004"/>
                   </a:ext>
                 </a:extLst>
               </a:tr>
@@ -32599,88 +32599,25 @@
                           <a:ea typeface="+mn-ea"/>
                           <a:cs typeface="+mn-cs"/>
                         </a:rPr>
-                        <a:t>네</a:t>
+                        <a:t>그 외 나머지 자리</a:t>
                       </a:r>
-                      <a:r>
-                        <a:rPr kumimoji="0" lang="en-US" altLang="ko-KR" sz="1050" b="0" i="0" u="none" strike="noStrike" kern="1200" cap="none" spc="0" normalizeH="0" baseline="0" noProof="0" dirty="0" smtClean="0">
-                          <a:ln>
-                            <a:noFill/>
-                          </a:ln>
-                          <a:solidFill>
-                            <a:schemeClr val="tx1">
-                              <a:lumMod val="75000"/>
-                              <a:lumOff val="25000"/>
-                            </a:schemeClr>
-                          </a:solidFill>
-                          <a:effectLst/>
-                          <a:uLnTx/>
-                          <a:uFillTx/>
-                          <a:latin typeface="+mn-lt"/>
-                          <a:ea typeface="+mn-ea"/>
-                          <a:cs typeface="+mn-cs"/>
-                        </a:rPr>
-                        <a:t>, </a:t>
-                      </a:r>
-                      <a:r>
-                        <a:rPr kumimoji="0" lang="ko-KR" altLang="en-US" sz="1050" b="0" i="0" u="none" strike="noStrike" kern="1200" cap="none" spc="0" normalizeH="0" baseline="0" noProof="0" dirty="0" smtClean="0">
-                          <a:ln>
-                            <a:noFill/>
-                          </a:ln>
-                          <a:solidFill>
-                            <a:schemeClr val="tx1">
-                              <a:lumMod val="75000"/>
-                              <a:lumOff val="25000"/>
-                            </a:schemeClr>
-                          </a:solidFill>
-                          <a:effectLst/>
-                          <a:uLnTx/>
-                          <a:uFillTx/>
-                          <a:latin typeface="+mn-lt"/>
-                          <a:ea typeface="+mn-ea"/>
-                          <a:cs typeface="+mn-cs"/>
-                        </a:rPr>
-                        <a:t>다섯</a:t>
-                      </a:r>
-                      <a:r>
-                        <a:rPr kumimoji="0" lang="en-US" altLang="ko-KR" sz="1050" b="0" i="0" u="none" strike="noStrike" kern="1200" cap="none" spc="0" normalizeH="0" baseline="0" noProof="0" dirty="0" smtClean="0">
-                          <a:ln>
-                            <a:noFill/>
-                          </a:ln>
-                          <a:solidFill>
-                            <a:schemeClr val="tx1">
-                              <a:lumMod val="75000"/>
-                              <a:lumOff val="25000"/>
-                            </a:schemeClr>
-                          </a:solidFill>
-                          <a:effectLst/>
-                          <a:uLnTx/>
-                          <a:uFillTx/>
-                          <a:latin typeface="+mn-lt"/>
-                          <a:ea typeface="+mn-ea"/>
-                          <a:cs typeface="+mn-cs"/>
-                        </a:rPr>
-                        <a:t>, </a:t>
-                      </a:r>
-                      <a:r>
-                        <a:rPr kumimoji="0" lang="ko-KR" altLang="en-US" sz="1050" b="0" i="0" u="none" strike="noStrike" kern="1200" cap="none" spc="0" normalizeH="0" baseline="0" noProof="0" dirty="0" smtClean="0">
-                          <a:ln>
-                            <a:noFill/>
-                          </a:ln>
-                          <a:solidFill>
-                            <a:schemeClr val="tx1">
-                              <a:lumMod val="75000"/>
-                              <a:lumOff val="25000"/>
-                            </a:schemeClr>
-                          </a:solidFill>
-                          <a:effectLst/>
-                          <a:uLnTx/>
-                          <a:uFillTx/>
-                          <a:latin typeface="+mn-lt"/>
-                          <a:ea typeface="+mn-ea"/>
-                          <a:cs typeface="+mn-cs"/>
-                        </a:rPr>
-                        <a:t>여섯 번째 자리</a:t>
-                      </a:r>
+                      <a:endParaRPr kumimoji="0" lang="ko-KR" altLang="en-US" sz="1050" b="0" i="0" u="none" strike="noStrike" kern="1200" cap="none" spc="0" normalizeH="0" baseline="0" noProof="0" dirty="0" smtClean="0">
+                        <a:ln>
+                          <a:noFill/>
+                        </a:ln>
+                        <a:solidFill>
+                          <a:schemeClr val="tx1">
+                            <a:lumMod val="75000"/>
+                            <a:lumOff val="25000"/>
+                          </a:schemeClr>
+                        </a:solidFill>
+                        <a:effectLst/>
+                        <a:uLnTx/>
+                        <a:uFillTx/>
+                        <a:latin typeface="+mn-lt"/>
+                        <a:ea typeface="+mn-ea"/>
+                        <a:cs typeface="+mn-cs"/>
+                      </a:endParaRPr>
                     </a:p>
                   </a:txBody>
                   <a:tcPr anchor="ctr">
@@ -32926,7 +32863,7 @@
                 </a:tc>
                 <a:extLst>
                   <a:ext uri="{0D108BD9-81ED-4DB2-BD59-A6C34878D82A}">
-                    <a16:rowId xmlns:a16="http://schemas.microsoft.com/office/drawing/2014/main" val="10005"/>
+                    <a16:rowId xmlns="" xmlns:a16="http://schemas.microsoft.com/office/drawing/2014/main" val="10005"/>
                   </a:ext>
                 </a:extLst>
               </a:tr>
@@ -33294,7 +33231,7 @@
                 </a:tc>
                 <a:extLst>
                   <a:ext uri="{0D108BD9-81ED-4DB2-BD59-A6C34878D82A}">
-                    <a16:rowId xmlns:a16="http://schemas.microsoft.com/office/drawing/2014/main" val="10006"/>
+                    <a16:rowId xmlns="" xmlns:a16="http://schemas.microsoft.com/office/drawing/2014/main" val="10006"/>
                   </a:ext>
                 </a:extLst>
               </a:tr>
@@ -33526,7 +33463,7 @@
                 </a:tc>
                 <a:extLst>
                   <a:ext uri="{0D108BD9-81ED-4DB2-BD59-A6C34878D82A}">
-                    <a16:rowId xmlns:a16="http://schemas.microsoft.com/office/drawing/2014/main" val="10007"/>
+                    <a16:rowId xmlns="" xmlns:a16="http://schemas.microsoft.com/office/drawing/2014/main" val="10007"/>
                   </a:ext>
                 </a:extLst>
               </a:tr>
@@ -33835,7 +33772,7 @@
                 </a:tc>
                 <a:extLst>
                   <a:ext uri="{0D108BD9-81ED-4DB2-BD59-A6C34878D82A}">
-                    <a16:rowId xmlns:a16="http://schemas.microsoft.com/office/drawing/2014/main" val="10008"/>
+                    <a16:rowId xmlns="" xmlns:a16="http://schemas.microsoft.com/office/drawing/2014/main" val="10008"/>
                   </a:ext>
                 </a:extLst>
               </a:tr>
@@ -33848,7 +33785,7 @@
           <p:cNvPr id="23" name="직사각형 22">
             <a:extLst>
               <a:ext uri="{FF2B5EF4-FFF2-40B4-BE49-F238E27FC236}">
-                <a16:creationId xmlns:a16="http://schemas.microsoft.com/office/drawing/2014/main" id="{3FA00699-5178-465A-9F3F-130CF1431F70}"/>
+                <a16:creationId xmlns="" xmlns:a16="http://schemas.microsoft.com/office/drawing/2014/main" id="{3FA00699-5178-465A-9F3F-130CF1431F70}"/>
               </a:ext>
             </a:extLst>
           </p:cNvPr>
@@ -34656,7 +34593,7 @@
           <p:cNvPr id="26" name="직사각형 25">
             <a:extLst>
               <a:ext uri="{FF2B5EF4-FFF2-40B4-BE49-F238E27FC236}">
-                <a16:creationId xmlns:a16="http://schemas.microsoft.com/office/drawing/2014/main" id="{3FA00699-5178-465A-9F3F-130CF1431F70}"/>
+                <a16:creationId xmlns="" xmlns:a16="http://schemas.microsoft.com/office/drawing/2014/main" id="{3FA00699-5178-465A-9F3F-130CF1431F70}"/>
               </a:ext>
             </a:extLst>
           </p:cNvPr>
@@ -34704,7 +34641,7 @@
           <p:cNvPr id="27" name="직사각형 26">
             <a:extLst>
               <a:ext uri="{FF2B5EF4-FFF2-40B4-BE49-F238E27FC236}">
-                <a16:creationId xmlns:a16="http://schemas.microsoft.com/office/drawing/2014/main" id="{3FA00699-5178-465A-9F3F-130CF1431F70}"/>
+                <a16:creationId xmlns="" xmlns:a16="http://schemas.microsoft.com/office/drawing/2014/main" id="{3FA00699-5178-465A-9F3F-130CF1431F70}"/>
               </a:ext>
             </a:extLst>
           </p:cNvPr>
@@ -34760,7 +34697,7 @@
           <p:cNvPr id="28" name="직사각형 27">
             <a:extLst>
               <a:ext uri="{FF2B5EF4-FFF2-40B4-BE49-F238E27FC236}">
-                <a16:creationId xmlns:a16="http://schemas.microsoft.com/office/drawing/2014/main" id="{3FA00699-5178-465A-9F3F-130CF1431F70}"/>
+                <a16:creationId xmlns="" xmlns:a16="http://schemas.microsoft.com/office/drawing/2014/main" id="{3FA00699-5178-465A-9F3F-130CF1431F70}"/>
               </a:ext>
             </a:extLst>
           </p:cNvPr>
@@ -35961,7 +35898,7 @@
           <p:cNvPr id="30" name="직사각형 29">
             <a:extLst>
               <a:ext uri="{FF2B5EF4-FFF2-40B4-BE49-F238E27FC236}">
-                <a16:creationId xmlns:a16="http://schemas.microsoft.com/office/drawing/2014/main" id="{3FA00699-5178-465A-9F3F-130CF1431F70}"/>
+                <a16:creationId xmlns="" xmlns:a16="http://schemas.microsoft.com/office/drawing/2014/main" id="{3FA00699-5178-465A-9F3F-130CF1431F70}"/>
               </a:ext>
             </a:extLst>
           </p:cNvPr>
@@ -37146,7 +37083,7 @@
           <p:cNvPr id="59" name="직사각형 58">
             <a:extLst>
               <a:ext uri="{FF2B5EF4-FFF2-40B4-BE49-F238E27FC236}">
-                <a16:creationId xmlns:a16="http://schemas.microsoft.com/office/drawing/2014/main" id="{3FA00699-5178-465A-9F3F-130CF1431F70}"/>
+                <a16:creationId xmlns="" xmlns:a16="http://schemas.microsoft.com/office/drawing/2014/main" id="{3FA00699-5178-465A-9F3F-130CF1431F70}"/>
               </a:ext>
             </a:extLst>
           </p:cNvPr>
@@ -38331,7 +38268,7 @@
           <p:cNvPr id="54" name="직사각형 53">
             <a:extLst>
               <a:ext uri="{FF2B5EF4-FFF2-40B4-BE49-F238E27FC236}">
-                <a16:creationId xmlns:a16="http://schemas.microsoft.com/office/drawing/2014/main" id="{3FA00699-5178-465A-9F3F-130CF1431F70}"/>
+                <a16:creationId xmlns="" xmlns:a16="http://schemas.microsoft.com/office/drawing/2014/main" id="{3FA00699-5178-465A-9F3F-130CF1431F70}"/>
               </a:ext>
             </a:extLst>
           </p:cNvPr>
@@ -38724,7 +38661,7 @@
   <a:extraClrSchemeLst/>
   <a:extLst>
     <a:ext uri="{05A4C25C-085E-4340-85A3-A5531E510DB2}">
-      <thm15:themeFamily xmlns:thm15="http://schemas.microsoft.com/office/thememl/2012/main" name="Office Theme" id="{62F939B6-93AF-4DB8-9C6B-D6C7DFDC589F}" vid="{4A3C46E8-61CC-4603-A589-7422A47A8E4A}"/>
+      <thm15:themeFamily xmlns="" xmlns:thm15="http://schemas.microsoft.com/office/thememl/2012/main" name="Office Theme" id="{62F939B6-93AF-4DB8-9C6B-D6C7DFDC589F}" vid="{4A3C46E8-61CC-4603-A589-7422A47A8E4A}"/>
     </a:ext>
   </a:extLst>
 </a:theme>
